--- a/Images/Presentation/Presentation1.pptx
+++ b/Images/Presentation/Presentation1.pptx
@@ -10,7 +10,7 @@
     <p:sldId id="257" r:id="rId4"/>
     <p:sldId id="258" r:id="rId5"/>
     <p:sldId id="259" r:id="rId6"/>
-    <p:sldId id="263" r:id="rId7"/>
+    <p:sldId id="267" r:id="rId7"/>
   </p:sldIdLst>
   <p:sldSz cx="9144000" cy="6858000" type="screen4x3"/>
   <p:notesSz cx="6858000" cy="9144000"/>
@@ -141,7 +141,7 @@
         </p:nvSpPr>
         <p:spPr>
           <a:xfrm>
-            <a:off x="685800" y="2130425"/>
+            <a:off x="685800" y="2130433"/>
             <a:ext cx="7772400" cy="1470025"/>
           </a:xfrm>
         </p:spPr>
@@ -293,7 +293,7 @@
           <a:p>
             <a:fld id="{D02EB887-C900-4FB3-9D2F-381B31F1A1AF}" type="datetimeFigureOut">
               <a:rPr lang="en-US" smtClean="0"/>
-              <a:t>4/22/2017</a:t>
+              <a:t>4/23/2017</a:t>
             </a:fld>
             <a:endParaRPr lang="en-US"/>
           </a:p>
@@ -463,7 +463,7 @@
           <a:p>
             <a:fld id="{D02EB887-C900-4FB3-9D2F-381B31F1A1AF}" type="datetimeFigureOut">
               <a:rPr lang="en-US" smtClean="0"/>
-              <a:t>4/22/2017</a:t>
+              <a:t>4/23/2017</a:t>
             </a:fld>
             <a:endParaRPr lang="en-US"/>
           </a:p>
@@ -553,7 +553,7 @@
         </p:nvSpPr>
         <p:spPr>
           <a:xfrm>
-            <a:off x="6629400" y="274638"/>
+            <a:off x="6629400" y="274646"/>
             <a:ext cx="2057400" cy="5851525"/>
           </a:xfrm>
         </p:spPr>
@@ -581,7 +581,7 @@
         </p:nvSpPr>
         <p:spPr>
           <a:xfrm>
-            <a:off x="457200" y="274638"/>
+            <a:off x="457200" y="274646"/>
             <a:ext cx="6019800" cy="5851525"/>
           </a:xfrm>
         </p:spPr>
@@ -643,7 +643,7 @@
           <a:p>
             <a:fld id="{D02EB887-C900-4FB3-9D2F-381B31F1A1AF}" type="datetimeFigureOut">
               <a:rPr lang="en-US" smtClean="0"/>
-              <a:t>4/22/2017</a:t>
+              <a:t>4/23/2017</a:t>
             </a:fld>
             <a:endParaRPr lang="en-US"/>
           </a:p>
@@ -813,7 +813,7 @@
           <a:p>
             <a:fld id="{D02EB887-C900-4FB3-9D2F-381B31F1A1AF}" type="datetimeFigureOut">
               <a:rPr lang="en-US" smtClean="0"/>
-              <a:t>4/22/2017</a:t>
+              <a:t>4/23/2017</a:t>
             </a:fld>
             <a:endParaRPr lang="en-US"/>
           </a:p>
@@ -903,7 +903,7 @@
         </p:nvSpPr>
         <p:spPr>
           <a:xfrm>
-            <a:off x="722313" y="4406900"/>
+            <a:off x="722313" y="4406908"/>
             <a:ext cx="7772400" cy="1362075"/>
           </a:xfrm>
         </p:spPr>
@@ -1059,7 +1059,7 @@
           <a:p>
             <a:fld id="{D02EB887-C900-4FB3-9D2F-381B31F1A1AF}" type="datetimeFigureOut">
               <a:rPr lang="en-US" smtClean="0"/>
-              <a:t>4/22/2017</a:t>
+              <a:t>4/23/2017</a:t>
             </a:fld>
             <a:endParaRPr lang="en-US"/>
           </a:p>
@@ -1172,7 +1172,7 @@
         </p:nvSpPr>
         <p:spPr>
           <a:xfrm>
-            <a:off x="457200" y="1600200"/>
+            <a:off x="457200" y="1600206"/>
             <a:ext cx="4038600" cy="4525963"/>
           </a:xfrm>
         </p:spPr>
@@ -1257,7 +1257,7 @@
         </p:nvSpPr>
         <p:spPr>
           <a:xfrm>
-            <a:off x="4648200" y="1600200"/>
+            <a:off x="4648200" y="1600206"/>
             <a:ext cx="4038600" cy="4525963"/>
           </a:xfrm>
         </p:spPr>
@@ -1347,7 +1347,7 @@
           <a:p>
             <a:fld id="{D02EB887-C900-4FB3-9D2F-381B31F1A1AF}" type="datetimeFigureOut">
               <a:rPr lang="en-US" smtClean="0"/>
-              <a:t>4/22/2017</a:t>
+              <a:t>4/23/2017</a:t>
             </a:fld>
             <a:endParaRPr lang="en-US"/>
           </a:p>
@@ -1614,7 +1614,7 @@
         </p:nvSpPr>
         <p:spPr>
           <a:xfrm>
-            <a:off x="4645025" y="1535113"/>
+            <a:off x="4645027" y="1535113"/>
             <a:ext cx="4041775" cy="639762"/>
           </a:xfrm>
         </p:spPr>
@@ -1679,7 +1679,7 @@
         </p:nvSpPr>
         <p:spPr>
           <a:xfrm>
-            <a:off x="4645025" y="2174875"/>
+            <a:off x="4645027" y="2174875"/>
             <a:ext cx="4041775" cy="3951288"/>
           </a:xfrm>
         </p:spPr>
@@ -1769,7 +1769,7 @@
           <a:p>
             <a:fld id="{D02EB887-C900-4FB3-9D2F-381B31F1A1AF}" type="datetimeFigureOut">
               <a:rPr lang="en-US" smtClean="0"/>
-              <a:t>4/22/2017</a:t>
+              <a:t>4/23/2017</a:t>
             </a:fld>
             <a:endParaRPr lang="en-US"/>
           </a:p>
@@ -1887,7 +1887,7 @@
           <a:p>
             <a:fld id="{D02EB887-C900-4FB3-9D2F-381B31F1A1AF}" type="datetimeFigureOut">
               <a:rPr lang="en-US" smtClean="0"/>
-              <a:t>4/22/2017</a:t>
+              <a:t>4/23/2017</a:t>
             </a:fld>
             <a:endParaRPr lang="en-US"/>
           </a:p>
@@ -1982,7 +1982,7 @@
           <a:p>
             <a:fld id="{D02EB887-C900-4FB3-9D2F-381B31F1A1AF}" type="datetimeFigureOut">
               <a:rPr lang="en-US" smtClean="0"/>
-              <a:t>4/22/2017</a:t>
+              <a:t>4/23/2017</a:t>
             </a:fld>
             <a:endParaRPr lang="en-US"/>
           </a:p>
@@ -2072,7 +2072,7 @@
         </p:nvSpPr>
         <p:spPr>
           <a:xfrm>
-            <a:off x="457200" y="273050"/>
+            <a:off x="457204" y="273050"/>
             <a:ext cx="3008313" cy="1162050"/>
           </a:xfrm>
         </p:spPr>
@@ -2104,7 +2104,7 @@
         </p:nvSpPr>
         <p:spPr>
           <a:xfrm>
-            <a:off x="3575050" y="273050"/>
+            <a:off x="3575050" y="273058"/>
             <a:ext cx="5111750" cy="5853113"/>
           </a:xfrm>
         </p:spPr>
@@ -2189,7 +2189,7 @@
         </p:nvSpPr>
         <p:spPr>
           <a:xfrm>
-            <a:off x="457200" y="1435100"/>
+            <a:off x="457204" y="1435103"/>
             <a:ext cx="3008313" cy="4691063"/>
           </a:xfrm>
         </p:spPr>
@@ -2259,7 +2259,7 @@
           <a:p>
             <a:fld id="{D02EB887-C900-4FB3-9D2F-381B31F1A1AF}" type="datetimeFigureOut">
               <a:rPr lang="en-US" smtClean="0"/>
-              <a:t>4/22/2017</a:t>
+              <a:t>4/23/2017</a:t>
             </a:fld>
             <a:endParaRPr lang="en-US"/>
           </a:p>
@@ -2512,7 +2512,7 @@
           <a:p>
             <a:fld id="{D02EB887-C900-4FB3-9D2F-381B31F1A1AF}" type="datetimeFigureOut">
               <a:rPr lang="en-US" smtClean="0"/>
-              <a:t>4/22/2017</a:t>
+              <a:t>4/23/2017</a:t>
             </a:fld>
             <a:endParaRPr lang="en-US"/>
           </a:p>
@@ -2640,7 +2640,7 @@
         </p:nvSpPr>
         <p:spPr>
           <a:xfrm>
-            <a:off x="457200" y="1600200"/>
+            <a:off x="457200" y="1600206"/>
             <a:ext cx="8229600" cy="4525963"/>
           </a:xfrm>
           <a:prstGeom prst="rect">
@@ -2702,7 +2702,7 @@
         </p:nvSpPr>
         <p:spPr>
           <a:xfrm>
-            <a:off x="457200" y="6356350"/>
+            <a:off x="457200" y="6356358"/>
             <a:ext cx="2133600" cy="365125"/>
           </a:xfrm>
           <a:prstGeom prst="rect">
@@ -2725,7 +2725,7 @@
           <a:p>
             <a:fld id="{D02EB887-C900-4FB3-9D2F-381B31F1A1AF}" type="datetimeFigureOut">
               <a:rPr lang="en-US" smtClean="0"/>
-              <a:t>4/22/2017</a:t>
+              <a:t>4/23/2017</a:t>
             </a:fld>
             <a:endParaRPr lang="en-US"/>
           </a:p>
@@ -2743,7 +2743,7 @@
         </p:nvSpPr>
         <p:spPr>
           <a:xfrm>
-            <a:off x="3124200" y="6356350"/>
+            <a:off x="3124200" y="6356358"/>
             <a:ext cx="2895600" cy="365125"/>
           </a:xfrm>
           <a:prstGeom prst="rect">
@@ -2780,7 +2780,7 @@
         </p:nvSpPr>
         <p:spPr>
           <a:xfrm>
-            <a:off x="6553200" y="6356350"/>
+            <a:off x="6553201" y="6356358"/>
             <a:ext cx="2133600" cy="365125"/>
           </a:xfrm>
           <a:prstGeom prst="rect">
@@ -3112,14 +3112,16 @@
         </p:nvSpPr>
         <p:spPr/>
         <p:txBody>
-          <a:bodyPr/>
+          <a:bodyPr>
+            <a:noAutofit/>
+          </a:bodyPr>
           <a:lstStyle/>
           <a:p>
             <a:r>
-              <a:rPr lang="en-US" dirty="0" smtClean="0"/>
+              <a:rPr lang="en-US" sz="4800" dirty="0" smtClean="0"/>
               <a:t>Morphological Image Reconstruction</a:t>
             </a:r>
-            <a:endParaRPr lang="en-US" dirty="0"/>
+            <a:endParaRPr lang="en-US" sz="4800" dirty="0"/>
           </a:p>
         </p:txBody>
       </p:sp>
@@ -3140,53 +3142,118 @@
           </a:xfrm>
         </p:spPr>
         <p:txBody>
-          <a:bodyPr/>
+          <a:bodyPr>
+            <a:normAutofit lnSpcReduction="10000"/>
+          </a:bodyPr>
           <a:lstStyle/>
           <a:p>
             <a:r>
-              <a:rPr lang="en-US" dirty="0" smtClean="0">
+              <a:rPr lang="en-US" sz="2800" dirty="0" smtClean="0">
                 <a:solidFill>
-                  <a:schemeClr val="tx1"/>
+                  <a:schemeClr val="tx1">
+                    <a:lumMod val="85000"/>
+                    <a:lumOff val="15000"/>
+                  </a:schemeClr>
                 </a:solidFill>
               </a:rPr>
               <a:t>Taylor </a:t>
             </a:r>
             <a:r>
-              <a:rPr lang="en-US" dirty="0" err="1" smtClean="0">
+              <a:rPr lang="en-US" sz="2800" dirty="0" err="1" smtClean="0">
                 <a:solidFill>
-                  <a:schemeClr val="tx1"/>
+                  <a:schemeClr val="tx1">
+                    <a:lumMod val="85000"/>
+                    <a:lumOff val="15000"/>
+                  </a:schemeClr>
                 </a:solidFill>
               </a:rPr>
               <a:t>Doell</a:t>
             </a:r>
             <a:r>
-              <a:rPr lang="en-US" dirty="0" smtClean="0">
+              <a:rPr lang="en-US" sz="2800" dirty="0" smtClean="0">
                 <a:solidFill>
-                  <a:schemeClr val="tx1"/>
+                  <a:schemeClr val="tx1">
+                    <a:lumMod val="85000"/>
+                    <a:lumOff val="15000"/>
+                  </a:schemeClr>
                 </a:solidFill>
               </a:rPr>
               <a:t>, </a:t>
             </a:r>
-          </a:p>
-          <a:p>
-            <a:r>
-              <a:rPr lang="en-US" dirty="0" smtClean="0">
+            <a:r>
+              <a:rPr lang="en-US" sz="2800" dirty="0" smtClean="0">
                 <a:solidFill>
-                  <a:schemeClr val="tx1"/>
+                  <a:schemeClr val="tx1">
+                    <a:lumMod val="85000"/>
+                    <a:lumOff val="15000"/>
+                  </a:schemeClr>
                 </a:solidFill>
               </a:rPr>
-              <a:t>Matt Dyke, </a:t>
-            </a:r>
-          </a:p>
-          <a:p>
-            <a:r>
-              <a:rPr lang="en-US" dirty="0" smtClean="0">
+              <a:t>Matt </a:t>
+            </a:r>
+            <a:r>
+              <a:rPr lang="en-US" sz="2800" dirty="0" smtClean="0">
                 <a:solidFill>
-                  <a:schemeClr val="tx1"/>
+                  <a:schemeClr val="tx1">
+                    <a:lumMod val="85000"/>
+                    <a:lumOff val="15000"/>
+                  </a:schemeClr>
+                </a:solidFill>
+              </a:rPr>
+              <a:t>Dyke, </a:t>
+            </a:r>
+            <a:endParaRPr lang="en-US" sz="2800" dirty="0" smtClean="0">
+              <a:solidFill>
+                <a:schemeClr val="tx1">
+                  <a:lumMod val="85000"/>
+                  <a:lumOff val="15000"/>
+                </a:schemeClr>
+              </a:solidFill>
+            </a:endParaRPr>
+          </a:p>
+          <a:p>
+            <a:r>
+              <a:rPr lang="en-US" sz="2800" dirty="0" smtClean="0">
+                <a:solidFill>
+                  <a:schemeClr val="tx1">
+                    <a:lumMod val="85000"/>
+                    <a:lumOff val="15000"/>
+                  </a:schemeClr>
                 </a:solidFill>
               </a:rPr>
               <a:t>Christian Sieh</a:t>
             </a:r>
+          </a:p>
+          <a:p>
+            <a:endParaRPr lang="en-US" sz="2400" dirty="0" smtClean="0">
+              <a:solidFill>
+                <a:schemeClr val="tx1">
+                  <a:lumMod val="85000"/>
+                  <a:lumOff val="15000"/>
+                </a:schemeClr>
+              </a:solidFill>
+            </a:endParaRPr>
+          </a:p>
+          <a:p>
+            <a:r>
+              <a:rPr lang="en-US" sz="2400" dirty="0" smtClean="0">
+                <a:solidFill>
+                  <a:schemeClr val="tx1">
+                    <a:lumMod val="85000"/>
+                    <a:lumOff val="15000"/>
+                  </a:schemeClr>
+                </a:solidFill>
+              </a:rPr>
+              <a:t>CSC442 Image Processing</a:t>
+            </a:r>
+            <a:endParaRPr lang="en-US" sz="2400" dirty="0" smtClean="0">
+              <a:solidFill>
+                <a:schemeClr val="tx1">
+                  <a:lumMod val="85000"/>
+                  <a:lumOff val="15000"/>
+                </a:schemeClr>
+              </a:solidFill>
+            </a:endParaRPr>
           </a:p>
         </p:txBody>
       </p:sp>
@@ -3200,6 +3267,13 @@
   <p:clrMapOvr>
     <a:masterClrMapping/>
   </p:clrMapOvr>
+  <p:timing>
+    <p:tnLst>
+      <p:par>
+        <p:cTn id="1" dur="indefinite" restart="never" nodeType="tmRoot"/>
+      </p:par>
+    </p:tnLst>
+  </p:timing>
 </p:sld>
 </file>
 
@@ -3273,7 +3347,7 @@
         </p:blipFill>
         <p:spPr>
           <a:xfrm>
-            <a:off x="5410200" y="3886200"/>
+            <a:off x="5410200" y="3886208"/>
             <a:ext cx="2705100" cy="2200275"/>
           </a:xfrm>
         </p:spPr>
@@ -3300,7 +3374,7 @@
         </p:blipFill>
         <p:spPr>
           <a:xfrm>
-            <a:off x="990600" y="3886200"/>
+            <a:off x="990600" y="3886208"/>
             <a:ext cx="2705100" cy="2200275"/>
           </a:xfrm>
           <a:prstGeom prst="rect">
@@ -3330,7 +3404,7 @@
         </p:blipFill>
         <p:spPr>
           <a:xfrm>
-            <a:off x="3219450" y="1371600"/>
+            <a:off x="3219450" y="1371606"/>
             <a:ext cx="2705100" cy="2200275"/>
           </a:xfrm>
           <a:prstGeom prst="rect">
@@ -3410,8 +3484,8 @@
           </a:fontRef>
         </p:style>
       </p:cxnSp>
-      <mc:AlternateContent xmlns:mc="http://schemas.openxmlformats.org/markup-compatibility/2006">
-        <mc:Choice xmlns:a14="http://schemas.microsoft.com/office/drawing/2010/main" Requires="a14">
+      <mc:AlternateContent xmlns:mc="http://schemas.openxmlformats.org/markup-compatibility/2006" xmlns:a14="http://schemas.microsoft.com/office/drawing/2010/main">
+        <mc:Choice Requires="a14">
           <p:sp>
             <p:nvSpPr>
               <p:cNvPr id="11" name="TextBox 10"/>
@@ -3420,7 +3494,7 @@
             </p:nvSpPr>
             <p:spPr>
               <a:xfrm>
-                <a:off x="1390650" y="2705100"/>
+                <a:off x="1390652" y="2705108"/>
                 <a:ext cx="952499" cy="646331"/>
               </a:xfrm>
               <a:prstGeom prst="rect">
@@ -3443,6 +3517,7 @@
                 </a:r>
               </a:p>
               <a:p>
+                <a:pPr/>
                 <a14:m>
                   <m:oMathPara xmlns:m="http://schemas.openxmlformats.org/officeDocument/2006/math">
                     <m:oMathParaPr>
@@ -3480,7 +3555,7 @@
             </p:txBody>
           </p:sp>
         </mc:Choice>
-        <mc:Fallback>
+        <mc:Fallback xmlns="">
           <p:sp>
             <p:nvSpPr>
               <p:cNvPr id="11" name="TextBox 10"/>
@@ -3519,8 +3594,8 @@
           </p:sp>
         </mc:Fallback>
       </mc:AlternateContent>
-      <mc:AlternateContent xmlns:mc="http://schemas.openxmlformats.org/markup-compatibility/2006">
-        <mc:Choice xmlns:a14="http://schemas.microsoft.com/office/drawing/2010/main" Requires="a14">
+      <mc:AlternateContent xmlns:mc="http://schemas.openxmlformats.org/markup-compatibility/2006" xmlns:a14="http://schemas.microsoft.com/office/drawing/2010/main">
+        <mc:Choice Requires="a14">
           <p:sp>
             <p:nvSpPr>
               <p:cNvPr id="12" name="TextBox 11"/>
@@ -3529,7 +3604,7 @@
             </p:nvSpPr>
             <p:spPr>
               <a:xfrm>
-                <a:off x="6781800" y="2705100"/>
+                <a:off x="6781804" y="2705108"/>
                 <a:ext cx="952499" cy="646331"/>
               </a:xfrm>
               <a:prstGeom prst="rect">
@@ -3552,6 +3627,7 @@
                 </a:r>
               </a:p>
               <a:p>
+                <a:pPr/>
                 <a14:m>
                   <m:oMathPara xmlns:m="http://schemas.openxmlformats.org/officeDocument/2006/math">
                     <m:oMathParaPr>
@@ -3589,7 +3665,7 @@
             </p:txBody>
           </p:sp>
         </mc:Choice>
-        <mc:Fallback>
+        <mc:Fallback xmlns="">
           <p:sp>
             <p:nvSpPr>
               <p:cNvPr id="12" name="TextBox 11"/>
@@ -3638,6 +3714,13 @@
   <p:clrMapOvr>
     <a:masterClrMapping/>
   </p:clrMapOvr>
+  <p:timing>
+    <p:tnLst>
+      <p:par>
+        <p:cTn id="1" dur="indefinite" restart="never" nodeType="tmRoot"/>
+      </p:par>
+    </p:tnLst>
+  </p:timing>
 </p:sld>
 </file>
 
@@ -3658,8 +3741,8 @@
           <a:chExt cx="0" cy="0"/>
         </a:xfrm>
       </p:grpSpPr>
-      <mc:AlternateContent xmlns:mc="http://schemas.openxmlformats.org/markup-compatibility/2006">
-        <mc:Choice xmlns:a14="http://schemas.microsoft.com/office/drawing/2010/main" Requires="a14">
+      <mc:AlternateContent xmlns:mc="http://schemas.openxmlformats.org/markup-compatibility/2006" xmlns:a14="http://schemas.microsoft.com/office/drawing/2010/main">
+        <mc:Choice Requires="a14">
           <p:sp>
             <p:nvSpPr>
               <p:cNvPr id="11" name="Content Placeholder 2"/>
@@ -3672,7 +3755,7 @@
             </p:nvSpPr>
             <p:spPr>
               <a:xfrm>
-                <a:off x="457200" y="1600200"/>
+                <a:off x="457200" y="1600206"/>
                 <a:ext cx="8229600" cy="4525963"/>
               </a:xfrm>
             </p:spPr>
@@ -3858,7 +3941,7 @@
             </p:txBody>
           </p:sp>
         </mc:Choice>
-        <mc:Fallback>
+        <mc:Fallback xmlns="">
           <p:sp>
             <p:nvSpPr>
               <p:cNvPr id="11" name="Content Placeholder 2"/>
@@ -4473,6 +4556,13 @@
   <p:clrMapOvr>
     <a:masterClrMapping/>
   </p:clrMapOvr>
+  <p:timing>
+    <p:tnLst>
+      <p:par>
+        <p:cTn id="1" dur="indefinite" restart="never" nodeType="tmRoot"/>
+      </p:par>
+    </p:tnLst>
+  </p:timing>
 </p:sld>
 </file>
 
@@ -4522,8 +4612,8 @@
           </a:p>
         </p:txBody>
       </p:sp>
-      <mc:AlternateContent xmlns:mc="http://schemas.openxmlformats.org/markup-compatibility/2006">
-        <mc:Choice xmlns:a14="http://schemas.microsoft.com/office/drawing/2010/main" Requires="a14">
+      <mc:AlternateContent xmlns:mc="http://schemas.openxmlformats.org/markup-compatibility/2006" xmlns:a14="http://schemas.microsoft.com/office/drawing/2010/main">
+        <mc:Choice Requires="a14">
           <p:sp>
             <p:nvSpPr>
               <p:cNvPr id="3" name="Content Placeholder 2"/>
@@ -4539,189 +4629,196 @@
               <a:bodyPr/>
               <a:lstStyle/>
               <a:p>
-                <a:pPr/>
+                <a:pPr marL="0" indent="0">
+                  <a:buNone/>
+                </a:pPr>
                 <a14:m>
-                  <m:oMath xmlns:m="http://schemas.openxmlformats.org/officeDocument/2006/math">
-                    <m:r>
-                      <a:rPr lang="en-US" b="0" i="1" smtClean="0">
-                        <a:latin typeface="Cambria Math"/>
-                      </a:rPr>
-                      <m:t>𝐴</m:t>
-                    </m:r>
-                    <m:r>
-                      <a:rPr lang="en-US" b="0" i="1" smtClean="0">
-                        <a:latin typeface="Cambria Math"/>
-                        <a:ea typeface="Cambria Math"/>
-                      </a:rPr>
-                      <m:t>⊛</m:t>
-                    </m:r>
-                    <m:r>
-                      <a:rPr lang="en-US" b="0" i="1" smtClean="0">
-                        <a:latin typeface="Cambria Math"/>
-                        <a:ea typeface="Cambria Math"/>
-                      </a:rPr>
-                      <m:t>𝐵</m:t>
-                    </m:r>
-                    <m:r>
-                      <a:rPr lang="en-US" b="0" i="1" smtClean="0">
-                        <a:latin typeface="Cambria Math"/>
-                        <a:ea typeface="Cambria Math"/>
-                      </a:rPr>
-                      <m:t>=</m:t>
-                    </m:r>
-                    <m:d>
-                      <m:dPr>
-                        <m:ctrlPr>
-                          <a:rPr lang="en-US" b="0" i="1" smtClean="0">
-                            <a:latin typeface="Cambria Math"/>
-                            <a:ea typeface="Cambria Math"/>
-                          </a:rPr>
-                        </m:ctrlPr>
-                      </m:dPr>
-                      <m:e>
-                        <m:r>
-                          <a:rPr lang="en-US" b="0" i="1" smtClean="0">
-                            <a:latin typeface="Cambria Math"/>
-                            <a:ea typeface="Cambria Math"/>
-                          </a:rPr>
-                          <m:t>𝐴</m:t>
-                        </m:r>
-                        <m:r>
-                          <a:rPr lang="en-US" b="0" i="1" smtClean="0">
-                            <a:latin typeface="Cambria Math"/>
-                            <a:ea typeface="Cambria Math"/>
-                          </a:rPr>
-                          <m:t>⊖</m:t>
-                        </m:r>
-                        <m:sSub>
-                          <m:sSubPr>
-                            <m:ctrlPr>
-                              <a:rPr lang="en-US" b="0" i="1" smtClean="0">
-                                <a:latin typeface="Cambria Math"/>
-                                <a:ea typeface="Cambria Math"/>
-                              </a:rPr>
-                            </m:ctrlPr>
-                          </m:sSubPr>
-                          <m:e>
-                            <m:r>
-                              <a:rPr lang="en-US" b="0" i="1" smtClean="0">
-                                <a:latin typeface="Cambria Math"/>
-                                <a:ea typeface="Cambria Math"/>
-                              </a:rPr>
-                              <m:t>𝐵</m:t>
-                            </m:r>
-                          </m:e>
-                          <m:sub>
-                            <m:r>
-                              <a:rPr lang="en-US" b="0" i="1" smtClean="0">
-                                <a:latin typeface="Cambria Math"/>
-                                <a:ea typeface="Cambria Math"/>
-                              </a:rPr>
-                              <m:t>1</m:t>
-                            </m:r>
-                          </m:sub>
-                        </m:sSub>
-                      </m:e>
-                    </m:d>
-                    <m:r>
-                      <a:rPr lang="en-US" b="0" i="1" smtClean="0">
-                        <a:latin typeface="Cambria Math"/>
-                        <a:ea typeface="Cambria Math"/>
-                      </a:rPr>
-                      <m:t>∩</m:t>
-                    </m:r>
-                    <m:d>
-                      <m:dPr>
-                        <m:ctrlPr>
-                          <a:rPr lang="en-US" b="0" i="1" smtClean="0">
-                            <a:latin typeface="Cambria Math"/>
-                            <a:ea typeface="Cambria Math"/>
-                          </a:rPr>
-                        </m:ctrlPr>
-                      </m:dPr>
-                      <m:e>
-                        <m:sSup>
-                          <m:sSupPr>
-                            <m:ctrlPr>
-                              <a:rPr lang="en-US" b="0" i="1" smtClean="0">
-                                <a:latin typeface="Cambria Math"/>
-                                <a:ea typeface="Cambria Math"/>
-                              </a:rPr>
-                            </m:ctrlPr>
-                          </m:sSupPr>
-                          <m:e>
-                            <m:r>
-                              <a:rPr lang="en-US" b="0" i="1" smtClean="0">
-                                <a:latin typeface="Cambria Math"/>
-                                <a:ea typeface="Cambria Math"/>
-                              </a:rPr>
-                              <m:t>𝐴</m:t>
-                            </m:r>
-                          </m:e>
-                          <m:sup>
-                            <m:r>
-                              <a:rPr lang="en-US" b="0" i="1" smtClean="0">
-                                <a:latin typeface="Cambria Math"/>
-                                <a:ea typeface="Cambria Math"/>
-                              </a:rPr>
-                              <m:t>𝑐</m:t>
-                            </m:r>
-                          </m:sup>
-                        </m:sSup>
-                        <m:r>
-                          <a:rPr lang="en-US" b="0" i="1" smtClean="0">
-                            <a:latin typeface="Cambria Math"/>
-                            <a:ea typeface="Cambria Math"/>
-                          </a:rPr>
-                          <m:t>⊖</m:t>
-                        </m:r>
-                        <m:sSub>
-                          <m:sSubPr>
-                            <m:ctrlPr>
-                              <a:rPr lang="en-US" b="0" i="1" smtClean="0">
-                                <a:latin typeface="Cambria Math"/>
-                                <a:ea typeface="Cambria Math"/>
-                              </a:rPr>
-                            </m:ctrlPr>
-                          </m:sSubPr>
-                          <m:e>
-                            <m:r>
-                              <a:rPr lang="en-US" b="0" i="1" smtClean="0">
-                                <a:latin typeface="Cambria Math"/>
-                                <a:ea typeface="Cambria Math"/>
-                              </a:rPr>
-                              <m:t>𝐵</m:t>
-                            </m:r>
-                          </m:e>
-                          <m:sub>
-                            <m:r>
-                              <a:rPr lang="en-US" b="0" i="1" smtClean="0">
-                                <a:latin typeface="Cambria Math"/>
-                                <a:ea typeface="Cambria Math"/>
-                              </a:rPr>
-                              <m:t>2</m:t>
-                            </m:r>
-                          </m:sub>
-                        </m:sSub>
-                      </m:e>
-                    </m:d>
-                  </m:oMath>
+                  <m:oMathPara xmlns:m="http://schemas.openxmlformats.org/officeDocument/2006/math">
+                    <m:oMathParaPr>
+                      <m:jc m:val="left"/>
+                    </m:oMathParaPr>
+                    <m:oMath xmlns:m="http://schemas.openxmlformats.org/officeDocument/2006/math">
+                      <m:r>
+                        <a:rPr lang="en-US" b="0" i="1" smtClean="0">
+                          <a:latin typeface="Cambria Math"/>
+                        </a:rPr>
+                        <m:t>𝐴</m:t>
+                      </m:r>
+                      <m:r>
+                        <a:rPr lang="en-US" b="0" i="1" smtClean="0">
+                          <a:latin typeface="Cambria Math"/>
+                          <a:ea typeface="Cambria Math"/>
+                        </a:rPr>
+                        <m:t>⊛</m:t>
+                      </m:r>
+                      <m:r>
+                        <a:rPr lang="en-US" b="0" i="1" smtClean="0">
+                          <a:latin typeface="Cambria Math"/>
+                          <a:ea typeface="Cambria Math"/>
+                        </a:rPr>
+                        <m:t>𝐵</m:t>
+                      </m:r>
+                      <m:r>
+                        <a:rPr lang="en-US" b="0" i="1" smtClean="0">
+                          <a:latin typeface="Cambria Math"/>
+                          <a:ea typeface="Cambria Math"/>
+                        </a:rPr>
+                        <m:t>=</m:t>
+                      </m:r>
+                      <m:d>
+                        <m:dPr>
+                          <m:ctrlPr>
+                            <a:rPr lang="en-US" b="0" i="1" smtClean="0">
+                              <a:latin typeface="Cambria Math"/>
+                              <a:ea typeface="Cambria Math"/>
+                            </a:rPr>
+                          </m:ctrlPr>
+                        </m:dPr>
+                        <m:e>
+                          <m:r>
+                            <a:rPr lang="en-US" b="0" i="1" smtClean="0">
+                              <a:latin typeface="Cambria Math"/>
+                              <a:ea typeface="Cambria Math"/>
+                            </a:rPr>
+                            <m:t>𝐴</m:t>
+                          </m:r>
+                          <m:r>
+                            <a:rPr lang="en-US" b="0" i="1" smtClean="0">
+                              <a:latin typeface="Cambria Math"/>
+                              <a:ea typeface="Cambria Math"/>
+                            </a:rPr>
+                            <m:t>⊖</m:t>
+                          </m:r>
+                          <m:sSub>
+                            <m:sSubPr>
+                              <m:ctrlPr>
+                                <a:rPr lang="en-US" b="0" i="1" smtClean="0">
+                                  <a:latin typeface="Cambria Math"/>
+                                  <a:ea typeface="Cambria Math"/>
+                                </a:rPr>
+                              </m:ctrlPr>
+                            </m:sSubPr>
+                            <m:e>
+                              <m:r>
+                                <a:rPr lang="en-US" b="0" i="1" smtClean="0">
+                                  <a:latin typeface="Cambria Math"/>
+                                  <a:ea typeface="Cambria Math"/>
+                                </a:rPr>
+                                <m:t>𝐵</m:t>
+                              </m:r>
+                            </m:e>
+                            <m:sub>
+                              <m:r>
+                                <a:rPr lang="en-US" b="0" i="1" smtClean="0">
+                                  <a:latin typeface="Cambria Math"/>
+                                  <a:ea typeface="Cambria Math"/>
+                                </a:rPr>
+                                <m:t>1</m:t>
+                              </m:r>
+                            </m:sub>
+                          </m:sSub>
+                        </m:e>
+                      </m:d>
+                      <m:r>
+                        <a:rPr lang="en-US" b="0" i="1" smtClean="0">
+                          <a:latin typeface="Cambria Math"/>
+                          <a:ea typeface="Cambria Math"/>
+                        </a:rPr>
+                        <m:t>∩</m:t>
+                      </m:r>
+                      <m:d>
+                        <m:dPr>
+                          <m:ctrlPr>
+                            <a:rPr lang="en-US" b="0" i="1" smtClean="0">
+                              <a:latin typeface="Cambria Math"/>
+                              <a:ea typeface="Cambria Math"/>
+                            </a:rPr>
+                          </m:ctrlPr>
+                        </m:dPr>
+                        <m:e>
+                          <m:sSup>
+                            <m:sSupPr>
+                              <m:ctrlPr>
+                                <a:rPr lang="en-US" b="0" i="1" smtClean="0">
+                                  <a:latin typeface="Cambria Math"/>
+                                  <a:ea typeface="Cambria Math"/>
+                                </a:rPr>
+                              </m:ctrlPr>
+                            </m:sSupPr>
+                            <m:e>
+                              <m:r>
+                                <a:rPr lang="en-US" b="0" i="1" smtClean="0">
+                                  <a:latin typeface="Cambria Math"/>
+                                  <a:ea typeface="Cambria Math"/>
+                                </a:rPr>
+                                <m:t>𝐴</m:t>
+                              </m:r>
+                            </m:e>
+                            <m:sup>
+                              <m:r>
+                                <a:rPr lang="en-US" b="0" i="1" smtClean="0">
+                                  <a:latin typeface="Cambria Math"/>
+                                  <a:ea typeface="Cambria Math"/>
+                                </a:rPr>
+                                <m:t>𝑐</m:t>
+                              </m:r>
+                            </m:sup>
+                          </m:sSup>
+                          <m:r>
+                            <a:rPr lang="en-US" b="0" i="1" smtClean="0">
+                              <a:latin typeface="Cambria Math"/>
+                              <a:ea typeface="Cambria Math"/>
+                            </a:rPr>
+                            <m:t>⊖</m:t>
+                          </m:r>
+                          <m:sSub>
+                            <m:sSubPr>
+                              <m:ctrlPr>
+                                <a:rPr lang="en-US" b="0" i="1" smtClean="0">
+                                  <a:latin typeface="Cambria Math"/>
+                                  <a:ea typeface="Cambria Math"/>
+                                </a:rPr>
+                              </m:ctrlPr>
+                            </m:sSubPr>
+                            <m:e>
+                              <m:r>
+                                <a:rPr lang="en-US" b="0" i="1" smtClean="0">
+                                  <a:latin typeface="Cambria Math"/>
+                                  <a:ea typeface="Cambria Math"/>
+                                </a:rPr>
+                                <m:t>𝐵</m:t>
+                              </m:r>
+                            </m:e>
+                            <m:sub>
+                              <m:r>
+                                <a:rPr lang="en-US" b="0" i="1" smtClean="0">
+                                  <a:latin typeface="Cambria Math"/>
+                                  <a:ea typeface="Cambria Math"/>
+                                </a:rPr>
+                                <m:t>2</m:t>
+                              </m:r>
+                            </m:sub>
+                          </m:sSub>
+                        </m:e>
+                      </m:d>
+                    </m:oMath>
+                  </m:oMathPara>
                 </a14:m>
+                <a:endParaRPr lang="en-US" b="0" i="1" dirty="0" smtClean="0">
+                  <a:latin typeface="Cambria Math"/>
+                  <a:ea typeface="Cambria Math"/>
+                </a:endParaRPr>
+              </a:p>
+              <a:p>
+                <a:pPr marL="0" indent="0">
+                  <a:buNone/>
+                </a:pPr>
                 <a:r>
                   <a:rPr lang="en-US" b="0" dirty="0" smtClean="0">
-                    <a:latin typeface="Times New Roman" panose="02020603050405020304" pitchFamily="18" charset="0"/>
                     <a:ea typeface="Cambria Math"/>
-                    <a:cs typeface="Times New Roman" panose="02020603050405020304" pitchFamily="18" charset="0"/>
                   </a:rPr>
-                  <a:t/>
+                  <a:t>          </a:t>
                 </a:r>
-                <a:br>
-                  <a:rPr lang="en-US" b="0" dirty="0" smtClean="0">
-                    <a:latin typeface="Times New Roman" panose="02020603050405020304" pitchFamily="18" charset="0"/>
-                    <a:ea typeface="Cambria Math"/>
-                    <a:cs typeface="Times New Roman" panose="02020603050405020304" pitchFamily="18" charset="0"/>
-                  </a:rPr>
-                </a:br>
                 <a14:m>
                   <m:oMath xmlns:m="http://schemas.openxmlformats.org/officeDocument/2006/math">
                     <m:r>
@@ -4729,7 +4826,7 @@
                         <a:latin typeface="Cambria Math"/>
                         <a:ea typeface="Cambria Math"/>
                       </a:rPr>
-                      <m:t>              </m:t>
+                      <m:t>   </m:t>
                     </m:r>
                     <m:r>
                       <a:rPr lang="en-US" b="0" i="1" smtClean="0">
@@ -4891,7 +4988,7 @@
             </p:txBody>
           </p:sp>
         </mc:Choice>
-        <mc:Fallback>
+        <mc:Fallback xmlns="">
           <p:sp>
             <p:nvSpPr>
               <p:cNvPr id="3" name="Content Placeholder 2"/>
@@ -4925,6 +5022,96 @@
           </p:sp>
         </mc:Fallback>
       </mc:AlternateContent>
+      <p:pic>
+        <p:nvPicPr>
+          <p:cNvPr id="4" name="Picture 3"/>
+          <p:cNvPicPr>
+            <a:picLocks noChangeAspect="1"/>
+          </p:cNvPicPr>
+          <p:nvPr/>
+        </p:nvPicPr>
+        <p:blipFill>
+          <a:blip r:embed="rId3">
+            <a:extLst>
+              <a:ext uri="{28A0092B-C50C-407E-A947-70E740481C1C}">
+                <a14:useLocalDpi xmlns:a14="http://schemas.microsoft.com/office/drawing/2010/main" val="0"/>
+              </a:ext>
+            </a:extLst>
+          </a:blip>
+          <a:stretch>
+            <a:fillRect/>
+          </a:stretch>
+        </p:blipFill>
+        <p:spPr>
+          <a:xfrm>
+            <a:off x="5334000" y="4267200"/>
+            <a:ext cx="2286000" cy="2286000"/>
+          </a:xfrm>
+          <a:prstGeom prst="rect">
+            <a:avLst/>
+          </a:prstGeom>
+        </p:spPr>
+      </p:pic>
+      <p:pic>
+        <p:nvPicPr>
+          <p:cNvPr id="5" name="Picture 4"/>
+          <p:cNvPicPr>
+            <a:picLocks noChangeAspect="1"/>
+          </p:cNvPicPr>
+          <p:nvPr/>
+        </p:nvPicPr>
+        <p:blipFill>
+          <a:blip r:embed="rId4">
+            <a:extLst>
+              <a:ext uri="{28A0092B-C50C-407E-A947-70E740481C1C}">
+                <a14:useLocalDpi xmlns:a14="http://schemas.microsoft.com/office/drawing/2010/main" val="0"/>
+              </a:ext>
+            </a:extLst>
+          </a:blip>
+          <a:stretch>
+            <a:fillRect/>
+          </a:stretch>
+        </p:blipFill>
+        <p:spPr>
+          <a:xfrm>
+            <a:off x="1524000" y="4267200"/>
+            <a:ext cx="2286000" cy="2286000"/>
+          </a:xfrm>
+          <a:prstGeom prst="rect">
+            <a:avLst/>
+          </a:prstGeom>
+        </p:spPr>
+      </p:pic>
+      <p:pic>
+        <p:nvPicPr>
+          <p:cNvPr id="6" name="Picture 5"/>
+          <p:cNvPicPr>
+            <a:picLocks noChangeAspect="1"/>
+          </p:cNvPicPr>
+          <p:nvPr/>
+        </p:nvPicPr>
+        <p:blipFill>
+          <a:blip r:embed="rId5">
+            <a:extLst>
+              <a:ext uri="{28A0092B-C50C-407E-A947-70E740481C1C}">
+                <a14:useLocalDpi xmlns:a14="http://schemas.microsoft.com/office/drawing/2010/main" val="0"/>
+              </a:ext>
+            </a:extLst>
+          </a:blip>
+          <a:stretch>
+            <a:fillRect/>
+          </a:stretch>
+        </p:blipFill>
+        <p:spPr>
+          <a:xfrm>
+            <a:off x="1709739" y="2952750"/>
+            <a:ext cx="5724525" cy="1162050"/>
+          </a:xfrm>
+          <a:prstGeom prst="rect">
+            <a:avLst/>
+          </a:prstGeom>
+        </p:spPr>
+      </p:pic>
     </p:spTree>
     <p:extLst>
       <p:ext uri="{BB962C8B-B14F-4D97-AF65-F5344CB8AC3E}">
@@ -4935,6 +5122,13 @@
   <p:clrMapOvr>
     <a:masterClrMapping/>
   </p:clrMapOvr>
+  <p:timing>
+    <p:tnLst>
+      <p:par>
+        <p:cTn id="1" dur="indefinite" restart="never" nodeType="tmRoot"/>
+      </p:par>
+    </p:tnLst>
+  </p:timing>
 </p:sld>
 </file>
 
@@ -4984,8 +5178,8 @@
           </a:p>
         </p:txBody>
       </p:sp>
-      <mc:AlternateContent xmlns:mc="http://schemas.openxmlformats.org/markup-compatibility/2006">
-        <mc:Choice xmlns:a14="http://schemas.microsoft.com/office/drawing/2010/main" Requires="a14">
+      <mc:AlternateContent xmlns:mc="http://schemas.openxmlformats.org/markup-compatibility/2006" xmlns:a14="http://schemas.microsoft.com/office/drawing/2010/main">
+        <mc:Choice Requires="a14">
           <p:sp>
             <p:nvSpPr>
               <p:cNvPr id="3" name="Content Placeholder 2"/>
@@ -5021,14 +5215,7 @@
                           <a:latin typeface="Cambria Math"/>
                           <a:ea typeface="Cambria Math"/>
                         </a:rPr>
-                        <m:t>⊗</m:t>
-                      </m:r>
-                      <m:r>
-                        <a:rPr lang="en-US" b="0" i="1" smtClean="0">
-                          <a:latin typeface="Cambria Math"/>
-                          <a:ea typeface="Cambria Math"/>
-                        </a:rPr>
-                        <m:t>{</m:t>
+                        <m:t>⊗{</m:t>
                       </m:r>
                       <m:r>
                         <a:rPr lang="en-US" b="0" i="1" smtClean="0">
@@ -5042,21 +5229,7 @@
                           <a:latin typeface="Cambria Math"/>
                           <a:ea typeface="Cambria Math"/>
                         </a:rPr>
-                        <m:t>}</m:t>
-                      </m:r>
-                      <m:r>
-                        <a:rPr lang="en-US" b="0" i="1" smtClean="0">
-                          <a:latin typeface="Cambria Math"/>
-                          <a:ea typeface="Cambria Math"/>
-                        </a:rPr>
-                        <m:t>=</m:t>
-                      </m:r>
-                      <m:r>
-                        <a:rPr lang="en-US" b="0" i="1" smtClean="0">
-                          <a:latin typeface="Cambria Math"/>
-                          <a:ea typeface="Cambria Math"/>
-                        </a:rPr>
-                        <m:t>(</m:t>
+                        <m:t>}=(</m:t>
                       </m:r>
                       <m:d>
                         <m:dPr>
@@ -5099,15 +5272,15 @@
                                 </a:rPr>
                                 <m:t>⊗</m:t>
                               </m:r>
-                              <m:sSup>
-                                <m:sSupPr>
+                              <m:sSub>
+                                <m:sSubPr>
                                   <m:ctrlPr>
                                     <a:rPr lang="en-US" b="0" i="1" smtClean="0">
                                       <a:latin typeface="Cambria Math"/>
                                       <a:ea typeface="Cambria Math"/>
                                     </a:rPr>
                                   </m:ctrlPr>
-                                </m:sSupPr>
+                                </m:sSubPr>
                                 <m:e>
                                   <m:r>
                                     <a:rPr lang="en-US" b="0" i="1" smtClean="0">
@@ -5117,7 +5290,7 @@
                                     <m:t>𝐵</m:t>
                                   </m:r>
                                 </m:e>
-                                <m:sup>
+                                <m:sub>
                                   <m:r>
                                     <a:rPr lang="en-US" b="0" i="1" smtClean="0">
                                       <a:latin typeface="Cambria Math"/>
@@ -5125,8 +5298,8 @@
                                     </a:rPr>
                                     <m:t>1</m:t>
                                   </m:r>
-                                </m:sup>
-                              </m:sSup>
+                                </m:sub>
+                              </m:sSub>
                             </m:e>
                           </m:d>
                           <m:r>
@@ -5136,15 +5309,15 @@
                             </a:rPr>
                             <m:t>⊗</m:t>
                           </m:r>
-                          <m:sSup>
-                            <m:sSupPr>
+                          <m:sSub>
+                            <m:sSubPr>
                               <m:ctrlPr>
                                 <a:rPr lang="en-US" b="0" i="1" smtClean="0">
                                   <a:latin typeface="Cambria Math"/>
                                   <a:ea typeface="Cambria Math"/>
                                 </a:rPr>
                               </m:ctrlPr>
-                            </m:sSupPr>
+                            </m:sSubPr>
                             <m:e>
                               <m:r>
                                 <a:rPr lang="en-US" b="0" i="1" smtClean="0">
@@ -5154,7 +5327,7 @@
                                 <m:t>𝐵</m:t>
                               </m:r>
                             </m:e>
-                            <m:sup>
+                            <m:sub>
                               <m:r>
                                 <a:rPr lang="en-US" b="0" i="1" smtClean="0">
                                   <a:latin typeface="Cambria Math"/>
@@ -5162,8 +5335,8 @@
                                 </a:rPr>
                                 <m:t>2</m:t>
                               </m:r>
-                            </m:sup>
-                          </m:sSup>
+                            </m:sub>
+                          </m:sSub>
                         </m:e>
                       </m:d>
                       <m:r>
@@ -5173,15 +5346,15 @@
                         </a:rPr>
                         <m:t>…)⊗</m:t>
                       </m:r>
-                      <m:sSup>
-                        <m:sSupPr>
+                      <m:sSub>
+                        <m:sSubPr>
                           <m:ctrlPr>
                             <a:rPr lang="en-US" b="0" i="1" smtClean="0">
                               <a:latin typeface="Cambria Math"/>
                               <a:ea typeface="Cambria Math"/>
                             </a:rPr>
                           </m:ctrlPr>
-                        </m:sSupPr>
+                        </m:sSubPr>
                         <m:e>
                           <m:r>
                             <a:rPr lang="en-US" b="0" i="1" smtClean="0">
@@ -5191,7 +5364,7 @@
                             <m:t>𝐵</m:t>
                           </m:r>
                         </m:e>
-                        <m:sup>
+                        <m:sub>
                           <m:r>
                             <a:rPr lang="en-US" b="0" i="1" smtClean="0">
                               <a:latin typeface="Cambria Math"/>
@@ -5199,8 +5372,8 @@
                             </a:rPr>
                             <m:t>𝑛</m:t>
                           </m:r>
-                        </m:sup>
-                      </m:sSup>
+                        </m:sub>
+                      </m:sSub>
                     </m:oMath>
                   </m:oMathPara>
                 </a14:m>
@@ -5211,7 +5384,6 @@
                 </a:endParaRPr>
               </a:p>
               <a:p>
-                <a:pPr/>
                 <a:endParaRPr lang="en-US" b="0" dirty="0" smtClean="0">
                   <a:latin typeface="Times New Roman" panose="02020603050405020304" pitchFamily="18" charset="0"/>
                   <a:ea typeface="Cambria Math"/>
@@ -5221,7 +5393,7 @@
             </p:txBody>
           </p:sp>
         </mc:Choice>
-        <mc:Fallback>
+        <mc:Fallback xmlns="">
           <p:sp>
             <p:nvSpPr>
               <p:cNvPr id="3" name="Content Placeholder 2"/>
@@ -5257,27 +5429,28 @@
       </mc:AlternateContent>
       <p:pic>
         <p:nvPicPr>
-          <p:cNvPr id="4" name="Picture 3"/>
+          <p:cNvPr id="5" name="Picture 4"/>
           <p:cNvPicPr>
             <a:picLocks noChangeAspect="1"/>
           </p:cNvPicPr>
           <p:nvPr/>
         </p:nvPicPr>
-        <p:blipFill rotWithShape="1">
-          <a:blip r:embed="rId3" cstate="print">
+        <p:blipFill>
+          <a:blip r:embed="rId3">
             <a:extLst>
               <a:ext uri="{28A0092B-C50C-407E-A947-70E740481C1C}">
                 <a14:useLocalDpi xmlns:a14="http://schemas.microsoft.com/office/drawing/2010/main" val="0"/>
               </a:ext>
             </a:extLst>
           </a:blip>
-          <a:srcRect l="30278" r="30000"/>
-          <a:stretch/>
+          <a:stretch>
+            <a:fillRect/>
+          </a:stretch>
         </p:blipFill>
         <p:spPr>
           <a:xfrm>
-            <a:off x="1905000" y="3395133"/>
-            <a:ext cx="5195147" cy="3269673"/>
+            <a:off x="2667000" y="4191000"/>
+            <a:ext cx="1524000" cy="1524000"/>
           </a:xfrm>
           <a:prstGeom prst="rect">
             <a:avLst/>
@@ -5286,7 +5459,7 @@
       </p:pic>
       <p:pic>
         <p:nvPicPr>
-          <p:cNvPr id="6" name="Picture 5"/>
+          <p:cNvPr id="7" name="Picture 6"/>
           <p:cNvPicPr>
             <a:picLocks noChangeAspect="1"/>
           </p:cNvPicPr>
@@ -5306,8 +5479,674 @@
         </p:blipFill>
         <p:spPr>
           <a:xfrm>
-            <a:off x="8467" y="2326737"/>
-            <a:ext cx="9144000" cy="1068396"/>
+            <a:off x="4953000" y="4191000"/>
+            <a:ext cx="1524000" cy="1524000"/>
+          </a:xfrm>
+          <a:prstGeom prst="rect">
+            <a:avLst/>
+          </a:prstGeom>
+        </p:spPr>
+      </p:pic>
+      <p:pic>
+        <p:nvPicPr>
+          <p:cNvPr id="8" name="Picture 7"/>
+          <p:cNvPicPr>
+            <a:picLocks noChangeAspect="1"/>
+          </p:cNvPicPr>
+          <p:nvPr/>
+        </p:nvPicPr>
+        <p:blipFill>
+          <a:blip r:embed="rId5">
+            <a:extLst>
+              <a:ext uri="{28A0092B-C50C-407E-A947-70E740481C1C}">
+                <a14:useLocalDpi xmlns:a14="http://schemas.microsoft.com/office/drawing/2010/main" val="0"/>
+              </a:ext>
+            </a:extLst>
+          </a:blip>
+          <a:stretch>
+            <a:fillRect/>
+          </a:stretch>
+        </p:blipFill>
+        <p:spPr>
+          <a:xfrm>
+            <a:off x="7239000" y="4191000"/>
+            <a:ext cx="1524000" cy="1524000"/>
+          </a:xfrm>
+          <a:prstGeom prst="rect">
+            <a:avLst/>
+          </a:prstGeom>
+        </p:spPr>
+      </p:pic>
+      <p:pic>
+        <p:nvPicPr>
+          <p:cNvPr id="9" name="Picture 8"/>
+          <p:cNvPicPr>
+            <a:picLocks noChangeAspect="1"/>
+          </p:cNvPicPr>
+          <p:nvPr/>
+        </p:nvPicPr>
+        <p:blipFill>
+          <a:blip r:embed="rId6">
+            <a:extLst>
+              <a:ext uri="{28A0092B-C50C-407E-A947-70E740481C1C}">
+                <a14:useLocalDpi xmlns:a14="http://schemas.microsoft.com/office/drawing/2010/main" val="0"/>
+              </a:ext>
+            </a:extLst>
+          </a:blip>
+          <a:stretch>
+            <a:fillRect/>
+          </a:stretch>
+        </p:blipFill>
+        <p:spPr>
+          <a:xfrm>
+            <a:off x="381001" y="4191000"/>
+            <a:ext cx="1524000" cy="1524000"/>
+          </a:xfrm>
+          <a:prstGeom prst="rect">
+            <a:avLst/>
+          </a:prstGeom>
+        </p:spPr>
+      </p:pic>
+      <p:cxnSp>
+        <p:nvCxnSpPr>
+          <p:cNvPr id="11" name="Straight Arrow Connector 10"/>
+          <p:cNvCxnSpPr>
+            <a:stCxn id="9" idx="3"/>
+            <a:endCxn id="5" idx="1"/>
+          </p:cNvCxnSpPr>
+          <p:nvPr/>
+        </p:nvCxnSpPr>
+        <p:spPr>
+          <a:xfrm>
+            <a:off x="1905001" y="4953000"/>
+            <a:ext cx="762000" cy="0"/>
+          </a:xfrm>
+          <a:prstGeom prst="straightConnector1">
+            <a:avLst/>
+          </a:prstGeom>
+          <a:ln w="19050">
+            <a:tailEnd type="triangle"/>
+          </a:ln>
+        </p:spPr>
+        <p:style>
+          <a:lnRef idx="1">
+            <a:schemeClr val="dk1"/>
+          </a:lnRef>
+          <a:fillRef idx="0">
+            <a:schemeClr val="dk1"/>
+          </a:fillRef>
+          <a:effectRef idx="0">
+            <a:schemeClr val="dk1"/>
+          </a:effectRef>
+          <a:fontRef idx="minor">
+            <a:schemeClr val="tx1"/>
+          </a:fontRef>
+        </p:style>
+      </p:cxnSp>
+      <p:cxnSp>
+        <p:nvCxnSpPr>
+          <p:cNvPr id="13" name="Straight Arrow Connector 12"/>
+          <p:cNvCxnSpPr>
+            <a:stCxn id="5" idx="3"/>
+            <a:endCxn id="7" idx="1"/>
+          </p:cNvCxnSpPr>
+          <p:nvPr/>
+        </p:nvCxnSpPr>
+        <p:spPr>
+          <a:xfrm>
+            <a:off x="4191000" y="4953000"/>
+            <a:ext cx="762000" cy="0"/>
+          </a:xfrm>
+          <a:prstGeom prst="straightConnector1">
+            <a:avLst/>
+          </a:prstGeom>
+          <a:ln w="19050">
+            <a:tailEnd type="triangle"/>
+          </a:ln>
+        </p:spPr>
+        <p:style>
+          <a:lnRef idx="1">
+            <a:schemeClr val="dk1"/>
+          </a:lnRef>
+          <a:fillRef idx="0">
+            <a:schemeClr val="dk1"/>
+          </a:fillRef>
+          <a:effectRef idx="0">
+            <a:schemeClr val="dk1"/>
+          </a:effectRef>
+          <a:fontRef idx="minor">
+            <a:schemeClr val="tx1"/>
+          </a:fontRef>
+        </p:style>
+      </p:cxnSp>
+      <p:cxnSp>
+        <p:nvCxnSpPr>
+          <p:cNvPr id="15" name="Straight Arrow Connector 14"/>
+          <p:cNvCxnSpPr>
+            <a:stCxn id="7" idx="3"/>
+            <a:endCxn id="8" idx="1"/>
+          </p:cNvCxnSpPr>
+          <p:nvPr/>
+        </p:nvCxnSpPr>
+        <p:spPr>
+          <a:xfrm>
+            <a:off x="6477000" y="4953000"/>
+            <a:ext cx="762000" cy="0"/>
+          </a:xfrm>
+          <a:prstGeom prst="straightConnector1">
+            <a:avLst/>
+          </a:prstGeom>
+          <a:ln w="19050">
+            <a:tailEnd type="triangle"/>
+          </a:ln>
+        </p:spPr>
+        <p:style>
+          <a:lnRef idx="1">
+            <a:schemeClr val="dk1"/>
+          </a:lnRef>
+          <a:fillRef idx="0">
+            <a:schemeClr val="dk1"/>
+          </a:fillRef>
+          <a:effectRef idx="0">
+            <a:schemeClr val="dk1"/>
+          </a:effectRef>
+          <a:fontRef idx="minor">
+            <a:schemeClr val="tx1"/>
+          </a:fontRef>
+        </p:style>
+      </p:cxnSp>
+      <mc:AlternateContent xmlns:mc="http://schemas.openxmlformats.org/markup-compatibility/2006" xmlns:a14="http://schemas.microsoft.com/office/drawing/2010/main">
+        <mc:Choice Requires="a14">
+          <p:sp>
+            <p:nvSpPr>
+              <p:cNvPr id="16" name="TextBox 15"/>
+              <p:cNvSpPr txBox="1"/>
+              <p:nvPr/>
+            </p:nvSpPr>
+            <p:spPr>
+              <a:xfrm>
+                <a:off x="1676401" y="5745332"/>
+                <a:ext cx="1219200" cy="369332"/>
+              </a:xfrm>
+              <a:prstGeom prst="rect">
+                <a:avLst/>
+              </a:prstGeom>
+              <a:noFill/>
+            </p:spPr>
+            <p:txBody>
+              <a:bodyPr wrap="square" rtlCol="0">
+                <a:spAutoFit/>
+              </a:bodyPr>
+              <a:lstStyle/>
+              <a:p>
+                <a:pPr/>
+                <a14:m>
+                  <m:oMathPara xmlns:m="http://schemas.openxmlformats.org/officeDocument/2006/math">
+                    <m:oMathParaPr>
+                      <m:jc m:val="centerGroup"/>
+                    </m:oMathParaPr>
+                    <m:oMath xmlns:m="http://schemas.openxmlformats.org/officeDocument/2006/math">
+                      <m:r>
+                        <a:rPr lang="en-US" i="1" smtClean="0">
+                          <a:latin typeface="Cambria Math"/>
+                        </a:rPr>
+                        <m:t>𝐴</m:t>
+                      </m:r>
+                      <m:r>
+                        <a:rPr lang="en-US" i="1">
+                          <a:latin typeface="Cambria Math"/>
+                          <a:ea typeface="Cambria Math"/>
+                        </a:rPr>
+                        <m:t>⊗</m:t>
+                      </m:r>
+                      <m:sSub>
+                        <m:sSubPr>
+                          <m:ctrlPr>
+                            <a:rPr lang="en-US" i="1" smtClean="0">
+                              <a:latin typeface="Cambria Math"/>
+                              <a:ea typeface="Cambria Math"/>
+                            </a:rPr>
+                          </m:ctrlPr>
+                        </m:sSubPr>
+                        <m:e>
+                          <m:r>
+                            <a:rPr lang="en-US" b="0" i="1" smtClean="0">
+                              <a:latin typeface="Cambria Math"/>
+                              <a:ea typeface="Cambria Math"/>
+                            </a:rPr>
+                            <m:t>𝐵</m:t>
+                          </m:r>
+                        </m:e>
+                        <m:sub>
+                          <m:r>
+                            <a:rPr lang="en-US" b="0" i="1" smtClean="0">
+                              <a:latin typeface="Cambria Math"/>
+                              <a:ea typeface="Cambria Math"/>
+                            </a:rPr>
+                            <m:t>1</m:t>
+                          </m:r>
+                        </m:sub>
+                      </m:sSub>
+                    </m:oMath>
+                  </m:oMathPara>
+                </a14:m>
+                <a:endParaRPr lang="en-US" dirty="0"/>
+              </a:p>
+            </p:txBody>
+          </p:sp>
+        </mc:Choice>
+        <mc:Fallback xmlns="">
+          <p:sp>
+            <p:nvSpPr>
+              <p:cNvPr id="16" name="TextBox 15"/>
+              <p:cNvSpPr txBox="1">
+                <a:spLocks noRot="1" noChangeAspect="1" noMove="1" noResize="1" noEditPoints="1" noAdjustHandles="1" noChangeArrowheads="1" noChangeShapeType="1" noTextEdit="1"/>
+              </p:cNvSpPr>
+              <p:nvPr/>
+            </p:nvSpPr>
+            <p:spPr>
+              <a:xfrm>
+                <a:off x="1676400" y="5745332"/>
+                <a:ext cx="1219200" cy="369332"/>
+              </a:xfrm>
+              <a:prstGeom prst="rect">
+                <a:avLst/>
+              </a:prstGeom>
+              <a:blipFill rotWithShape="1">
+                <a:blip r:embed="rId7"/>
+                <a:stretch>
+                  <a:fillRect b="-4918"/>
+                </a:stretch>
+              </a:blipFill>
+            </p:spPr>
+            <p:txBody>
+              <a:bodyPr/>
+              <a:lstStyle/>
+              <a:p>
+                <a:r>
+                  <a:rPr lang="en-US">
+                    <a:noFill/>
+                  </a:rPr>
+                  <a:t> </a:t>
+                </a:r>
+              </a:p>
+            </p:txBody>
+          </p:sp>
+        </mc:Fallback>
+      </mc:AlternateContent>
+      <mc:AlternateContent xmlns:mc="http://schemas.openxmlformats.org/markup-compatibility/2006" xmlns:a14="http://schemas.microsoft.com/office/drawing/2010/main">
+        <mc:Choice Requires="a14">
+          <p:sp>
+            <p:nvSpPr>
+              <p:cNvPr id="17" name="TextBox 16"/>
+              <p:cNvSpPr txBox="1"/>
+              <p:nvPr/>
+            </p:nvSpPr>
+            <p:spPr>
+              <a:xfrm>
+                <a:off x="3962400" y="5745332"/>
+                <a:ext cx="1219200" cy="369332"/>
+              </a:xfrm>
+              <a:prstGeom prst="rect">
+                <a:avLst/>
+              </a:prstGeom>
+              <a:noFill/>
+            </p:spPr>
+            <p:txBody>
+              <a:bodyPr wrap="square" rtlCol="0">
+                <a:spAutoFit/>
+              </a:bodyPr>
+              <a:lstStyle/>
+              <a:p>
+                <a:pPr/>
+                <a14:m>
+                  <m:oMathPara xmlns:m="http://schemas.openxmlformats.org/officeDocument/2006/math">
+                    <m:oMathParaPr>
+                      <m:jc m:val="centerGroup"/>
+                    </m:oMathParaPr>
+                    <m:oMath xmlns:m="http://schemas.openxmlformats.org/officeDocument/2006/math">
+                      <m:r>
+                        <a:rPr lang="en-US" i="1" smtClean="0">
+                          <a:latin typeface="Cambria Math"/>
+                        </a:rPr>
+                        <m:t>𝐴</m:t>
+                      </m:r>
+                      <m:r>
+                        <a:rPr lang="en-US" i="1">
+                          <a:latin typeface="Cambria Math"/>
+                          <a:ea typeface="Cambria Math"/>
+                        </a:rPr>
+                        <m:t>⊗</m:t>
+                      </m:r>
+                      <m:sSub>
+                        <m:sSubPr>
+                          <m:ctrlPr>
+                            <a:rPr lang="en-US" i="1" smtClean="0">
+                              <a:latin typeface="Cambria Math"/>
+                              <a:ea typeface="Cambria Math"/>
+                            </a:rPr>
+                          </m:ctrlPr>
+                        </m:sSubPr>
+                        <m:e>
+                          <m:r>
+                            <a:rPr lang="en-US" b="0" i="1" smtClean="0">
+                              <a:latin typeface="Cambria Math"/>
+                              <a:ea typeface="Cambria Math"/>
+                            </a:rPr>
+                            <m:t>𝐵</m:t>
+                          </m:r>
+                        </m:e>
+                        <m:sub>
+                          <m:r>
+                            <a:rPr lang="en-US" b="0" i="1" smtClean="0">
+                              <a:latin typeface="Cambria Math"/>
+                              <a:ea typeface="Cambria Math"/>
+                            </a:rPr>
+                            <m:t>2</m:t>
+                          </m:r>
+                        </m:sub>
+                      </m:sSub>
+                    </m:oMath>
+                  </m:oMathPara>
+                </a14:m>
+                <a:endParaRPr lang="en-US" dirty="0"/>
+              </a:p>
+            </p:txBody>
+          </p:sp>
+        </mc:Choice>
+        <mc:Fallback xmlns="">
+          <p:sp>
+            <p:nvSpPr>
+              <p:cNvPr id="17" name="TextBox 16"/>
+              <p:cNvSpPr txBox="1">
+                <a:spLocks noRot="1" noChangeAspect="1" noMove="1" noResize="1" noEditPoints="1" noAdjustHandles="1" noChangeArrowheads="1" noChangeShapeType="1" noTextEdit="1"/>
+              </p:cNvSpPr>
+              <p:nvPr/>
+            </p:nvSpPr>
+            <p:spPr>
+              <a:xfrm>
+                <a:off x="3962400" y="5745332"/>
+                <a:ext cx="1219200" cy="369332"/>
+              </a:xfrm>
+              <a:prstGeom prst="rect">
+                <a:avLst/>
+              </a:prstGeom>
+              <a:blipFill rotWithShape="1">
+                <a:blip r:embed="rId8"/>
+                <a:stretch>
+                  <a:fillRect b="-4918"/>
+                </a:stretch>
+              </a:blipFill>
+            </p:spPr>
+            <p:txBody>
+              <a:bodyPr/>
+              <a:lstStyle/>
+              <a:p>
+                <a:r>
+                  <a:rPr lang="en-US">
+                    <a:noFill/>
+                  </a:rPr>
+                  <a:t> </a:t>
+                </a:r>
+              </a:p>
+            </p:txBody>
+          </p:sp>
+        </mc:Fallback>
+      </mc:AlternateContent>
+      <mc:AlternateContent xmlns:mc="http://schemas.openxmlformats.org/markup-compatibility/2006" xmlns:a14="http://schemas.microsoft.com/office/drawing/2010/main">
+        <mc:Choice Requires="a14">
+          <p:sp>
+            <p:nvSpPr>
+              <p:cNvPr id="18" name="TextBox 17"/>
+              <p:cNvSpPr txBox="1"/>
+              <p:nvPr/>
+            </p:nvSpPr>
+            <p:spPr>
+              <a:xfrm>
+                <a:off x="5562600" y="5747050"/>
+                <a:ext cx="3200400" cy="369332"/>
+              </a:xfrm>
+              <a:prstGeom prst="rect">
+                <a:avLst/>
+              </a:prstGeom>
+              <a:noFill/>
+            </p:spPr>
+            <p:txBody>
+              <a:bodyPr wrap="square" rtlCol="0">
+                <a:spAutoFit/>
+              </a:bodyPr>
+              <a:lstStyle/>
+              <a:p>
+                <a:pPr/>
+                <a14:m>
+                  <m:oMathPara xmlns:m="http://schemas.openxmlformats.org/officeDocument/2006/math">
+                    <m:oMathParaPr>
+                      <m:jc m:val="centerGroup"/>
+                    </m:oMathParaPr>
+                    <m:oMath xmlns:m="http://schemas.openxmlformats.org/officeDocument/2006/math">
+                      <m:r>
+                        <a:rPr lang="en-US" i="1" smtClean="0">
+                          <a:latin typeface="Cambria Math"/>
+                          <a:ea typeface="Cambria Math"/>
+                        </a:rPr>
+                        <m:t>(</m:t>
+                      </m:r>
+                      <m:d>
+                        <m:dPr>
+                          <m:ctrlPr>
+                            <a:rPr lang="en-US" i="1">
+                              <a:latin typeface="Cambria Math"/>
+                              <a:ea typeface="Cambria Math"/>
+                            </a:rPr>
+                          </m:ctrlPr>
+                        </m:dPr>
+                        <m:e>
+                          <m:r>
+                            <a:rPr lang="en-US" i="1">
+                              <a:latin typeface="Cambria Math"/>
+                              <a:ea typeface="Cambria Math"/>
+                            </a:rPr>
+                            <m:t>…</m:t>
+                          </m:r>
+                          <m:d>
+                            <m:dPr>
+                              <m:ctrlPr>
+                                <a:rPr lang="en-US" i="1">
+                                  <a:latin typeface="Cambria Math"/>
+                                  <a:ea typeface="Cambria Math"/>
+                                </a:rPr>
+                              </m:ctrlPr>
+                            </m:dPr>
+                            <m:e>
+                              <m:r>
+                                <a:rPr lang="en-US" i="1">
+                                  <a:latin typeface="Cambria Math"/>
+                                  <a:ea typeface="Cambria Math"/>
+                                </a:rPr>
+                                <m:t>𝐴</m:t>
+                              </m:r>
+                              <m:r>
+                                <a:rPr lang="en-US" i="1">
+                                  <a:latin typeface="Cambria Math"/>
+                                  <a:ea typeface="Cambria Math"/>
+                                </a:rPr>
+                                <m:t>⊗</m:t>
+                              </m:r>
+                              <m:sSub>
+                                <m:sSubPr>
+                                  <m:ctrlPr>
+                                    <a:rPr lang="en-US" i="1">
+                                      <a:latin typeface="Cambria Math"/>
+                                      <a:ea typeface="Cambria Math"/>
+                                    </a:rPr>
+                                  </m:ctrlPr>
+                                </m:sSubPr>
+                                <m:e>
+                                  <m:r>
+                                    <a:rPr lang="en-US" i="1">
+                                      <a:latin typeface="Cambria Math"/>
+                                      <a:ea typeface="Cambria Math"/>
+                                    </a:rPr>
+                                    <m:t>𝐵</m:t>
+                                  </m:r>
+                                </m:e>
+                                <m:sub>
+                                  <m:r>
+                                    <a:rPr lang="en-US" b="0" i="1" smtClean="0">
+                                      <a:latin typeface="Cambria Math"/>
+                                      <a:ea typeface="Cambria Math"/>
+                                    </a:rPr>
+                                    <m:t>3</m:t>
+                                  </m:r>
+                                </m:sub>
+                              </m:sSub>
+                            </m:e>
+                          </m:d>
+                          <m:r>
+                            <a:rPr lang="en-US" i="1">
+                              <a:latin typeface="Cambria Math"/>
+                              <a:ea typeface="Cambria Math"/>
+                            </a:rPr>
+                            <m:t>⊗</m:t>
+                          </m:r>
+                          <m:sSub>
+                            <m:sSubPr>
+                              <m:ctrlPr>
+                                <a:rPr lang="en-US" i="1">
+                                  <a:latin typeface="Cambria Math"/>
+                                  <a:ea typeface="Cambria Math"/>
+                                </a:rPr>
+                              </m:ctrlPr>
+                            </m:sSubPr>
+                            <m:e>
+                              <m:r>
+                                <a:rPr lang="en-US" i="1">
+                                  <a:latin typeface="Cambria Math"/>
+                                  <a:ea typeface="Cambria Math"/>
+                                </a:rPr>
+                                <m:t>𝐵</m:t>
+                              </m:r>
+                            </m:e>
+                            <m:sub>
+                              <m:r>
+                                <a:rPr lang="en-US" b="0" i="1" smtClean="0">
+                                  <a:latin typeface="Cambria Math"/>
+                                  <a:ea typeface="Cambria Math"/>
+                                </a:rPr>
+                                <m:t>4</m:t>
+                              </m:r>
+                            </m:sub>
+                          </m:sSub>
+                        </m:e>
+                      </m:d>
+                      <m:r>
+                        <a:rPr lang="en-US" i="1">
+                          <a:latin typeface="Cambria Math"/>
+                          <a:ea typeface="Cambria Math"/>
+                        </a:rPr>
+                        <m:t>…)⊗</m:t>
+                      </m:r>
+                      <m:sSub>
+                        <m:sSubPr>
+                          <m:ctrlPr>
+                            <a:rPr lang="en-US" i="1">
+                              <a:latin typeface="Cambria Math"/>
+                              <a:ea typeface="Cambria Math"/>
+                            </a:rPr>
+                          </m:ctrlPr>
+                        </m:sSubPr>
+                        <m:e>
+                          <m:r>
+                            <a:rPr lang="en-US" i="1">
+                              <a:latin typeface="Cambria Math"/>
+                              <a:ea typeface="Cambria Math"/>
+                            </a:rPr>
+                            <m:t>𝐵</m:t>
+                          </m:r>
+                        </m:e>
+                        <m:sub>
+                          <m:r>
+                            <a:rPr lang="en-US" b="0" i="1" smtClean="0">
+                              <a:latin typeface="Cambria Math"/>
+                              <a:ea typeface="Cambria Math"/>
+                            </a:rPr>
+                            <m:t>8</m:t>
+                          </m:r>
+                        </m:sub>
+                      </m:sSub>
+                    </m:oMath>
+                  </m:oMathPara>
+                </a14:m>
+                <a:endParaRPr lang="en-US" b="0" dirty="0" smtClean="0">
+                  <a:ea typeface="Cambria Math"/>
+                </a:endParaRPr>
+              </a:p>
+            </p:txBody>
+          </p:sp>
+        </mc:Choice>
+        <mc:Fallback xmlns="">
+          <p:sp>
+            <p:nvSpPr>
+              <p:cNvPr id="18" name="TextBox 17"/>
+              <p:cNvSpPr txBox="1">
+                <a:spLocks noRot="1" noChangeAspect="1" noMove="1" noResize="1" noEditPoints="1" noAdjustHandles="1" noChangeArrowheads="1" noChangeShapeType="1" noTextEdit="1"/>
+              </p:cNvSpPr>
+              <p:nvPr/>
+            </p:nvSpPr>
+            <p:spPr>
+              <a:xfrm>
+                <a:off x="5562600" y="5747050"/>
+                <a:ext cx="3200400" cy="369332"/>
+              </a:xfrm>
+              <a:prstGeom prst="rect">
+                <a:avLst/>
+              </a:prstGeom>
+              <a:blipFill rotWithShape="1">
+                <a:blip r:embed="rId9"/>
+                <a:stretch>
+                  <a:fillRect b="-13333"/>
+                </a:stretch>
+              </a:blipFill>
+            </p:spPr>
+            <p:txBody>
+              <a:bodyPr/>
+              <a:lstStyle/>
+              <a:p>
+                <a:r>
+                  <a:rPr lang="en-US">
+                    <a:noFill/>
+                  </a:rPr>
+                  <a:t> </a:t>
+                </a:r>
+              </a:p>
+            </p:txBody>
+          </p:sp>
+        </mc:Fallback>
+      </mc:AlternateContent>
+      <p:pic>
+        <p:nvPicPr>
+          <p:cNvPr id="19" name="Picture 18"/>
+          <p:cNvPicPr>
+            <a:picLocks noChangeAspect="1"/>
+          </p:cNvPicPr>
+          <p:nvPr/>
+        </p:nvPicPr>
+        <p:blipFill>
+          <a:blip r:embed="rId10">
+            <a:extLst>
+              <a:ext uri="{28A0092B-C50C-407E-A947-70E740481C1C}">
+                <a14:useLocalDpi xmlns:a14="http://schemas.microsoft.com/office/drawing/2010/main" val="0"/>
+              </a:ext>
+            </a:extLst>
+          </a:blip>
+          <a:stretch>
+            <a:fillRect/>
+          </a:stretch>
+        </p:blipFill>
+        <p:spPr>
+          <a:xfrm>
+            <a:off x="1219203" y="2438400"/>
+            <a:ext cx="6450169" cy="1524000"/>
           </a:xfrm>
           <a:prstGeom prst="rect">
             <a:avLst/>
@@ -5324,6 +6163,13 @@
   <p:clrMapOvr>
     <a:masterClrMapping/>
   </p:clrMapOvr>
+  <p:timing>
+    <p:tnLst>
+      <p:par>
+        <p:cTn id="1" dur="indefinite" restart="never" nodeType="tmRoot"/>
+      </p:par>
+    </p:tnLst>
+  </p:timing>
 </p:sld>
 </file>
 
@@ -5373,8 +6219,8 @@
           </a:p>
         </p:txBody>
       </p:sp>
-      <mc:AlternateContent xmlns:mc="http://schemas.openxmlformats.org/markup-compatibility/2006">
-        <mc:Choice xmlns:a14="http://schemas.microsoft.com/office/drawing/2010/main" Requires="a14">
+      <mc:AlternateContent xmlns:mc="http://schemas.openxmlformats.org/markup-compatibility/2006" xmlns:a14="http://schemas.microsoft.com/office/drawing/2010/main">
+        <mc:Choice Requires="a14">
           <p:sp>
             <p:nvSpPr>
               <p:cNvPr id="3" name="Content Placeholder 2"/>
@@ -5400,57 +6246,36 @@
                     </m:oMathParaPr>
                     <m:oMath xmlns:m="http://schemas.openxmlformats.org/officeDocument/2006/math">
                       <m:r>
-                        <a:rPr lang="en-US" b="0" i="1" smtClean="0">
+                        <a:rPr lang="en-US" i="1" smtClean="0">
                           <a:latin typeface="Cambria Math"/>
                         </a:rPr>
                         <m:t>𝐴</m:t>
                       </m:r>
                       <m:r>
-                        <a:rPr lang="en-US" i="1" smtClean="0">
+                        <a:rPr lang="en-US" i="1">
                           <a:latin typeface="Cambria Math"/>
                           <a:ea typeface="Cambria Math"/>
                         </a:rPr>
-                        <m:t>⊙</m:t>
+                        <m:t>⊙{</m:t>
                       </m:r>
                       <m:r>
-                        <a:rPr lang="en-US" b="0" i="1" smtClean="0">
-                          <a:latin typeface="Cambria Math"/>
-                          <a:ea typeface="Cambria Math"/>
-                        </a:rPr>
-                        <m:t>{</m:t>
-                      </m:r>
-                      <m:r>
-                        <a:rPr lang="en-US" b="0" i="1" smtClean="0">
+                        <a:rPr lang="en-US" i="1">
                           <a:latin typeface="Cambria Math"/>
                           <a:ea typeface="Cambria Math"/>
                         </a:rPr>
                         <m:t>𝐵</m:t>
                       </m:r>
                       <m:r>
-                        <a:rPr lang="en-US" b="0" i="1" smtClean="0">
+                        <a:rPr lang="en-US" i="1">
                           <a:latin typeface="Cambria Math"/>
                           <a:ea typeface="Cambria Math"/>
                         </a:rPr>
-                        <m:t>}</m:t>
-                      </m:r>
-                      <m:r>
-                        <a:rPr lang="en-US" b="0" i="1" smtClean="0">
-                          <a:latin typeface="Cambria Math"/>
-                          <a:ea typeface="Cambria Math"/>
-                        </a:rPr>
-                        <m:t>=</m:t>
-                      </m:r>
-                      <m:r>
-                        <a:rPr lang="en-US" b="0" i="1" smtClean="0">
-                          <a:latin typeface="Cambria Math"/>
-                          <a:ea typeface="Cambria Math"/>
-                        </a:rPr>
-                        <m:t>(</m:t>
+                        <m:t>}=(</m:t>
                       </m:r>
                       <m:d>
                         <m:dPr>
                           <m:ctrlPr>
-                            <a:rPr lang="en-US" b="0" i="1" smtClean="0">
+                            <a:rPr lang="en-US" i="1">
                               <a:latin typeface="Cambria Math"/>
                               <a:ea typeface="Cambria Math"/>
                             </a:rPr>
@@ -5458,7 +6283,7 @@
                         </m:dPr>
                         <m:e>
                           <m:r>
-                            <a:rPr lang="en-US" b="0" i="1" smtClean="0">
+                            <a:rPr lang="en-US" i="1">
                               <a:latin typeface="Cambria Math"/>
                               <a:ea typeface="Cambria Math"/>
                             </a:rPr>
@@ -5467,7 +6292,7 @@
                           <m:d>
                             <m:dPr>
                               <m:ctrlPr>
-                                <a:rPr lang="en-US" b="0" i="1" smtClean="0">
+                                <a:rPr lang="en-US" i="1">
                                   <a:latin typeface="Cambria Math"/>
                                   <a:ea typeface="Cambria Math"/>
                                 </a:rPr>
@@ -5475,28 +6300,28 @@
                             </m:dPr>
                             <m:e>
                               <m:r>
-                                <a:rPr lang="en-US" b="0" i="1" smtClean="0">
+                                <a:rPr lang="en-US" i="1">
                                   <a:latin typeface="Cambria Math"/>
                                   <a:ea typeface="Cambria Math"/>
                                 </a:rPr>
                                 <m:t>𝐴</m:t>
                               </m:r>
                               <m:r>
-                                <a:rPr lang="en-US" i="1" smtClean="0">
+                                <a:rPr lang="en-US" i="1">
                                   <a:latin typeface="Cambria Math"/>
                                   <a:ea typeface="Cambria Math"/>
                                 </a:rPr>
                                 <m:t>⊙</m:t>
                               </m:r>
-                              <m:sSup>
-                                <m:sSupPr>
+                              <m:sSub>
+                                <m:sSubPr>
                                   <m:ctrlPr>
-                                    <a:rPr lang="en-US" b="0" i="1" smtClean="0">
+                                    <a:rPr lang="en-US" i="1" smtClean="0">
                                       <a:latin typeface="Cambria Math"/>
                                       <a:ea typeface="Cambria Math"/>
                                     </a:rPr>
                                   </m:ctrlPr>
-                                </m:sSupPr>
+                                </m:sSubPr>
                                 <m:e>
                                   <m:r>
                                     <a:rPr lang="en-US" b="0" i="1" smtClean="0">
@@ -5506,7 +6331,7 @@
                                     <m:t>𝐵</m:t>
                                   </m:r>
                                 </m:e>
-                                <m:sup>
+                                <m:sub>
                                   <m:r>
                                     <a:rPr lang="en-US" b="0" i="1" smtClean="0">
                                       <a:latin typeface="Cambria Math"/>
@@ -5514,26 +6339,26 @@
                                     </a:rPr>
                                     <m:t>1</m:t>
                                   </m:r>
-                                </m:sup>
-                              </m:sSup>
+                                </m:sub>
+                              </m:sSub>
                             </m:e>
                           </m:d>
                           <m:r>
-                            <a:rPr lang="en-US" i="1" smtClean="0">
+                            <a:rPr lang="en-US" i="1">
                               <a:latin typeface="Cambria Math"/>
                               <a:ea typeface="Cambria Math"/>
                             </a:rPr>
                             <m:t>⊙</m:t>
                           </m:r>
-                          <m:sSup>
-                            <m:sSupPr>
+                          <m:sSub>
+                            <m:sSubPr>
                               <m:ctrlPr>
-                                <a:rPr lang="en-US" b="0" i="1" smtClean="0">
+                                <a:rPr lang="en-US" i="1" smtClean="0">
                                   <a:latin typeface="Cambria Math"/>
                                   <a:ea typeface="Cambria Math"/>
                                 </a:rPr>
                               </m:ctrlPr>
-                            </m:sSupPr>
+                            </m:sSubPr>
                             <m:e>
                               <m:r>
                                 <a:rPr lang="en-US" b="0" i="1" smtClean="0">
@@ -5543,7 +6368,7 @@
                                 <m:t>𝐵</m:t>
                               </m:r>
                             </m:e>
-                            <m:sup>
+                            <m:sub>
                               <m:r>
                                 <a:rPr lang="en-US" b="0" i="1" smtClean="0">
                                   <a:latin typeface="Cambria Math"/>
@@ -5551,33 +6376,26 @@
                                 </a:rPr>
                                 <m:t>2</m:t>
                               </m:r>
-                            </m:sup>
-                          </m:sSup>
+                            </m:sub>
+                          </m:sSub>
                         </m:e>
                       </m:d>
                       <m:r>
-                        <a:rPr lang="en-US" b="0" i="1" smtClean="0">
+                        <a:rPr lang="en-US" i="1">
                           <a:latin typeface="Cambria Math"/>
                           <a:ea typeface="Cambria Math"/>
                         </a:rPr>
-                        <m:t>…)</m:t>
+                        <m:t>…)⊙</m:t>
                       </m:r>
-                      <m:r>
-                        <a:rPr lang="en-US" i="1" smtClean="0">
-                          <a:latin typeface="Cambria Math"/>
-                          <a:ea typeface="Cambria Math"/>
-                        </a:rPr>
-                        <m:t>⊙</m:t>
-                      </m:r>
-                      <m:sSup>
-                        <m:sSupPr>
+                      <m:sSub>
+                        <m:sSubPr>
                           <m:ctrlPr>
-                            <a:rPr lang="en-US" b="0" i="1" smtClean="0">
+                            <a:rPr lang="en-US" i="1" smtClean="0">
                               <a:latin typeface="Cambria Math"/>
                               <a:ea typeface="Cambria Math"/>
                             </a:rPr>
                           </m:ctrlPr>
-                        </m:sSupPr>
+                        </m:sSubPr>
                         <m:e>
                           <m:r>
                             <a:rPr lang="en-US" b="0" i="1" smtClean="0">
@@ -5587,7 +6405,7 @@
                             <m:t>𝐵</m:t>
                           </m:r>
                         </m:e>
-                        <m:sup>
+                        <m:sub>
                           <m:r>
                             <a:rPr lang="en-US" b="0" i="1" smtClean="0">
                               <a:latin typeface="Cambria Math"/>
@@ -5595,8 +6413,8 @@
                             </a:rPr>
                             <m:t>𝑛</m:t>
                           </m:r>
-                        </m:sup>
-                      </m:sSup>
+                        </m:sub>
+                      </m:sSub>
                     </m:oMath>
                   </m:oMathPara>
                 </a14:m>
@@ -5607,7 +6425,6 @@
                 </a:endParaRPr>
               </a:p>
               <a:p>
-                <a:pPr/>
                 <a:endParaRPr lang="en-US" b="0" dirty="0" smtClean="0">
                   <a:latin typeface="Times New Roman" panose="02020603050405020304" pitchFamily="18" charset="0"/>
                   <a:ea typeface="Cambria Math"/>
@@ -5617,7 +6434,7 @@
             </p:txBody>
           </p:sp>
         </mc:Choice>
-        <mc:Fallback>
+        <mc:Fallback xmlns="">
           <p:sp>
             <p:nvSpPr>
               <p:cNvPr id="3" name="Content Placeholder 2"/>
@@ -5651,16 +6468,749 @@
           </p:sp>
         </mc:Fallback>
       </mc:AlternateContent>
+      <p:pic>
+        <p:nvPicPr>
+          <p:cNvPr id="5" name="Picture 4"/>
+          <p:cNvPicPr>
+            <a:picLocks noChangeAspect="1"/>
+          </p:cNvPicPr>
+          <p:nvPr/>
+        </p:nvPicPr>
+        <p:blipFill>
+          <a:blip r:embed="rId3">
+            <a:extLst>
+              <a:ext uri="{28A0092B-C50C-407E-A947-70E740481C1C}">
+                <a14:useLocalDpi xmlns:a14="http://schemas.microsoft.com/office/drawing/2010/main" val="0"/>
+              </a:ext>
+            </a:extLst>
+          </a:blip>
+          <a:stretch>
+            <a:fillRect/>
+          </a:stretch>
+        </p:blipFill>
+        <p:spPr>
+          <a:xfrm>
+            <a:off x="2667000" y="4191000"/>
+            <a:ext cx="1524000" cy="1524000"/>
+          </a:xfrm>
+          <a:prstGeom prst="rect">
+            <a:avLst/>
+          </a:prstGeom>
+        </p:spPr>
+      </p:pic>
+      <p:pic>
+        <p:nvPicPr>
+          <p:cNvPr id="7" name="Picture 6"/>
+          <p:cNvPicPr>
+            <a:picLocks noChangeAspect="1"/>
+          </p:cNvPicPr>
+          <p:nvPr/>
+        </p:nvPicPr>
+        <p:blipFill>
+          <a:blip r:embed="rId4">
+            <a:extLst>
+              <a:ext uri="{28A0092B-C50C-407E-A947-70E740481C1C}">
+                <a14:useLocalDpi xmlns:a14="http://schemas.microsoft.com/office/drawing/2010/main" val="0"/>
+              </a:ext>
+            </a:extLst>
+          </a:blip>
+          <a:stretch>
+            <a:fillRect/>
+          </a:stretch>
+        </p:blipFill>
+        <p:spPr>
+          <a:xfrm>
+            <a:off x="4953000" y="4191000"/>
+            <a:ext cx="1524000" cy="1524000"/>
+          </a:xfrm>
+          <a:prstGeom prst="rect">
+            <a:avLst/>
+          </a:prstGeom>
+        </p:spPr>
+      </p:pic>
+      <p:pic>
+        <p:nvPicPr>
+          <p:cNvPr id="8" name="Picture 7"/>
+          <p:cNvPicPr>
+            <a:picLocks noChangeAspect="1"/>
+          </p:cNvPicPr>
+          <p:nvPr/>
+        </p:nvPicPr>
+        <p:blipFill>
+          <a:blip r:embed="rId5">
+            <a:extLst>
+              <a:ext uri="{28A0092B-C50C-407E-A947-70E740481C1C}">
+                <a14:useLocalDpi xmlns:a14="http://schemas.microsoft.com/office/drawing/2010/main" val="0"/>
+              </a:ext>
+            </a:extLst>
+          </a:blip>
+          <a:stretch>
+            <a:fillRect/>
+          </a:stretch>
+        </p:blipFill>
+        <p:spPr>
+          <a:xfrm>
+            <a:off x="7239000" y="4191000"/>
+            <a:ext cx="1524000" cy="1524000"/>
+          </a:xfrm>
+          <a:prstGeom prst="rect">
+            <a:avLst/>
+          </a:prstGeom>
+        </p:spPr>
+      </p:pic>
+      <p:pic>
+        <p:nvPicPr>
+          <p:cNvPr id="9" name="Picture 8"/>
+          <p:cNvPicPr>
+            <a:picLocks noChangeAspect="1"/>
+          </p:cNvPicPr>
+          <p:nvPr/>
+        </p:nvPicPr>
+        <p:blipFill>
+          <a:blip r:embed="rId6">
+            <a:extLst>
+              <a:ext uri="{28A0092B-C50C-407E-A947-70E740481C1C}">
+                <a14:useLocalDpi xmlns:a14="http://schemas.microsoft.com/office/drawing/2010/main" val="0"/>
+              </a:ext>
+            </a:extLst>
+          </a:blip>
+          <a:stretch>
+            <a:fillRect/>
+          </a:stretch>
+        </p:blipFill>
+        <p:spPr>
+          <a:xfrm>
+            <a:off x="381001" y="4191000"/>
+            <a:ext cx="1524000" cy="1524000"/>
+          </a:xfrm>
+          <a:prstGeom prst="rect">
+            <a:avLst/>
+          </a:prstGeom>
+        </p:spPr>
+      </p:pic>
+      <p:cxnSp>
+        <p:nvCxnSpPr>
+          <p:cNvPr id="11" name="Straight Arrow Connector 10"/>
+          <p:cNvCxnSpPr>
+            <a:stCxn id="9" idx="3"/>
+            <a:endCxn id="5" idx="1"/>
+          </p:cNvCxnSpPr>
+          <p:nvPr/>
+        </p:nvCxnSpPr>
+        <p:spPr>
+          <a:xfrm>
+            <a:off x="1905001" y="4953000"/>
+            <a:ext cx="762000" cy="0"/>
+          </a:xfrm>
+          <a:prstGeom prst="straightConnector1">
+            <a:avLst/>
+          </a:prstGeom>
+          <a:ln w="19050">
+            <a:tailEnd type="triangle"/>
+          </a:ln>
+        </p:spPr>
+        <p:style>
+          <a:lnRef idx="1">
+            <a:schemeClr val="dk1"/>
+          </a:lnRef>
+          <a:fillRef idx="0">
+            <a:schemeClr val="dk1"/>
+          </a:fillRef>
+          <a:effectRef idx="0">
+            <a:schemeClr val="dk1"/>
+          </a:effectRef>
+          <a:fontRef idx="minor">
+            <a:schemeClr val="tx1"/>
+          </a:fontRef>
+        </p:style>
+      </p:cxnSp>
+      <p:cxnSp>
+        <p:nvCxnSpPr>
+          <p:cNvPr id="13" name="Straight Arrow Connector 12"/>
+          <p:cNvCxnSpPr>
+            <a:stCxn id="5" idx="3"/>
+            <a:endCxn id="7" idx="1"/>
+          </p:cNvCxnSpPr>
+          <p:nvPr/>
+        </p:nvCxnSpPr>
+        <p:spPr>
+          <a:xfrm>
+            <a:off x="4191000" y="4953000"/>
+            <a:ext cx="762000" cy="0"/>
+          </a:xfrm>
+          <a:prstGeom prst="straightConnector1">
+            <a:avLst/>
+          </a:prstGeom>
+          <a:ln w="19050">
+            <a:tailEnd type="triangle"/>
+          </a:ln>
+        </p:spPr>
+        <p:style>
+          <a:lnRef idx="1">
+            <a:schemeClr val="dk1"/>
+          </a:lnRef>
+          <a:fillRef idx="0">
+            <a:schemeClr val="dk1"/>
+          </a:fillRef>
+          <a:effectRef idx="0">
+            <a:schemeClr val="dk1"/>
+          </a:effectRef>
+          <a:fontRef idx="minor">
+            <a:schemeClr val="tx1"/>
+          </a:fontRef>
+        </p:style>
+      </p:cxnSp>
+      <p:cxnSp>
+        <p:nvCxnSpPr>
+          <p:cNvPr id="15" name="Straight Arrow Connector 14"/>
+          <p:cNvCxnSpPr>
+            <a:stCxn id="7" idx="3"/>
+            <a:endCxn id="8" idx="1"/>
+          </p:cNvCxnSpPr>
+          <p:nvPr/>
+        </p:nvCxnSpPr>
+        <p:spPr>
+          <a:xfrm>
+            <a:off x="6477000" y="4953000"/>
+            <a:ext cx="762000" cy="0"/>
+          </a:xfrm>
+          <a:prstGeom prst="straightConnector1">
+            <a:avLst/>
+          </a:prstGeom>
+          <a:ln w="19050">
+            <a:tailEnd type="triangle"/>
+          </a:ln>
+        </p:spPr>
+        <p:style>
+          <a:lnRef idx="1">
+            <a:schemeClr val="dk1"/>
+          </a:lnRef>
+          <a:fillRef idx="0">
+            <a:schemeClr val="dk1"/>
+          </a:fillRef>
+          <a:effectRef idx="0">
+            <a:schemeClr val="dk1"/>
+          </a:effectRef>
+          <a:fontRef idx="minor">
+            <a:schemeClr val="tx1"/>
+          </a:fontRef>
+        </p:style>
+      </p:cxnSp>
+      <mc:AlternateContent xmlns:mc="http://schemas.openxmlformats.org/markup-compatibility/2006" xmlns:a14="http://schemas.microsoft.com/office/drawing/2010/main">
+        <mc:Choice Requires="a14">
+          <p:sp>
+            <p:nvSpPr>
+              <p:cNvPr id="16" name="TextBox 15"/>
+              <p:cNvSpPr txBox="1"/>
+              <p:nvPr/>
+            </p:nvSpPr>
+            <p:spPr>
+              <a:xfrm>
+                <a:off x="1676401" y="5745332"/>
+                <a:ext cx="1219200" cy="369332"/>
+              </a:xfrm>
+              <a:prstGeom prst="rect">
+                <a:avLst/>
+              </a:prstGeom>
+              <a:noFill/>
+            </p:spPr>
+            <p:txBody>
+              <a:bodyPr wrap="square" rtlCol="0">
+                <a:spAutoFit/>
+              </a:bodyPr>
+              <a:lstStyle/>
+              <a:p>
+                <a:pPr/>
+                <a14:m>
+                  <m:oMathPara xmlns:m="http://schemas.openxmlformats.org/officeDocument/2006/math">
+                    <m:oMathParaPr>
+                      <m:jc m:val="centerGroup"/>
+                    </m:oMathParaPr>
+                    <m:oMath xmlns:m="http://schemas.openxmlformats.org/officeDocument/2006/math">
+                      <m:r>
+                        <a:rPr lang="en-US" i="1" smtClean="0">
+                          <a:latin typeface="Cambria Math"/>
+                        </a:rPr>
+                        <m:t>𝐴</m:t>
+                      </m:r>
+                      <m:r>
+                        <a:rPr lang="en-US" i="1">
+                          <a:latin typeface="Cambria Math"/>
+                          <a:ea typeface="Cambria Math"/>
+                        </a:rPr>
+                        <m:t>⊙</m:t>
+                      </m:r>
+                      <m:sSub>
+                        <m:sSubPr>
+                          <m:ctrlPr>
+                            <a:rPr lang="en-US" i="1" smtClean="0">
+                              <a:latin typeface="Cambria Math"/>
+                              <a:ea typeface="Cambria Math"/>
+                            </a:rPr>
+                          </m:ctrlPr>
+                        </m:sSubPr>
+                        <m:e>
+                          <m:r>
+                            <a:rPr lang="en-US" b="0" i="1" smtClean="0">
+                              <a:latin typeface="Cambria Math"/>
+                              <a:ea typeface="Cambria Math"/>
+                            </a:rPr>
+                            <m:t>𝐵</m:t>
+                          </m:r>
+                        </m:e>
+                        <m:sub>
+                          <m:r>
+                            <a:rPr lang="en-US" b="0" i="1" smtClean="0">
+                              <a:latin typeface="Cambria Math"/>
+                              <a:ea typeface="Cambria Math"/>
+                            </a:rPr>
+                            <m:t>1</m:t>
+                          </m:r>
+                        </m:sub>
+                      </m:sSub>
+                    </m:oMath>
+                  </m:oMathPara>
+                </a14:m>
+                <a:endParaRPr lang="en-US" dirty="0"/>
+              </a:p>
+            </p:txBody>
+          </p:sp>
+        </mc:Choice>
+        <mc:Fallback xmlns="">
+          <p:sp>
+            <p:nvSpPr>
+              <p:cNvPr id="16" name="TextBox 15"/>
+              <p:cNvSpPr txBox="1">
+                <a:spLocks noRot="1" noChangeAspect="1" noMove="1" noResize="1" noEditPoints="1" noAdjustHandles="1" noChangeArrowheads="1" noChangeShapeType="1" noTextEdit="1"/>
+              </p:cNvSpPr>
+              <p:nvPr/>
+            </p:nvSpPr>
+            <p:spPr>
+              <a:xfrm>
+                <a:off x="1676400" y="5745332"/>
+                <a:ext cx="1219200" cy="369332"/>
+              </a:xfrm>
+              <a:prstGeom prst="rect">
+                <a:avLst/>
+              </a:prstGeom>
+              <a:blipFill rotWithShape="1">
+                <a:blip r:embed="rId7"/>
+                <a:stretch>
+                  <a:fillRect b="-4918"/>
+                </a:stretch>
+              </a:blipFill>
+            </p:spPr>
+            <p:txBody>
+              <a:bodyPr/>
+              <a:lstStyle/>
+              <a:p>
+                <a:r>
+                  <a:rPr lang="en-US">
+                    <a:noFill/>
+                  </a:rPr>
+                  <a:t> </a:t>
+                </a:r>
+              </a:p>
+            </p:txBody>
+          </p:sp>
+        </mc:Fallback>
+      </mc:AlternateContent>
+      <mc:AlternateContent xmlns:mc="http://schemas.openxmlformats.org/markup-compatibility/2006" xmlns:a14="http://schemas.microsoft.com/office/drawing/2010/main">
+        <mc:Choice Requires="a14">
+          <p:sp>
+            <p:nvSpPr>
+              <p:cNvPr id="17" name="TextBox 16"/>
+              <p:cNvSpPr txBox="1"/>
+              <p:nvPr/>
+            </p:nvSpPr>
+            <p:spPr>
+              <a:xfrm>
+                <a:off x="3962400" y="5745332"/>
+                <a:ext cx="1219200" cy="369332"/>
+              </a:xfrm>
+              <a:prstGeom prst="rect">
+                <a:avLst/>
+              </a:prstGeom>
+              <a:noFill/>
+            </p:spPr>
+            <p:txBody>
+              <a:bodyPr wrap="square" rtlCol="0">
+                <a:spAutoFit/>
+              </a:bodyPr>
+              <a:lstStyle/>
+              <a:p>
+                <a:pPr/>
+                <a14:m>
+                  <m:oMathPara xmlns:m="http://schemas.openxmlformats.org/officeDocument/2006/math">
+                    <m:oMathParaPr>
+                      <m:jc m:val="centerGroup"/>
+                    </m:oMathParaPr>
+                    <m:oMath xmlns:m="http://schemas.openxmlformats.org/officeDocument/2006/math">
+                      <m:r>
+                        <a:rPr lang="en-US" i="1" smtClean="0">
+                          <a:latin typeface="Cambria Math"/>
+                        </a:rPr>
+                        <m:t>𝐴</m:t>
+                      </m:r>
+                      <m:r>
+                        <a:rPr lang="en-US" i="1">
+                          <a:latin typeface="Cambria Math"/>
+                          <a:ea typeface="Cambria Math"/>
+                        </a:rPr>
+                        <m:t>⊙</m:t>
+                      </m:r>
+                      <m:sSub>
+                        <m:sSubPr>
+                          <m:ctrlPr>
+                            <a:rPr lang="en-US" i="1" smtClean="0">
+                              <a:latin typeface="Cambria Math"/>
+                              <a:ea typeface="Cambria Math"/>
+                            </a:rPr>
+                          </m:ctrlPr>
+                        </m:sSubPr>
+                        <m:e>
+                          <m:r>
+                            <a:rPr lang="en-US" b="0" i="1" smtClean="0">
+                              <a:latin typeface="Cambria Math"/>
+                              <a:ea typeface="Cambria Math"/>
+                            </a:rPr>
+                            <m:t>𝐵</m:t>
+                          </m:r>
+                        </m:e>
+                        <m:sub>
+                          <m:r>
+                            <a:rPr lang="en-US" b="0" i="1" smtClean="0">
+                              <a:latin typeface="Cambria Math"/>
+                              <a:ea typeface="Cambria Math"/>
+                            </a:rPr>
+                            <m:t>2</m:t>
+                          </m:r>
+                        </m:sub>
+                      </m:sSub>
+                    </m:oMath>
+                  </m:oMathPara>
+                </a14:m>
+                <a:endParaRPr lang="en-US" dirty="0"/>
+              </a:p>
+            </p:txBody>
+          </p:sp>
+        </mc:Choice>
+        <mc:Fallback xmlns="">
+          <p:sp>
+            <p:nvSpPr>
+              <p:cNvPr id="17" name="TextBox 16"/>
+              <p:cNvSpPr txBox="1">
+                <a:spLocks noRot="1" noChangeAspect="1" noMove="1" noResize="1" noEditPoints="1" noAdjustHandles="1" noChangeArrowheads="1" noChangeShapeType="1" noTextEdit="1"/>
+              </p:cNvSpPr>
+              <p:nvPr/>
+            </p:nvSpPr>
+            <p:spPr>
+              <a:xfrm>
+                <a:off x="3962400" y="5745332"/>
+                <a:ext cx="1219200" cy="369332"/>
+              </a:xfrm>
+              <a:prstGeom prst="rect">
+                <a:avLst/>
+              </a:prstGeom>
+              <a:blipFill rotWithShape="1">
+                <a:blip r:embed="rId8"/>
+                <a:stretch>
+                  <a:fillRect b="-4918"/>
+                </a:stretch>
+              </a:blipFill>
+            </p:spPr>
+            <p:txBody>
+              <a:bodyPr/>
+              <a:lstStyle/>
+              <a:p>
+                <a:r>
+                  <a:rPr lang="en-US">
+                    <a:noFill/>
+                  </a:rPr>
+                  <a:t> </a:t>
+                </a:r>
+              </a:p>
+            </p:txBody>
+          </p:sp>
+        </mc:Fallback>
+      </mc:AlternateContent>
+      <mc:AlternateContent xmlns:mc="http://schemas.openxmlformats.org/markup-compatibility/2006" xmlns:a14="http://schemas.microsoft.com/office/drawing/2010/main">
+        <mc:Choice Requires="a14">
+          <p:sp>
+            <p:nvSpPr>
+              <p:cNvPr id="18" name="TextBox 17"/>
+              <p:cNvSpPr txBox="1"/>
+              <p:nvPr/>
+            </p:nvSpPr>
+            <p:spPr>
+              <a:xfrm>
+                <a:off x="5562600" y="5747050"/>
+                <a:ext cx="3200400" cy="369332"/>
+              </a:xfrm>
+              <a:prstGeom prst="rect">
+                <a:avLst/>
+              </a:prstGeom>
+              <a:noFill/>
+            </p:spPr>
+            <p:txBody>
+              <a:bodyPr wrap="square" rtlCol="0">
+                <a:spAutoFit/>
+              </a:bodyPr>
+              <a:lstStyle/>
+              <a:p>
+                <a:pPr/>
+                <a14:m>
+                  <m:oMathPara xmlns:m="http://schemas.openxmlformats.org/officeDocument/2006/math">
+                    <m:oMathParaPr>
+                      <m:jc m:val="centerGroup"/>
+                    </m:oMathParaPr>
+                    <m:oMath xmlns:m="http://schemas.openxmlformats.org/officeDocument/2006/math">
+                      <m:r>
+                        <a:rPr lang="en-US" i="1" smtClean="0">
+                          <a:latin typeface="Cambria Math"/>
+                          <a:ea typeface="Cambria Math"/>
+                        </a:rPr>
+                        <m:t>(</m:t>
+                      </m:r>
+                      <m:d>
+                        <m:dPr>
+                          <m:ctrlPr>
+                            <a:rPr lang="en-US" i="1">
+                              <a:latin typeface="Cambria Math"/>
+                              <a:ea typeface="Cambria Math"/>
+                            </a:rPr>
+                          </m:ctrlPr>
+                        </m:dPr>
+                        <m:e>
+                          <m:r>
+                            <a:rPr lang="en-US" i="1">
+                              <a:latin typeface="Cambria Math"/>
+                              <a:ea typeface="Cambria Math"/>
+                            </a:rPr>
+                            <m:t>…</m:t>
+                          </m:r>
+                          <m:d>
+                            <m:dPr>
+                              <m:ctrlPr>
+                                <a:rPr lang="en-US" i="1">
+                                  <a:latin typeface="Cambria Math"/>
+                                  <a:ea typeface="Cambria Math"/>
+                                </a:rPr>
+                              </m:ctrlPr>
+                            </m:dPr>
+                            <m:e>
+                              <m:r>
+                                <a:rPr lang="en-US" i="1">
+                                  <a:latin typeface="Cambria Math"/>
+                                  <a:ea typeface="Cambria Math"/>
+                                </a:rPr>
+                                <m:t>𝐴</m:t>
+                              </m:r>
+                              <m:r>
+                                <a:rPr lang="en-US" i="1">
+                                  <a:latin typeface="Cambria Math"/>
+                                  <a:ea typeface="Cambria Math"/>
+                                </a:rPr>
+                                <m:t>⊙</m:t>
+                              </m:r>
+                              <m:sSub>
+                                <m:sSubPr>
+                                  <m:ctrlPr>
+                                    <a:rPr lang="en-US" i="1">
+                                      <a:latin typeface="Cambria Math"/>
+                                      <a:ea typeface="Cambria Math"/>
+                                    </a:rPr>
+                                  </m:ctrlPr>
+                                </m:sSubPr>
+                                <m:e>
+                                  <m:r>
+                                    <a:rPr lang="en-US" i="1">
+                                      <a:latin typeface="Cambria Math"/>
+                                      <a:ea typeface="Cambria Math"/>
+                                    </a:rPr>
+                                    <m:t>𝐵</m:t>
+                                  </m:r>
+                                </m:e>
+                                <m:sub>
+                                  <m:r>
+                                    <a:rPr lang="en-US" b="0" i="1" smtClean="0">
+                                      <a:latin typeface="Cambria Math"/>
+                                      <a:ea typeface="Cambria Math"/>
+                                    </a:rPr>
+                                    <m:t>3</m:t>
+                                  </m:r>
+                                </m:sub>
+                              </m:sSub>
+                            </m:e>
+                          </m:d>
+                          <m:r>
+                            <a:rPr lang="en-US" i="1">
+                              <a:latin typeface="Cambria Math"/>
+                              <a:ea typeface="Cambria Math"/>
+                            </a:rPr>
+                            <m:t>⊙</m:t>
+                          </m:r>
+                          <m:sSub>
+                            <m:sSubPr>
+                              <m:ctrlPr>
+                                <a:rPr lang="en-US" i="1">
+                                  <a:latin typeface="Cambria Math"/>
+                                  <a:ea typeface="Cambria Math"/>
+                                </a:rPr>
+                              </m:ctrlPr>
+                            </m:sSubPr>
+                            <m:e>
+                              <m:r>
+                                <a:rPr lang="en-US" i="1">
+                                  <a:latin typeface="Cambria Math"/>
+                                  <a:ea typeface="Cambria Math"/>
+                                </a:rPr>
+                                <m:t>𝐵</m:t>
+                              </m:r>
+                            </m:e>
+                            <m:sub>
+                              <m:r>
+                                <a:rPr lang="en-US" b="0" i="1" smtClean="0">
+                                  <a:latin typeface="Cambria Math"/>
+                                  <a:ea typeface="Cambria Math"/>
+                                </a:rPr>
+                                <m:t>4</m:t>
+                              </m:r>
+                            </m:sub>
+                          </m:sSub>
+                        </m:e>
+                      </m:d>
+                      <m:r>
+                        <a:rPr lang="en-US" i="1">
+                          <a:latin typeface="Cambria Math"/>
+                          <a:ea typeface="Cambria Math"/>
+                        </a:rPr>
+                        <m:t>…)⊙</m:t>
+                      </m:r>
+                      <m:sSub>
+                        <m:sSubPr>
+                          <m:ctrlPr>
+                            <a:rPr lang="en-US" i="1">
+                              <a:latin typeface="Cambria Math"/>
+                              <a:ea typeface="Cambria Math"/>
+                            </a:rPr>
+                          </m:ctrlPr>
+                        </m:sSubPr>
+                        <m:e>
+                          <m:r>
+                            <a:rPr lang="en-US" i="1">
+                              <a:latin typeface="Cambria Math"/>
+                              <a:ea typeface="Cambria Math"/>
+                            </a:rPr>
+                            <m:t>𝐵</m:t>
+                          </m:r>
+                        </m:e>
+                        <m:sub>
+                          <m:r>
+                            <a:rPr lang="en-US" b="0" i="1" smtClean="0">
+                              <a:latin typeface="Cambria Math"/>
+                              <a:ea typeface="Cambria Math"/>
+                            </a:rPr>
+                            <m:t>8</m:t>
+                          </m:r>
+                        </m:sub>
+                      </m:sSub>
+                    </m:oMath>
+                  </m:oMathPara>
+                </a14:m>
+                <a:endParaRPr lang="en-US" b="0" dirty="0" smtClean="0">
+                  <a:ea typeface="Cambria Math"/>
+                </a:endParaRPr>
+              </a:p>
+            </p:txBody>
+          </p:sp>
+        </mc:Choice>
+        <mc:Fallback xmlns="">
+          <p:sp>
+            <p:nvSpPr>
+              <p:cNvPr id="18" name="TextBox 17"/>
+              <p:cNvSpPr txBox="1">
+                <a:spLocks noRot="1" noChangeAspect="1" noMove="1" noResize="1" noEditPoints="1" noAdjustHandles="1" noChangeArrowheads="1" noChangeShapeType="1" noTextEdit="1"/>
+              </p:cNvSpPr>
+              <p:nvPr/>
+            </p:nvSpPr>
+            <p:spPr>
+              <a:xfrm>
+                <a:off x="5562600" y="5747050"/>
+                <a:ext cx="3200400" cy="369332"/>
+              </a:xfrm>
+              <a:prstGeom prst="rect">
+                <a:avLst/>
+              </a:prstGeom>
+              <a:blipFill rotWithShape="1">
+                <a:blip r:embed="rId9"/>
+                <a:stretch>
+                  <a:fillRect b="-13333"/>
+                </a:stretch>
+              </a:blipFill>
+            </p:spPr>
+            <p:txBody>
+              <a:bodyPr/>
+              <a:lstStyle/>
+              <a:p>
+                <a:r>
+                  <a:rPr lang="en-US">
+                    <a:noFill/>
+                  </a:rPr>
+                  <a:t> </a:t>
+                </a:r>
+              </a:p>
+            </p:txBody>
+          </p:sp>
+        </mc:Fallback>
+      </mc:AlternateContent>
+      <p:pic>
+        <p:nvPicPr>
+          <p:cNvPr id="19" name="Picture 18"/>
+          <p:cNvPicPr>
+            <a:picLocks noChangeAspect="1"/>
+          </p:cNvPicPr>
+          <p:nvPr/>
+        </p:nvPicPr>
+        <p:blipFill>
+          <a:blip r:embed="rId10">
+            <a:extLst>
+              <a:ext uri="{28A0092B-C50C-407E-A947-70E740481C1C}">
+                <a14:useLocalDpi xmlns:a14="http://schemas.microsoft.com/office/drawing/2010/main" val="0"/>
+              </a:ext>
+            </a:extLst>
+          </a:blip>
+          <a:stretch>
+            <a:fillRect/>
+          </a:stretch>
+        </p:blipFill>
+        <p:spPr>
+          <a:xfrm>
+            <a:off x="1219203" y="2438408"/>
+            <a:ext cx="6450169" cy="1523999"/>
+          </a:xfrm>
+          <a:prstGeom prst="rect">
+            <a:avLst/>
+          </a:prstGeom>
+        </p:spPr>
+      </p:pic>
     </p:spTree>
     <p:extLst>
       <p:ext uri="{BB962C8B-B14F-4D97-AF65-F5344CB8AC3E}">
-        <p14:creationId xmlns:p14="http://schemas.microsoft.com/office/powerpoint/2010/main" val="1921174669"/>
+        <p14:creationId xmlns:p14="http://schemas.microsoft.com/office/powerpoint/2010/main" val="2643395072"/>
       </p:ext>
     </p:extLst>
   </p:cSld>
   <p:clrMapOvr>
     <a:masterClrMapping/>
   </p:clrMapOvr>
+  <p:timing>
+    <p:tnLst>
+      <p:par>
+        <p:cTn id="1" dur="indefinite" restart="never" nodeType="tmRoot"/>
+      </p:par>
+    </p:tnLst>
+  </p:timing>
 </p:sld>
 </file>
 

--- a/Images/Presentation/Presentation1.pptx
+++ b/Images/Presentation/Presentation1.pptx
@@ -157,7 +157,7 @@
       </p14:sectionLst>
     </p:ext>
     <p:ext uri="{EFAFB233-063F-42B5-8137-9DF3F51BA10A}">
-      <p15:sldGuideLst xmlns:p15="http://schemas.microsoft.com/office/powerpoint/2012/main" xmlns="">
+      <p15:sldGuideLst xmlns:p15="http://schemas.microsoft.com/office/powerpoint/2012/main">
         <p15:guide id="1" orient="horz" pos="2160" userDrawn="1">
           <p15:clr>
             <a:srgbClr val="A4A3A4"/>
@@ -3350,7 +3350,7 @@
                       <m:sSubSupPr>
                         <m:ctrlPr>
                           <a:rPr lang="en-US" sz="3600" i="1" smtClean="0">
-                            <a:latin typeface="Cambria Math"/>
+                            <a:latin typeface="Cambria Math" panose="02040503050406030204" pitchFamily="18" charset="0"/>
                           </a:rPr>
                         </m:ctrlPr>
                       </m:sSubSupPr>
@@ -3383,7 +3383,7 @@
                       <m:dPr>
                         <m:ctrlPr>
                           <a:rPr lang="en-US" sz="3600" i="1" smtClean="0">
-                            <a:latin typeface="Cambria Math"/>
+                            <a:latin typeface="Cambria Math" panose="02040503050406030204" pitchFamily="18" charset="0"/>
                           </a:rPr>
                         </m:ctrlPr>
                       </m:dPr>
@@ -3406,7 +3406,7 @@
                       <m:dPr>
                         <m:ctrlPr>
                           <a:rPr lang="en-US" sz="3600" b="0" i="1" smtClean="0">
-                            <a:latin typeface="Cambria Math"/>
+                            <a:latin typeface="Cambria Math" panose="02040503050406030204" pitchFamily="18" charset="0"/>
                           </a:rPr>
                         </m:ctrlPr>
                       </m:dPr>
@@ -3430,7 +3430,7 @@
                             <m:supHide m:val="on"/>
                             <m:ctrlPr>
                               <a:rPr lang="en-US" sz="3600" b="0" i="1" smtClean="0">
-                                <a:latin typeface="Cambria Math"/>
+                                <a:latin typeface="Cambria Math" panose="02040503050406030204" pitchFamily="18" charset="0"/>
                                 <a:ea typeface="Cambria Math" panose="02040503050406030204" pitchFamily="18" charset="0"/>
                               </a:rPr>
                             </m:ctrlPr>
@@ -3523,7 +3523,7 @@
           <p:nvPr/>
         </p:nvPicPr>
         <p:blipFill>
-          <a:blip r:embed="rId3">
+          <a:blip r:embed="rId3" cstate="print">
             <a:extLst>
               <a:ext uri="{28A0092B-C50C-407E-A947-70E740481C1C}">
                 <a14:useLocalDpi xmlns:a14="http://schemas.microsoft.com/office/drawing/2010/main" val="0"/>
@@ -3746,7 +3746,7 @@
                         <m:sSubSupPr>
                           <m:ctrlPr>
                             <a:rPr lang="en-US" i="1">
-                              <a:latin typeface="Cambria Math"/>
+                              <a:latin typeface="Cambria Math" panose="02040503050406030204" pitchFamily="18" charset="0"/>
                             </a:rPr>
                           </m:ctrlPr>
                         </m:sSubSupPr>
@@ -3791,7 +3791,7 @@
                         <m:dPr>
                           <m:ctrlPr>
                             <a:rPr lang="en-US" i="1">
-                              <a:latin typeface="Cambria Math"/>
+                              <a:latin typeface="Cambria Math" panose="02040503050406030204" pitchFamily="18" charset="0"/>
                             </a:rPr>
                           </m:ctrlPr>
                         </m:dPr>
@@ -3814,7 +3814,7 @@
                         <m:sSubSupPr>
                           <m:ctrlPr>
                             <a:rPr lang="en-US" i="1">
-                              <a:latin typeface="Cambria Math"/>
+                              <a:latin typeface="Cambria Math" panose="02040503050406030204" pitchFamily="18" charset="0"/>
                             </a:rPr>
                           </m:ctrlPr>
                         </m:sSubSupPr>
@@ -3849,7 +3849,7 @@
                           <m:endChr m:val="]"/>
                           <m:ctrlPr>
                             <a:rPr lang="en-US" i="1">
-                              <a:latin typeface="Cambria Math"/>
+                              <a:latin typeface="Cambria Math" panose="02040503050406030204" pitchFamily="18" charset="0"/>
                             </a:rPr>
                           </m:ctrlPr>
                         </m:dPr>
@@ -3858,7 +3858,7 @@
                             <m:sSubSupPr>
                               <m:ctrlPr>
                                 <a:rPr lang="en-US" i="1">
-                                  <a:latin typeface="Cambria Math"/>
+                                  <a:latin typeface="Cambria Math" panose="02040503050406030204" pitchFamily="18" charset="0"/>
                                 </a:rPr>
                               </m:ctrlPr>
                             </m:sSubSupPr>
@@ -3903,7 +3903,7 @@
                             <m:dPr>
                               <m:ctrlPr>
                                 <a:rPr lang="en-US" i="1">
-                                  <a:latin typeface="Cambria Math"/>
+                                  <a:latin typeface="Cambria Math" panose="02040503050406030204" pitchFamily="18" charset="0"/>
                                 </a:rPr>
                               </m:ctrlPr>
                             </m:dPr>
@@ -3988,7 +3988,7 @@
             <p:nvPr/>
           </p:nvPicPr>
           <p:blipFill>
-            <a:blip r:embed="rId5">
+            <a:blip r:embed="rId5" cstate="print">
               <a:extLst>
                 <a:ext uri="{28A0092B-C50C-407E-A947-70E740481C1C}">
                   <a14:useLocalDpi xmlns:a14="http://schemas.microsoft.com/office/drawing/2010/main" val="0"/>
@@ -4069,7 +4069,7 @@
             <p:nvPr/>
           </p:nvPicPr>
           <p:blipFill>
-            <a:blip r:embed="rId6">
+            <a:blip r:embed="rId6" cstate="print">
               <a:extLst>
                 <a:ext uri="{28A0092B-C50C-407E-A947-70E740481C1C}">
                   <a14:useLocalDpi xmlns:a14="http://schemas.microsoft.com/office/drawing/2010/main" val="0"/>
@@ -4234,7 +4234,7 @@
             <p:nvPr/>
           </p:nvPicPr>
           <p:blipFill>
-            <a:blip r:embed="rId7">
+            <a:blip r:embed="rId7" cstate="print">
               <a:extLst>
                 <a:ext uri="{28A0092B-C50C-407E-A947-70E740481C1C}">
                   <a14:useLocalDpi xmlns:a14="http://schemas.microsoft.com/office/drawing/2010/main" val="0"/>
@@ -4290,7 +4290,7 @@
                           <m:sSubSupPr>
                             <m:ctrlPr>
                               <a:rPr lang="en-US" i="1" smtClean="0">
-                                <a:latin typeface="Cambria Math"/>
+                                <a:latin typeface="Cambria Math" panose="02040503050406030204" pitchFamily="18" charset="0"/>
                               </a:rPr>
                             </m:ctrlPr>
                           </m:sSubSupPr>
@@ -4323,7 +4323,7 @@
                           <m:dPr>
                             <m:ctrlPr>
                               <a:rPr lang="en-US" i="1" smtClean="0">
-                                <a:latin typeface="Cambria Math"/>
+                                <a:latin typeface="Cambria Math" panose="02040503050406030204" pitchFamily="18" charset="0"/>
                               </a:rPr>
                             </m:ctrlPr>
                           </m:dPr>
@@ -5003,7 +5003,7 @@
                       <m:sSubSupPr>
                         <m:ctrlPr>
                           <a:rPr lang="en-US" sz="4000" i="1" smtClean="0">
-                            <a:latin typeface="Cambria Math"/>
+                            <a:latin typeface="Cambria Math" panose="02040503050406030204" pitchFamily="18" charset="0"/>
                           </a:rPr>
                         </m:ctrlPr>
                       </m:sSubSupPr>
@@ -5036,7 +5036,7 @@
                       <m:dPr>
                         <m:ctrlPr>
                           <a:rPr lang="en-US" sz="4000" i="1" smtClean="0">
-                            <a:latin typeface="Cambria Math"/>
+                            <a:latin typeface="Cambria Math" panose="02040503050406030204" pitchFamily="18" charset="0"/>
                           </a:rPr>
                         </m:ctrlPr>
                       </m:dPr>
@@ -5059,7 +5059,7 @@
                       <m:sSubSupPr>
                         <m:ctrlPr>
                           <a:rPr lang="en-US" sz="4000" b="0" i="1" smtClean="0">
-                            <a:latin typeface="Cambria Math"/>
+                            <a:latin typeface="Cambria Math" panose="02040503050406030204" pitchFamily="18" charset="0"/>
                           </a:rPr>
                         </m:ctrlPr>
                       </m:sSubSupPr>
@@ -5084,7 +5084,7 @@
                           <m:dPr>
                             <m:ctrlPr>
                               <a:rPr lang="en-US" sz="4000" b="0" i="1" smtClean="0">
-                                <a:latin typeface="Cambria Math"/>
+                                <a:latin typeface="Cambria Math" panose="02040503050406030204" pitchFamily="18" charset="0"/>
                               </a:rPr>
                             </m:ctrlPr>
                           </m:dPr>
@@ -5103,7 +5103,7 @@
                       <m:dPr>
                         <m:ctrlPr>
                           <a:rPr lang="en-US" sz="4000" b="0" i="1" smtClean="0">
-                            <a:latin typeface="Cambria Math"/>
+                            <a:latin typeface="Cambria Math" panose="02040503050406030204" pitchFamily="18" charset="0"/>
                           </a:rPr>
                         </m:ctrlPr>
                       </m:dPr>
@@ -5183,7 +5183,7 @@
             <p:nvPr/>
           </p:nvPicPr>
           <p:blipFill>
-            <a:blip r:embed="rId3">
+            <a:blip r:embed="rId3" cstate="print">
               <a:extLst>
                 <a:ext uri="{28A0092B-C50C-407E-A947-70E740481C1C}">
                   <a14:useLocalDpi xmlns:a14="http://schemas.microsoft.com/office/drawing/2010/main" val="0"/>
@@ -5239,7 +5239,7 @@
                           <m:sSubSupPr>
                             <m:ctrlPr>
                               <a:rPr lang="en-US" i="1" smtClean="0">
-                                <a:latin typeface="Cambria Math"/>
+                                <a:latin typeface="Cambria Math" panose="02040503050406030204" pitchFamily="18" charset="0"/>
                               </a:rPr>
                             </m:ctrlPr>
                           </m:sSubSupPr>
@@ -5272,7 +5272,7 @@
                           <m:dPr>
                             <m:ctrlPr>
                               <a:rPr lang="en-US" i="1" smtClean="0">
-                                <a:latin typeface="Cambria Math"/>
+                                <a:latin typeface="Cambria Math" panose="02040503050406030204" pitchFamily="18" charset="0"/>
                               </a:rPr>
                             </m:ctrlPr>
                           </m:dPr>
@@ -5356,7 +5356,7 @@
             <p:nvPr/>
           </p:nvPicPr>
           <p:blipFill>
-            <a:blip r:embed="rId2">
+            <a:blip r:embed="rId5" cstate="print">
               <a:extLst>
                 <a:ext uri="{28A0092B-C50C-407E-A947-70E740481C1C}">
                   <a14:useLocalDpi xmlns:a14="http://schemas.microsoft.com/office/drawing/2010/main" val="0"/>
@@ -5437,7 +5437,7 @@
             <p:nvPr/>
           </p:nvPicPr>
           <p:blipFill>
-            <a:blip r:embed="rId5">
+            <a:blip r:embed="rId6" cstate="print">
               <a:extLst>
                 <a:ext uri="{28A0092B-C50C-407E-A947-70E740481C1C}">
                   <a14:useLocalDpi xmlns:a14="http://schemas.microsoft.com/office/drawing/2010/main" val="0"/>
@@ -5493,7 +5493,7 @@
                           <m:sSubSupPr>
                             <m:ctrlPr>
                               <a:rPr lang="en-US" i="1" smtClean="0">
-                                <a:latin typeface="Cambria Math"/>
+                                <a:latin typeface="Cambria Math" panose="02040503050406030204" pitchFamily="18" charset="0"/>
                               </a:rPr>
                             </m:ctrlPr>
                           </m:sSubSupPr>
@@ -5538,7 +5538,7 @@
                           <m:dPr>
                             <m:ctrlPr>
                               <a:rPr lang="en-US" i="1" smtClean="0">
-                                <a:latin typeface="Cambria Math"/>
+                                <a:latin typeface="Cambria Math" panose="02040503050406030204" pitchFamily="18" charset="0"/>
                               </a:rPr>
                             </m:ctrlPr>
                           </m:dPr>
@@ -5622,7 +5622,7 @@
             <p:nvPr/>
           </p:nvPicPr>
           <p:blipFill>
-            <a:blip r:embed="rId8">
+            <a:blip r:embed="rId8" cstate="print">
               <a:extLst>
                 <a:ext uri="{28A0092B-C50C-407E-A947-70E740481C1C}">
                   <a14:useLocalDpi xmlns:a14="http://schemas.microsoft.com/office/drawing/2010/main" val="0"/>
@@ -5678,7 +5678,7 @@
                           <m:sSubSupPr>
                             <m:ctrlPr>
                               <a:rPr lang="en-US" i="1" smtClean="0">
-                                <a:latin typeface="Cambria Math"/>
+                                <a:latin typeface="Cambria Math" panose="02040503050406030204" pitchFamily="18" charset="0"/>
                               </a:rPr>
                             </m:ctrlPr>
                           </m:sSubSupPr>
@@ -5723,7 +5723,7 @@
                           <m:dPr>
                             <m:ctrlPr>
                               <a:rPr lang="en-US" i="1" smtClean="0">
-                                <a:latin typeface="Cambria Math"/>
+                                <a:latin typeface="Cambria Math" panose="02040503050406030204" pitchFamily="18" charset="0"/>
                               </a:rPr>
                             </m:ctrlPr>
                           </m:dPr>
@@ -5807,7 +5807,7 @@
             <p:nvPr/>
           </p:nvPicPr>
           <p:blipFill>
-            <a:blip r:embed="rId10">
+            <a:blip r:embed="rId10" cstate="print">
               <a:extLst>
                 <a:ext uri="{28A0092B-C50C-407E-A947-70E740481C1C}">
                   <a14:useLocalDpi xmlns:a14="http://schemas.microsoft.com/office/drawing/2010/main" val="0"/>
@@ -5863,7 +5863,7 @@
                           <m:sSubSupPr>
                             <m:ctrlPr>
                               <a:rPr lang="en-US" i="1" smtClean="0">
-                                <a:latin typeface="Cambria Math"/>
+                                <a:latin typeface="Cambria Math" panose="02040503050406030204" pitchFamily="18" charset="0"/>
                               </a:rPr>
                             </m:ctrlPr>
                           </m:sSubSupPr>
@@ -5908,7 +5908,7 @@
                           <m:dPr>
                             <m:ctrlPr>
                               <a:rPr lang="en-US" i="1" smtClean="0">
-                                <a:latin typeface="Cambria Math"/>
+                                <a:latin typeface="Cambria Math" panose="02040503050406030204" pitchFamily="18" charset="0"/>
                               </a:rPr>
                             </m:ctrlPr>
                           </m:dPr>
@@ -5992,7 +5992,7 @@
             <p:nvPr/>
           </p:nvPicPr>
           <p:blipFill>
-            <a:blip r:embed="rId12">
+            <a:blip r:embed="rId12" cstate="print">
               <a:extLst>
                 <a:ext uri="{28A0092B-C50C-407E-A947-70E740481C1C}">
                   <a14:useLocalDpi xmlns:a14="http://schemas.microsoft.com/office/drawing/2010/main" val="0"/>
@@ -6048,7 +6048,7 @@
                           <m:sSubSupPr>
                             <m:ctrlPr>
                               <a:rPr lang="en-US" i="1" smtClean="0">
-                                <a:latin typeface="Cambria Math"/>
+                                <a:latin typeface="Cambria Math" panose="02040503050406030204" pitchFamily="18" charset="0"/>
                               </a:rPr>
                             </m:ctrlPr>
                           </m:sSubSupPr>
@@ -6093,7 +6093,7 @@
                           <m:dPr>
                             <m:ctrlPr>
                               <a:rPr lang="en-US" i="1" smtClean="0">
-                                <a:latin typeface="Cambria Math"/>
+                                <a:latin typeface="Cambria Math" panose="02040503050406030204" pitchFamily="18" charset="0"/>
                               </a:rPr>
                             </m:ctrlPr>
                           </m:dPr>
@@ -6177,7 +6177,7 @@
             <p:nvPr/>
           </p:nvPicPr>
           <p:blipFill>
-            <a:blip r:embed="rId12">
+            <a:blip r:embed="rId12" cstate="print">
               <a:extLst>
                 <a:ext uri="{28A0092B-C50C-407E-A947-70E740481C1C}">
                   <a14:useLocalDpi xmlns:a14="http://schemas.microsoft.com/office/drawing/2010/main" val="0"/>
@@ -6233,7 +6233,7 @@
                           <m:sSubSupPr>
                             <m:ctrlPr>
                               <a:rPr lang="en-US" i="1" smtClean="0">
-                                <a:latin typeface="Cambria Math"/>
+                                <a:latin typeface="Cambria Math" panose="02040503050406030204" pitchFamily="18" charset="0"/>
                               </a:rPr>
                             </m:ctrlPr>
                           </m:sSubSupPr>
@@ -6278,7 +6278,7 @@
                           <m:dPr>
                             <m:ctrlPr>
                               <a:rPr lang="en-US" i="1" smtClean="0">
-                                <a:latin typeface="Cambria Math"/>
+                                <a:latin typeface="Cambria Math" panose="02040503050406030204" pitchFamily="18" charset="0"/>
                               </a:rPr>
                             </m:ctrlPr>
                           </m:dPr>
@@ -7113,7 +7113,7 @@
                       <m:sSubSupPr>
                         <m:ctrlPr>
                           <a:rPr lang="en-US" sz="3600" i="1" smtClean="0">
-                            <a:latin typeface="Cambria Math"/>
+                            <a:latin typeface="Cambria Math" panose="02040503050406030204" pitchFamily="18" charset="0"/>
                           </a:rPr>
                         </m:ctrlPr>
                       </m:sSubSupPr>
@@ -7146,7 +7146,7 @@
                       <m:dPr>
                         <m:ctrlPr>
                           <a:rPr lang="en-US" sz="3600" i="1" smtClean="0">
-                            <a:latin typeface="Cambria Math"/>
+                            <a:latin typeface="Cambria Math" panose="02040503050406030204" pitchFamily="18" charset="0"/>
                           </a:rPr>
                         </m:ctrlPr>
                       </m:dPr>
@@ -7169,7 +7169,7 @@
                       <m:dPr>
                         <m:ctrlPr>
                           <a:rPr lang="en-US" sz="3600" b="0" i="1" smtClean="0">
-                            <a:latin typeface="Cambria Math"/>
+                            <a:latin typeface="Cambria Math" panose="02040503050406030204" pitchFamily="18" charset="0"/>
                           </a:rPr>
                         </m:ctrlPr>
                       </m:dPr>
@@ -7260,7 +7260,7 @@
           <p:nvPr/>
         </p:nvPicPr>
         <p:blipFill>
-          <a:blip r:embed="rId3">
+          <a:blip r:embed="rId3" cstate="print">
             <a:extLst>
               <a:ext uri="{28A0092B-C50C-407E-A947-70E740481C1C}">
                 <a14:useLocalDpi xmlns:a14="http://schemas.microsoft.com/office/drawing/2010/main" val="0"/>
@@ -7483,7 +7483,7 @@
                         <m:sSubSupPr>
                           <m:ctrlPr>
                             <a:rPr lang="en-US" sz="3000" i="1" smtClean="0">
-                              <a:latin typeface="Cambria Math"/>
+                              <a:latin typeface="Cambria Math" panose="02040503050406030204" pitchFamily="18" charset="0"/>
                             </a:rPr>
                           </m:ctrlPr>
                         </m:sSubSupPr>
@@ -7528,7 +7528,7 @@
                         <m:dPr>
                           <m:ctrlPr>
                             <a:rPr lang="en-US" sz="3000" i="1">
-                              <a:latin typeface="Cambria Math"/>
+                              <a:latin typeface="Cambria Math" panose="02040503050406030204" pitchFamily="18" charset="0"/>
                             </a:rPr>
                           </m:ctrlPr>
                         </m:dPr>
@@ -7551,7 +7551,7 @@
                         <m:sSubSupPr>
                           <m:ctrlPr>
                             <a:rPr lang="en-US" sz="3000" i="1">
-                              <a:latin typeface="Cambria Math"/>
+                              <a:latin typeface="Cambria Math" panose="02040503050406030204" pitchFamily="18" charset="0"/>
                             </a:rPr>
                           </m:ctrlPr>
                         </m:sSubSupPr>
@@ -7586,7 +7586,7 @@
                           <m:endChr m:val="]"/>
                           <m:ctrlPr>
                             <a:rPr lang="en-US" sz="3000" i="1">
-                              <a:latin typeface="Cambria Math"/>
+                              <a:latin typeface="Cambria Math" panose="02040503050406030204" pitchFamily="18" charset="0"/>
                             </a:rPr>
                           </m:ctrlPr>
                         </m:dPr>
@@ -7595,7 +7595,7 @@
                             <m:sSubSupPr>
                               <m:ctrlPr>
                                 <a:rPr lang="en-US" sz="3000" i="1">
-                                  <a:latin typeface="Cambria Math"/>
+                                  <a:latin typeface="Cambria Math" panose="02040503050406030204" pitchFamily="18" charset="0"/>
                                 </a:rPr>
                               </m:ctrlPr>
                             </m:sSubSupPr>
@@ -7640,7 +7640,7 @@
                             <m:dPr>
                               <m:ctrlPr>
                                 <a:rPr lang="en-US" sz="3000" i="1">
-                                  <a:latin typeface="Cambria Math"/>
+                                  <a:latin typeface="Cambria Math" panose="02040503050406030204" pitchFamily="18" charset="0"/>
                                 </a:rPr>
                               </m:ctrlPr>
                             </m:dPr>
@@ -7725,7 +7725,7 @@
             <p:nvPr/>
           </p:nvPicPr>
           <p:blipFill>
-            <a:blip r:embed="rId5">
+            <a:blip r:embed="rId5" cstate="print">
               <a:extLst>
                 <a:ext uri="{28A0092B-C50C-407E-A947-70E740481C1C}">
                   <a14:useLocalDpi xmlns:a14="http://schemas.microsoft.com/office/drawing/2010/main" val="0"/>
@@ -7806,7 +7806,7 @@
             <p:nvPr/>
           </p:nvPicPr>
           <p:blipFill>
-            <a:blip r:embed="rId6">
+            <a:blip r:embed="rId6" cstate="print">
               <a:extLst>
                 <a:ext uri="{28A0092B-C50C-407E-A947-70E740481C1C}">
                   <a14:useLocalDpi xmlns:a14="http://schemas.microsoft.com/office/drawing/2010/main" val="0"/>
@@ -7971,7 +7971,7 @@
             <p:nvPr/>
           </p:nvPicPr>
           <p:blipFill>
-            <a:blip r:embed="rId7">
+            <a:blip r:embed="rId7" cstate="print">
               <a:extLst>
                 <a:ext uri="{28A0092B-C50C-407E-A947-70E740481C1C}">
                   <a14:useLocalDpi xmlns:a14="http://schemas.microsoft.com/office/drawing/2010/main" val="0"/>
@@ -8027,7 +8027,7 @@
                           <m:sSubSupPr>
                             <m:ctrlPr>
                               <a:rPr lang="en-US" i="1" smtClean="0">
-                                <a:latin typeface="Cambria Math"/>
+                                <a:latin typeface="Cambria Math" panose="02040503050406030204" pitchFamily="18" charset="0"/>
                               </a:rPr>
                             </m:ctrlPr>
                           </m:sSubSupPr>
@@ -8060,7 +8060,7 @@
                           <m:dPr>
                             <m:ctrlPr>
                               <a:rPr lang="en-US" i="1" smtClean="0">
-                                <a:latin typeface="Cambria Math"/>
+                                <a:latin typeface="Cambria Math" panose="02040503050406030204" pitchFamily="18" charset="0"/>
                               </a:rPr>
                             </m:ctrlPr>
                           </m:dPr>
@@ -8737,7 +8737,7 @@
                       <m:sSubSupPr>
                         <m:ctrlPr>
                           <a:rPr lang="en-US" sz="4000" i="1" smtClean="0">
-                            <a:latin typeface="Cambria Math"/>
+                            <a:latin typeface="Cambria Math" panose="02040503050406030204" pitchFamily="18" charset="0"/>
                           </a:rPr>
                         </m:ctrlPr>
                       </m:sSubSupPr>
@@ -8770,7 +8770,7 @@
                       <m:dPr>
                         <m:ctrlPr>
                           <a:rPr lang="en-US" sz="4000" i="1" smtClean="0">
-                            <a:latin typeface="Cambria Math"/>
+                            <a:latin typeface="Cambria Math" panose="02040503050406030204" pitchFamily="18" charset="0"/>
                           </a:rPr>
                         </m:ctrlPr>
                       </m:dPr>
@@ -8793,7 +8793,7 @@
                       <m:sSubSupPr>
                         <m:ctrlPr>
                           <a:rPr lang="en-US" sz="4000" b="0" i="1" smtClean="0">
-                            <a:latin typeface="Cambria Math"/>
+                            <a:latin typeface="Cambria Math" panose="02040503050406030204" pitchFamily="18" charset="0"/>
                           </a:rPr>
                         </m:ctrlPr>
                       </m:sSubSupPr>
@@ -8818,7 +8818,7 @@
                           <m:dPr>
                             <m:ctrlPr>
                               <a:rPr lang="en-US" sz="4000" b="0" i="1" smtClean="0">
-                                <a:latin typeface="Cambria Math"/>
+                                <a:latin typeface="Cambria Math" panose="02040503050406030204" pitchFamily="18" charset="0"/>
                               </a:rPr>
                             </m:ctrlPr>
                           </m:dPr>
@@ -8837,7 +8837,7 @@
                       <m:dPr>
                         <m:ctrlPr>
                           <a:rPr lang="en-US" sz="4000" b="0" i="1" smtClean="0">
-                            <a:latin typeface="Cambria Math"/>
+                            <a:latin typeface="Cambria Math" panose="02040503050406030204" pitchFamily="18" charset="0"/>
                           </a:rPr>
                         </m:ctrlPr>
                       </m:dPr>
@@ -8914,7 +8914,7 @@
             <p:nvPr/>
           </p:nvPicPr>
           <p:blipFill>
-            <a:blip r:embed="rId2">
+            <a:blip r:embed="rId3" cstate="print">
               <a:extLst>
                 <a:ext uri="{28A0092B-C50C-407E-A947-70E740481C1C}">
                   <a14:useLocalDpi xmlns:a14="http://schemas.microsoft.com/office/drawing/2010/main" val="0"/>
@@ -8970,7 +8970,7 @@
                           <m:sSubSupPr>
                             <m:ctrlPr>
                               <a:rPr lang="en-US" i="1" smtClean="0">
-                                <a:latin typeface="Cambria Math"/>
+                                <a:latin typeface="Cambria Math" panose="02040503050406030204" pitchFamily="18" charset="0"/>
                               </a:rPr>
                             </m:ctrlPr>
                           </m:sSubSupPr>
@@ -9003,7 +9003,7 @@
                           <m:dPr>
                             <m:ctrlPr>
                               <a:rPr lang="en-US" i="1" smtClean="0">
-                                <a:latin typeface="Cambria Math"/>
+                                <a:latin typeface="Cambria Math" panose="02040503050406030204" pitchFamily="18" charset="0"/>
                               </a:rPr>
                             </m:ctrlPr>
                           </m:dPr>
@@ -9087,7 +9087,7 @@
             <p:nvPr/>
           </p:nvPicPr>
           <p:blipFill>
-            <a:blip r:embed="rId5">
+            <a:blip r:embed="rId5" cstate="print">
               <a:extLst>
                 <a:ext uri="{28A0092B-C50C-407E-A947-70E740481C1C}">
                   <a14:useLocalDpi xmlns:a14="http://schemas.microsoft.com/office/drawing/2010/main" val="0"/>
@@ -9168,7 +9168,7 @@
             <p:nvPr/>
           </p:nvPicPr>
           <p:blipFill>
-            <a:blip r:embed="rId6">
+            <a:blip r:embed="rId6" cstate="print">
               <a:extLst>
                 <a:ext uri="{28A0092B-C50C-407E-A947-70E740481C1C}">
                   <a14:useLocalDpi xmlns:a14="http://schemas.microsoft.com/office/drawing/2010/main" val="0"/>
@@ -9224,7 +9224,7 @@
                           <m:sSubSupPr>
                             <m:ctrlPr>
                               <a:rPr lang="en-US" i="1" smtClean="0">
-                                <a:latin typeface="Cambria Math"/>
+                                <a:latin typeface="Cambria Math" panose="02040503050406030204" pitchFamily="18" charset="0"/>
                               </a:rPr>
                             </m:ctrlPr>
                           </m:sSubSupPr>
@@ -9269,7 +9269,7 @@
                           <m:dPr>
                             <m:ctrlPr>
                               <a:rPr lang="en-US" i="1" smtClean="0">
-                                <a:latin typeface="Cambria Math"/>
+                                <a:latin typeface="Cambria Math" panose="02040503050406030204" pitchFamily="18" charset="0"/>
                               </a:rPr>
                             </m:ctrlPr>
                           </m:dPr>
@@ -9353,7 +9353,7 @@
             <p:nvPr/>
           </p:nvPicPr>
           <p:blipFill>
-            <a:blip r:embed="rId6">
+            <a:blip r:embed="rId6" cstate="print">
               <a:extLst>
                 <a:ext uri="{28A0092B-C50C-407E-A947-70E740481C1C}">
                   <a14:useLocalDpi xmlns:a14="http://schemas.microsoft.com/office/drawing/2010/main" val="0"/>
@@ -9409,7 +9409,7 @@
                           <m:sSubSupPr>
                             <m:ctrlPr>
                               <a:rPr lang="en-US" i="1" smtClean="0">
-                                <a:latin typeface="Cambria Math"/>
+                                <a:latin typeface="Cambria Math" panose="02040503050406030204" pitchFamily="18" charset="0"/>
                               </a:rPr>
                             </m:ctrlPr>
                           </m:sSubSupPr>
@@ -9454,7 +9454,7 @@
                           <m:dPr>
                             <m:ctrlPr>
                               <a:rPr lang="en-US" i="1" smtClean="0">
-                                <a:latin typeface="Cambria Math"/>
+                                <a:latin typeface="Cambria Math" panose="02040503050406030204" pitchFamily="18" charset="0"/>
                               </a:rPr>
                             </m:ctrlPr>
                           </m:dPr>
@@ -9996,7 +9996,7 @@
                         <m:sSubSupPr>
                           <m:ctrlPr>
                             <a:rPr lang="en-US" sz="3600" i="1" smtClean="0">
-                              <a:latin typeface="Cambria Math"/>
+                              <a:latin typeface="Cambria Math" panose="02040503050406030204" pitchFamily="18" charset="0"/>
                             </a:rPr>
                           </m:ctrlPr>
                         </m:sSubSupPr>
@@ -10041,7 +10041,7 @@
                         <m:dPr>
                           <m:ctrlPr>
                             <a:rPr lang="en-US" sz="3600" i="1" smtClean="0">
-                              <a:latin typeface="Cambria Math"/>
+                              <a:latin typeface="Cambria Math" panose="02040503050406030204" pitchFamily="18" charset="0"/>
                             </a:rPr>
                           </m:ctrlPr>
                         </m:dPr>
@@ -10064,7 +10064,7 @@
                         <m:sSubSupPr>
                           <m:ctrlPr>
                             <a:rPr lang="en-US" sz="3600" b="0" i="1" smtClean="0">
-                              <a:latin typeface="Cambria Math"/>
+                              <a:latin typeface="Cambria Math" panose="02040503050406030204" pitchFamily="18" charset="0"/>
                             </a:rPr>
                           </m:ctrlPr>
                         </m:sSubSupPr>
@@ -10099,7 +10099,7 @@
                           <m:endChr m:val="]"/>
                           <m:ctrlPr>
                             <a:rPr lang="en-US" sz="3600" b="0" i="1" smtClean="0">
-                              <a:latin typeface="Cambria Math"/>
+                              <a:latin typeface="Cambria Math" panose="02040503050406030204" pitchFamily="18" charset="0"/>
                             </a:rPr>
                           </m:ctrlPr>
                         </m:dPr>
@@ -10108,7 +10108,7 @@
                             <m:dPr>
                               <m:ctrlPr>
                                 <a:rPr lang="en-US" sz="3600" b="0" i="1" smtClean="0">
-                                  <a:latin typeface="Cambria Math"/>
+                                  <a:latin typeface="Cambria Math" panose="02040503050406030204" pitchFamily="18" charset="0"/>
                                 </a:rPr>
                               </m:ctrlPr>
                             </m:dPr>
@@ -10914,7 +10914,7 @@
                         <m:dPr>
                           <m:ctrlPr>
                             <a:rPr lang="en-US" b="0" i="1" smtClean="0">
-                              <a:latin typeface="Cambria Math"/>
+                              <a:latin typeface="Cambria Math" panose="02040503050406030204" pitchFamily="18" charset="0"/>
                             </a:rPr>
                           </m:ctrlPr>
                         </m:dPr>
@@ -10951,7 +10951,7 @@
                           <m:endChr m:val=""/>
                           <m:ctrlPr>
                             <a:rPr lang="en-US" b="0" i="1" smtClean="0">
-                              <a:latin typeface="Cambria Math"/>
+                              <a:latin typeface="Cambria Math" panose="02040503050406030204" pitchFamily="18" charset="0"/>
                             </a:rPr>
                           </m:ctrlPr>
                         </m:dPr>
@@ -10960,7 +10960,7 @@
                             <m:eqArrPr>
                               <m:ctrlPr>
                                 <a:rPr lang="en-US" b="0" i="1" smtClean="0">
-                                  <a:latin typeface="Cambria Math"/>
+                                  <a:latin typeface="Cambria Math" panose="02040503050406030204" pitchFamily="18" charset="0"/>
                                 </a:rPr>
                               </m:ctrlPr>
                             </m:eqArrPr>
@@ -10981,7 +10981,7 @@
                                 <m:dPr>
                                   <m:ctrlPr>
                                     <a:rPr lang="en-US" b="0" i="1" smtClean="0">
-                                      <a:latin typeface="Cambria Math"/>
+                                      <a:latin typeface="Cambria Math" panose="02040503050406030204" pitchFamily="18" charset="0"/>
                                     </a:rPr>
                                   </m:ctrlPr>
                                 </m:dPr>
@@ -11126,7 +11126,7 @@
                       <m:sSupPr>
                         <m:ctrlPr>
                           <a:rPr lang="en-US" b="0" i="1" smtClean="0">
-                            <a:latin typeface="Cambria Math"/>
+                            <a:latin typeface="Cambria Math" panose="02040503050406030204" pitchFamily="18" charset="0"/>
                           </a:rPr>
                         </m:ctrlPr>
                       </m:sSupPr>
@@ -11137,7 +11137,7 @@
                             <m:endChr m:val="]"/>
                             <m:ctrlPr>
                               <a:rPr lang="en-US" b="0" i="1" smtClean="0">
-                                <a:latin typeface="Cambria Math"/>
+                                <a:latin typeface="Cambria Math" panose="02040503050406030204" pitchFamily="18" charset="0"/>
                               </a:rPr>
                             </m:ctrlPr>
                           </m:dPr>
@@ -11146,7 +11146,7 @@
                               <m:sSubSupPr>
                                 <m:ctrlPr>
                                   <a:rPr lang="en-US" b="0" i="1" smtClean="0">
-                                    <a:latin typeface="Cambria Math"/>
+                                    <a:latin typeface="Cambria Math" panose="02040503050406030204" pitchFamily="18" charset="0"/>
                                   </a:rPr>
                                 </m:ctrlPr>
                               </m:sSubSupPr>
@@ -11163,7 +11163,7 @@
                                   <m:sSupPr>
                                     <m:ctrlPr>
                                       <a:rPr lang="en-US" b="0" i="1" smtClean="0">
-                                        <a:latin typeface="Cambria Math"/>
+                                        <a:latin typeface="Cambria Math" panose="02040503050406030204" pitchFamily="18" charset="0"/>
                                       </a:rPr>
                                     </m:ctrlPr>
                                   </m:sSupPr>
@@ -11198,7 +11198,7 @@
                               <m:dPr>
                                 <m:ctrlPr>
                                   <a:rPr lang="en-US" b="0" i="1" smtClean="0">
-                                    <a:latin typeface="Cambria Math"/>
+                                    <a:latin typeface="Cambria Math" panose="02040503050406030204" pitchFamily="18" charset="0"/>
                                   </a:rPr>
                                 </m:ctrlPr>
                               </m:dPr>
@@ -11287,7 +11287,7 @@
             <p:nvPr/>
           </p:nvPicPr>
           <p:blipFill>
-            <a:blip r:embed="rId3">
+            <a:blip r:embed="rId3" cstate="print">
               <a:extLst>
                 <a:ext uri="{28A0092B-C50C-407E-A947-70E740481C1C}">
                   <a14:useLocalDpi xmlns:a14="http://schemas.microsoft.com/office/drawing/2010/main" val="0"/>
@@ -11421,7 +11421,7 @@
             <p:nvPr/>
           </p:nvPicPr>
           <p:blipFill>
-            <a:blip r:embed="rId5">
+            <a:blip r:embed="rId5" cstate="print">
               <a:extLst>
                 <a:ext uri="{28A0092B-C50C-407E-A947-70E740481C1C}">
                   <a14:useLocalDpi xmlns:a14="http://schemas.microsoft.com/office/drawing/2010/main" val="0"/>
@@ -11555,7 +11555,7 @@
             <p:nvPr/>
           </p:nvPicPr>
           <p:blipFill>
-            <a:blip r:embed="rId7">
+            <a:blip r:embed="rId7" cstate="print">
               <a:extLst>
                 <a:ext uri="{28A0092B-C50C-407E-A947-70E740481C1C}">
                   <a14:useLocalDpi xmlns:a14="http://schemas.microsoft.com/office/drawing/2010/main" val="0"/>
@@ -11616,7 +11616,7 @@
                           <m:sSupPr>
                             <m:ctrlPr>
                               <a:rPr lang="en-US" i="1" smtClean="0">
-                                <a:latin typeface="Cambria Math"/>
+                                <a:latin typeface="Cambria Math" panose="02040503050406030204" pitchFamily="18" charset="0"/>
                               </a:rPr>
                             </m:ctrlPr>
                           </m:sSupPr>
@@ -11708,7 +11708,7 @@
             <p:nvPr/>
           </p:nvPicPr>
           <p:blipFill>
-            <a:blip r:embed="rId9">
+            <a:blip r:embed="rId9" cstate="print">
               <a:extLst>
                 <a:ext uri="{28A0092B-C50C-407E-A947-70E740481C1C}">
                   <a14:useLocalDpi xmlns:a14="http://schemas.microsoft.com/office/drawing/2010/main" val="0"/>
@@ -11842,7 +11842,7 @@
             <p:nvPr/>
           </p:nvPicPr>
           <p:blipFill>
-            <a:blip r:embed="rId11">
+            <a:blip r:embed="rId11" cstate="print">
               <a:extLst>
                 <a:ext uri="{28A0092B-C50C-407E-A947-70E740481C1C}">
                   <a14:useLocalDpi xmlns:a14="http://schemas.microsoft.com/office/drawing/2010/main" val="0"/>
@@ -11930,7 +11930,7 @@
                           <m:sSupPr>
                             <m:ctrlPr>
                               <a:rPr lang="en-US" i="1" smtClean="0">
-                                <a:latin typeface="Cambria Math"/>
+                                <a:latin typeface="Cambria Math" panose="02040503050406030204" pitchFamily="18" charset="0"/>
                               </a:rPr>
                             </m:ctrlPr>
                           </m:sSupPr>
@@ -12490,8 +12490,8 @@
           </a:p>
         </p:txBody>
       </p:sp>
-      <mc:AlternateContent xmlns:mc="http://schemas.openxmlformats.org/markup-compatibility/2006" xmlns:a14="http://schemas.microsoft.com/office/drawing/2010/main">
-        <mc:Choice Requires="a14">
+      <mc:AlternateContent xmlns:mc="http://schemas.openxmlformats.org/markup-compatibility/2006">
+        <mc:Choice xmlns:a14="http://schemas.microsoft.com/office/drawing/2010/main" Requires="a14">
           <p:sp>
             <p:nvSpPr>
               <p:cNvPr id="24" name="Content Placeholder 23"/>
@@ -12545,7 +12545,7 @@
                         <m:dPr>
                           <m:ctrlPr>
                             <a:rPr lang="en-US" b="0" i="1" smtClean="0">
-                              <a:latin typeface="Cambria Math"/>
+                              <a:latin typeface="Cambria Math" panose="02040503050406030204" pitchFamily="18" charset="0"/>
                             </a:rPr>
                           </m:ctrlPr>
                         </m:dPr>
@@ -12582,7 +12582,7 @@
                           <m:endChr m:val=""/>
                           <m:ctrlPr>
                             <a:rPr lang="en-US" b="0" i="1" smtClean="0">
-                              <a:latin typeface="Cambria Math"/>
+                              <a:latin typeface="Cambria Math" panose="02040503050406030204" pitchFamily="18" charset="0"/>
                             </a:rPr>
                           </m:ctrlPr>
                         </m:dPr>
@@ -12591,7 +12591,7 @@
                             <m:eqArrPr>
                               <m:ctrlPr>
                                 <a:rPr lang="en-US" b="0" i="1" smtClean="0">
-                                  <a:latin typeface="Cambria Math"/>
+                                  <a:latin typeface="Cambria Math" panose="02040503050406030204" pitchFamily="18" charset="0"/>
                                 </a:rPr>
                               </m:ctrlPr>
                             </m:eqArrPr>
@@ -12606,7 +12606,7 @@
                                 <m:dPr>
                                   <m:ctrlPr>
                                     <a:rPr lang="en-US" b="0" i="1" smtClean="0">
-                                      <a:latin typeface="Cambria Math"/>
+                                      <a:latin typeface="Cambria Math" panose="02040503050406030204" pitchFamily="18" charset="0"/>
                                     </a:rPr>
                                   </m:ctrlPr>
                                 </m:dPr>
@@ -12739,7 +12739,23 @@
               <a:p>
                 <a:r>
                   <a:rPr lang="en-US" b="0" dirty="0" smtClean="0"/>
-                  <a:t>The result image with the border cleared will be </a:t>
+                  <a:t>The result </a:t>
+                </a:r>
+                <a:r>
+                  <a:rPr lang="en-US" b="0" dirty="0" smtClean="0"/>
+                  <a:t>image with </a:t>
+                </a:r>
+                <a:r>
+                  <a:rPr lang="en-US" b="0" dirty="0" smtClean="0"/>
+                  <a:t>the </a:t>
+                </a:r>
+                <a:r>
+                  <a:rPr lang="en-US" b="0" dirty="0" smtClean="0"/>
+                  <a:t>clear border will </a:t>
+                </a:r>
+                <a:r>
+                  <a:rPr lang="en-US" b="0" dirty="0" smtClean="0"/>
+                  <a:t>be </a:t>
                 </a:r>
                 <a14:m>
                   <m:oMath xmlns:m="http://schemas.openxmlformats.org/officeDocument/2006/math">
@@ -12771,7 +12787,7 @@
                       <m:sSubSupPr>
                         <m:ctrlPr>
                           <a:rPr lang="en-US" b="0" i="1" smtClean="0">
-                            <a:latin typeface="Cambria Math"/>
+                            <a:latin typeface="Cambria Math" panose="02040503050406030204" pitchFamily="18" charset="0"/>
                           </a:rPr>
                         </m:ctrlPr>
                       </m:sSubSupPr>
@@ -12804,7 +12820,7 @@
                       <m:dPr>
                         <m:ctrlPr>
                           <a:rPr lang="en-US" b="0" i="1" smtClean="0">
-                            <a:latin typeface="Cambria Math"/>
+                            <a:latin typeface="Cambria Math" panose="02040503050406030204" pitchFamily="18" charset="0"/>
                           </a:rPr>
                         </m:ctrlPr>
                       </m:dPr>
@@ -12824,7 +12840,7 @@
             </p:txBody>
           </p:sp>
         </mc:Choice>
-        <mc:Fallback xmlns="">
+        <mc:Fallback>
           <p:sp>
             <p:nvSpPr>
               <p:cNvPr id="24" name="Content Placeholder 23"/>
@@ -12839,7 +12855,7 @@
               <a:blipFill rotWithShape="0">
                 <a:blip r:embed="rId2"/>
                 <a:stretch>
-                  <a:fillRect l="-1043" t="-2381"/>
+                  <a:fillRect l="-1278" t="-1752"/>
                 </a:stretch>
               </a:blipFill>
             </p:spPr>
@@ -13053,7 +13069,7 @@
                             <m:sSubSupPr>
                               <m:ctrlPr>
                                 <a:rPr lang="en-US" sz="2400" i="1" smtClean="0">
-                                  <a:latin typeface="Cambria Math"/>
+                                  <a:latin typeface="Cambria Math" panose="02040503050406030204" pitchFamily="18" charset="0"/>
                                 </a:rPr>
                               </m:ctrlPr>
                             </m:sSubSupPr>
@@ -13086,7 +13102,7 @@
                             <m:dPr>
                               <m:ctrlPr>
                                 <a:rPr lang="en-US" sz="2400" i="1" smtClean="0">
-                                  <a:latin typeface="Cambria Math"/>
+                                  <a:latin typeface="Cambria Math" panose="02040503050406030204" pitchFamily="18" charset="0"/>
                                 </a:rPr>
                               </m:ctrlPr>
                             </m:dPr>
@@ -13286,7 +13302,7 @@
                             <m:sSubSupPr>
                               <m:ctrlPr>
                                 <a:rPr lang="en-US" sz="2400" i="1" smtClean="0">
-                                  <a:latin typeface="Cambria Math"/>
+                                  <a:latin typeface="Cambria Math" panose="02040503050406030204" pitchFamily="18" charset="0"/>
                                 </a:rPr>
                               </m:ctrlPr>
                             </m:sSubSupPr>
@@ -13319,7 +13335,7 @@
                             <m:dPr>
                               <m:ctrlPr>
                                 <a:rPr lang="en-US" sz="2400" i="1" smtClean="0">
-                                  <a:latin typeface="Cambria Math"/>
+                                  <a:latin typeface="Cambria Math" panose="02040503050406030204" pitchFamily="18" charset="0"/>
                                 </a:rPr>
                               </m:ctrlPr>
                             </m:dPr>
@@ -14011,6 +14027,13 @@
   <p:clrMapOvr>
     <a:masterClrMapping/>
   </p:clrMapOvr>
+  <p:timing>
+    <p:tnLst>
+      <p:par>
+        <p:cTn id="1" dur="indefinite" restart="never" nodeType="tmRoot"/>
+      </p:par>
+    </p:tnLst>
+  </p:timing>
 </p:sld>
 </file>
 
@@ -14943,7 +14966,7 @@
                         <m:dPr>
                           <m:ctrlPr>
                             <a:rPr lang="en-US" b="0" i="1" smtClean="0">
-                              <a:latin typeface="Cambria Math"/>
+                              <a:latin typeface="Cambria Math" panose="02040503050406030204" pitchFamily="18" charset="0"/>
                               <a:ea typeface="Cambria Math"/>
                             </a:rPr>
                           </m:ctrlPr>
@@ -14967,7 +14990,7 @@
                             <m:sSubPr>
                               <m:ctrlPr>
                                 <a:rPr lang="en-US" b="0" i="1" smtClean="0">
-                                  <a:latin typeface="Cambria Math"/>
+                                  <a:latin typeface="Cambria Math" panose="02040503050406030204" pitchFamily="18" charset="0"/>
                                   <a:ea typeface="Cambria Math"/>
                                 </a:rPr>
                               </m:ctrlPr>
@@ -15004,7 +15027,7 @@
                         <m:dPr>
                           <m:ctrlPr>
                             <a:rPr lang="en-US" b="0" i="1" smtClean="0">
-                              <a:latin typeface="Cambria Math"/>
+                              <a:latin typeface="Cambria Math" panose="02040503050406030204" pitchFamily="18" charset="0"/>
                               <a:ea typeface="Cambria Math"/>
                             </a:rPr>
                           </m:ctrlPr>
@@ -15014,7 +15037,7 @@
                             <m:sSupPr>
                               <m:ctrlPr>
                                 <a:rPr lang="en-US" b="0" i="1" smtClean="0">
-                                  <a:latin typeface="Cambria Math"/>
+                                  <a:latin typeface="Cambria Math" panose="02040503050406030204" pitchFamily="18" charset="0"/>
                                   <a:ea typeface="Cambria Math"/>
                                 </a:rPr>
                               </m:ctrlPr>
@@ -15049,7 +15072,7 @@
                             <m:sSubPr>
                               <m:ctrlPr>
                                 <a:rPr lang="en-US" b="0" i="1" smtClean="0">
-                                  <a:latin typeface="Cambria Math"/>
+                                  <a:latin typeface="Cambria Math" panose="02040503050406030204" pitchFamily="18" charset="0"/>
                                   <a:ea typeface="Cambria Math"/>
                                 </a:rPr>
                               </m:ctrlPr>
@@ -15113,7 +15136,7 @@
                       <m:dPr>
                         <m:ctrlPr>
                           <a:rPr lang="en-US" b="0" i="1" smtClean="0">
-                            <a:latin typeface="Cambria Math"/>
+                            <a:latin typeface="Cambria Math" panose="02040503050406030204" pitchFamily="18" charset="0"/>
                             <a:ea typeface="Cambria Math"/>
                           </a:rPr>
                         </m:ctrlPr>
@@ -15137,7 +15160,7 @@
                           <m:sSubPr>
                             <m:ctrlPr>
                               <a:rPr lang="en-US" b="0" i="1" smtClean="0">
-                                <a:latin typeface="Cambria Math"/>
+                                <a:latin typeface="Cambria Math" panose="02040503050406030204" pitchFamily="18" charset="0"/>
                                 <a:ea typeface="Cambria Math"/>
                               </a:rPr>
                             </m:ctrlPr>
@@ -15174,7 +15197,7 @@
                       <m:dPr>
                         <m:ctrlPr>
                           <a:rPr lang="en-US" b="0" i="1" smtClean="0">
-                            <a:latin typeface="Cambria Math"/>
+                            <a:latin typeface="Cambria Math" panose="02040503050406030204" pitchFamily="18" charset="0"/>
                             <a:ea typeface="Cambria Math"/>
                           </a:rPr>
                         </m:ctrlPr>
@@ -15199,7 +15222,7 @@
                             <m:chr m:val="̂"/>
                             <m:ctrlPr>
                               <a:rPr lang="en-US" b="0" i="1" smtClean="0">
-                                <a:latin typeface="Cambria Math"/>
+                                <a:latin typeface="Cambria Math" panose="02040503050406030204" pitchFamily="18" charset="0"/>
                                 <a:ea typeface="Cambria Math"/>
                               </a:rPr>
                             </m:ctrlPr>
@@ -15209,7 +15232,7 @@
                               <m:sSubPr>
                                 <m:ctrlPr>
                                   <a:rPr lang="en-US" b="0" i="1" smtClean="0">
-                                    <a:latin typeface="Cambria Math"/>
+                                    <a:latin typeface="Cambria Math" panose="02040503050406030204" pitchFamily="18" charset="0"/>
                                     <a:ea typeface="Cambria Math"/>
                                   </a:rPr>
                                 </m:ctrlPr>
@@ -15509,7 +15532,7 @@
                         <m:dPr>
                           <m:ctrlPr>
                             <a:rPr lang="en-US" b="0" i="1" smtClean="0">
-                              <a:latin typeface="Cambria Math"/>
+                              <a:latin typeface="Cambria Math" panose="02040503050406030204" pitchFamily="18" charset="0"/>
                               <a:ea typeface="Cambria Math"/>
                             </a:rPr>
                           </m:ctrlPr>
@@ -15526,7 +15549,7 @@
                             <m:dPr>
                               <m:ctrlPr>
                                 <a:rPr lang="en-US" b="0" i="1" smtClean="0">
-                                  <a:latin typeface="Cambria Math"/>
+                                  <a:latin typeface="Cambria Math" panose="02040503050406030204" pitchFamily="18" charset="0"/>
                                   <a:ea typeface="Cambria Math"/>
                                 </a:rPr>
                               </m:ctrlPr>
@@ -15550,7 +15573,7 @@
                                 <m:sSubPr>
                                   <m:ctrlPr>
                                     <a:rPr lang="en-US" b="0" i="1" smtClean="0">
-                                      <a:latin typeface="Cambria Math"/>
+                                      <a:latin typeface="Cambria Math" panose="02040503050406030204" pitchFamily="18" charset="0"/>
                                       <a:ea typeface="Cambria Math"/>
                                     </a:rPr>
                                   </m:ctrlPr>
@@ -15587,7 +15610,7 @@
                             <m:sSubPr>
                               <m:ctrlPr>
                                 <a:rPr lang="en-US" b="0" i="1" smtClean="0">
-                                  <a:latin typeface="Cambria Math"/>
+                                  <a:latin typeface="Cambria Math" panose="02040503050406030204" pitchFamily="18" charset="0"/>
                                   <a:ea typeface="Cambria Math"/>
                                 </a:rPr>
                               </m:ctrlPr>
@@ -15624,7 +15647,7 @@
                         <m:sSubPr>
                           <m:ctrlPr>
                             <a:rPr lang="en-US" b="0" i="1" smtClean="0">
-                              <a:latin typeface="Cambria Math"/>
+                              <a:latin typeface="Cambria Math" panose="02040503050406030204" pitchFamily="18" charset="0"/>
                               <a:ea typeface="Cambria Math"/>
                             </a:rPr>
                           </m:ctrlPr>
@@ -15977,7 +16000,7 @@
                         <m:sSubPr>
                           <m:ctrlPr>
                             <a:rPr lang="en-US" i="1">
-                              <a:latin typeface="Cambria Math"/>
+                              <a:latin typeface="Cambria Math" panose="02040503050406030204" pitchFamily="18" charset="0"/>
                               <a:ea typeface="Cambria Math"/>
                             </a:rPr>
                           </m:ctrlPr>
@@ -16096,7 +16119,7 @@
                         <m:sSubPr>
                           <m:ctrlPr>
                             <a:rPr lang="en-US" i="1">
-                              <a:latin typeface="Cambria Math"/>
+                              <a:latin typeface="Cambria Math" panose="02040503050406030204" pitchFamily="18" charset="0"/>
                               <a:ea typeface="Cambria Math"/>
                             </a:rPr>
                           </m:ctrlPr>
@@ -16209,7 +16232,7 @@
                         <m:dPr>
                           <m:ctrlPr>
                             <a:rPr lang="en-US" i="1">
-                              <a:latin typeface="Cambria Math"/>
+                              <a:latin typeface="Cambria Math" panose="02040503050406030204" pitchFamily="18" charset="0"/>
                               <a:ea typeface="Cambria Math"/>
                             </a:rPr>
                           </m:ctrlPr>
@@ -16226,7 +16249,7 @@
                             <m:dPr>
                               <m:ctrlPr>
                                 <a:rPr lang="en-US" i="1">
-                                  <a:latin typeface="Cambria Math"/>
+                                  <a:latin typeface="Cambria Math" panose="02040503050406030204" pitchFamily="18" charset="0"/>
                                   <a:ea typeface="Cambria Math"/>
                                 </a:rPr>
                               </m:ctrlPr>
@@ -16250,7 +16273,7 @@
                                 <m:sSubPr>
                                   <m:ctrlPr>
                                     <a:rPr lang="en-US" i="1">
-                                      <a:latin typeface="Cambria Math"/>
+                                      <a:latin typeface="Cambria Math" panose="02040503050406030204" pitchFamily="18" charset="0"/>
                                       <a:ea typeface="Cambria Math"/>
                                     </a:rPr>
                                   </m:ctrlPr>
@@ -16287,7 +16310,7 @@
                             <m:sSubPr>
                               <m:ctrlPr>
                                 <a:rPr lang="en-US" i="1">
-                                  <a:latin typeface="Cambria Math"/>
+                                  <a:latin typeface="Cambria Math" panose="02040503050406030204" pitchFamily="18" charset="0"/>
                                   <a:ea typeface="Cambria Math"/>
                                 </a:rPr>
                               </m:ctrlPr>
@@ -16324,7 +16347,7 @@
                         <m:sSubPr>
                           <m:ctrlPr>
                             <a:rPr lang="en-US" i="1">
-                              <a:latin typeface="Cambria Math"/>
+                              <a:latin typeface="Cambria Math" panose="02040503050406030204" pitchFamily="18" charset="0"/>
                               <a:ea typeface="Cambria Math"/>
                             </a:rPr>
                           </m:ctrlPr>
@@ -16550,7 +16573,7 @@
                         <m:dPr>
                           <m:ctrlPr>
                             <a:rPr lang="en-US" i="1">
-                              <a:latin typeface="Cambria Math"/>
+                              <a:latin typeface="Cambria Math" panose="02040503050406030204" pitchFamily="18" charset="0"/>
                               <a:ea typeface="Cambria Math"/>
                             </a:rPr>
                           </m:ctrlPr>
@@ -16567,7 +16590,7 @@
                             <m:dPr>
                               <m:ctrlPr>
                                 <a:rPr lang="en-US" i="1">
-                                  <a:latin typeface="Cambria Math"/>
+                                  <a:latin typeface="Cambria Math" panose="02040503050406030204" pitchFamily="18" charset="0"/>
                                   <a:ea typeface="Cambria Math"/>
                                 </a:rPr>
                               </m:ctrlPr>
@@ -16591,7 +16614,7 @@
                                 <m:sSubPr>
                                   <m:ctrlPr>
                                     <a:rPr lang="en-US" i="1" smtClean="0">
-                                      <a:latin typeface="Cambria Math"/>
+                                      <a:latin typeface="Cambria Math" panose="02040503050406030204" pitchFamily="18" charset="0"/>
                                       <a:ea typeface="Cambria Math"/>
                                     </a:rPr>
                                   </m:ctrlPr>
@@ -16628,7 +16651,7 @@
                             <m:sSubPr>
                               <m:ctrlPr>
                                 <a:rPr lang="en-US" i="1" smtClean="0">
-                                  <a:latin typeface="Cambria Math"/>
+                                  <a:latin typeface="Cambria Math" panose="02040503050406030204" pitchFamily="18" charset="0"/>
                                   <a:ea typeface="Cambria Math"/>
                                 </a:rPr>
                               </m:ctrlPr>
@@ -16665,7 +16688,7 @@
                         <m:sSubPr>
                           <m:ctrlPr>
                             <a:rPr lang="en-US" i="1" smtClean="0">
-                              <a:latin typeface="Cambria Math"/>
+                              <a:latin typeface="Cambria Math" panose="02040503050406030204" pitchFamily="18" charset="0"/>
                               <a:ea typeface="Cambria Math"/>
                             </a:rPr>
                           </m:ctrlPr>
@@ -17018,7 +17041,7 @@
                         <m:sSubPr>
                           <m:ctrlPr>
                             <a:rPr lang="en-US" i="1">
-                              <a:latin typeface="Cambria Math"/>
+                              <a:latin typeface="Cambria Math" panose="02040503050406030204" pitchFamily="18" charset="0"/>
                               <a:ea typeface="Cambria Math"/>
                             </a:rPr>
                           </m:ctrlPr>
@@ -17137,7 +17160,7 @@
                         <m:sSubPr>
                           <m:ctrlPr>
                             <a:rPr lang="en-US" i="1">
-                              <a:latin typeface="Cambria Math"/>
+                              <a:latin typeface="Cambria Math" panose="02040503050406030204" pitchFamily="18" charset="0"/>
                               <a:ea typeface="Cambria Math"/>
                             </a:rPr>
                           </m:ctrlPr>
@@ -17250,7 +17273,7 @@
                         <m:dPr>
                           <m:ctrlPr>
                             <a:rPr lang="en-US" i="1">
-                              <a:latin typeface="Cambria Math"/>
+                              <a:latin typeface="Cambria Math" panose="02040503050406030204" pitchFamily="18" charset="0"/>
                               <a:ea typeface="Cambria Math"/>
                             </a:rPr>
                           </m:ctrlPr>
@@ -17267,7 +17290,7 @@
                             <m:dPr>
                               <m:ctrlPr>
                                 <a:rPr lang="en-US" i="1">
-                                  <a:latin typeface="Cambria Math"/>
+                                  <a:latin typeface="Cambria Math" panose="02040503050406030204" pitchFamily="18" charset="0"/>
                                   <a:ea typeface="Cambria Math"/>
                                 </a:rPr>
                               </m:ctrlPr>
@@ -17291,7 +17314,7 @@
                                 <m:sSubPr>
                                   <m:ctrlPr>
                                     <a:rPr lang="en-US" i="1">
-                                      <a:latin typeface="Cambria Math"/>
+                                      <a:latin typeface="Cambria Math" panose="02040503050406030204" pitchFamily="18" charset="0"/>
                                       <a:ea typeface="Cambria Math"/>
                                     </a:rPr>
                                   </m:ctrlPr>
@@ -17328,7 +17351,7 @@
                             <m:sSubPr>
                               <m:ctrlPr>
                                 <a:rPr lang="en-US" i="1">
-                                  <a:latin typeface="Cambria Math"/>
+                                  <a:latin typeface="Cambria Math" panose="02040503050406030204" pitchFamily="18" charset="0"/>
                                   <a:ea typeface="Cambria Math"/>
                                 </a:rPr>
                               </m:ctrlPr>
@@ -17365,7 +17388,7 @@
                         <m:sSubPr>
                           <m:ctrlPr>
                             <a:rPr lang="en-US" i="1">
-                              <a:latin typeface="Cambria Math"/>
+                              <a:latin typeface="Cambria Math" panose="02040503050406030204" pitchFamily="18" charset="0"/>
                               <a:ea typeface="Cambria Math"/>
                             </a:rPr>
                           </m:ctrlPr>

--- a/Images/Presentation/Presentation1.pptx
+++ b/Images/Presentation/Presentation1.pptx
@@ -355,7 +355,7 @@
           <a:p>
             <a:fld id="{D02EB887-C900-4FB3-9D2F-381B31F1A1AF}" type="datetimeFigureOut">
               <a:rPr lang="en-US" smtClean="0"/>
-              <a:t>4/23/2017</a:t>
+              <a:t>4/23/17</a:t>
             </a:fld>
             <a:endParaRPr lang="en-US"/>
           </a:p>
@@ -525,7 +525,7 @@
           <a:p>
             <a:fld id="{D02EB887-C900-4FB3-9D2F-381B31F1A1AF}" type="datetimeFigureOut">
               <a:rPr lang="en-US" smtClean="0"/>
-              <a:t>4/23/2017</a:t>
+              <a:t>4/23/17</a:t>
             </a:fld>
             <a:endParaRPr lang="en-US"/>
           </a:p>
@@ -705,7 +705,7 @@
           <a:p>
             <a:fld id="{D02EB887-C900-4FB3-9D2F-381B31F1A1AF}" type="datetimeFigureOut">
               <a:rPr lang="en-US" smtClean="0"/>
-              <a:t>4/23/2017</a:t>
+              <a:t>4/23/17</a:t>
             </a:fld>
             <a:endParaRPr lang="en-US"/>
           </a:p>
@@ -875,7 +875,7 @@
           <a:p>
             <a:fld id="{D02EB887-C900-4FB3-9D2F-381B31F1A1AF}" type="datetimeFigureOut">
               <a:rPr lang="en-US" smtClean="0"/>
-              <a:t>4/23/2017</a:t>
+              <a:t>4/23/17</a:t>
             </a:fld>
             <a:endParaRPr lang="en-US"/>
           </a:p>
@@ -1121,7 +1121,7 @@
           <a:p>
             <a:fld id="{D02EB887-C900-4FB3-9D2F-381B31F1A1AF}" type="datetimeFigureOut">
               <a:rPr lang="en-US" smtClean="0"/>
-              <a:t>4/23/2017</a:t>
+              <a:t>4/23/17</a:t>
             </a:fld>
             <a:endParaRPr lang="en-US"/>
           </a:p>
@@ -1409,7 +1409,7 @@
           <a:p>
             <a:fld id="{D02EB887-C900-4FB3-9D2F-381B31F1A1AF}" type="datetimeFigureOut">
               <a:rPr lang="en-US" smtClean="0"/>
-              <a:t>4/23/2017</a:t>
+              <a:t>4/23/17</a:t>
             </a:fld>
             <a:endParaRPr lang="en-US"/>
           </a:p>
@@ -1831,7 +1831,7 @@
           <a:p>
             <a:fld id="{D02EB887-C900-4FB3-9D2F-381B31F1A1AF}" type="datetimeFigureOut">
               <a:rPr lang="en-US" smtClean="0"/>
-              <a:t>4/23/2017</a:t>
+              <a:t>4/23/17</a:t>
             </a:fld>
             <a:endParaRPr lang="en-US"/>
           </a:p>
@@ -1949,7 +1949,7 @@
           <a:p>
             <a:fld id="{D02EB887-C900-4FB3-9D2F-381B31F1A1AF}" type="datetimeFigureOut">
               <a:rPr lang="en-US" smtClean="0"/>
-              <a:t>4/23/2017</a:t>
+              <a:t>4/23/17</a:t>
             </a:fld>
             <a:endParaRPr lang="en-US"/>
           </a:p>
@@ -2044,7 +2044,7 @@
           <a:p>
             <a:fld id="{D02EB887-C900-4FB3-9D2F-381B31F1A1AF}" type="datetimeFigureOut">
               <a:rPr lang="en-US" smtClean="0"/>
-              <a:t>4/23/2017</a:t>
+              <a:t>4/23/17</a:t>
             </a:fld>
             <a:endParaRPr lang="en-US"/>
           </a:p>
@@ -2321,7 +2321,7 @@
           <a:p>
             <a:fld id="{D02EB887-C900-4FB3-9D2F-381B31F1A1AF}" type="datetimeFigureOut">
               <a:rPr lang="en-US" smtClean="0"/>
-              <a:t>4/23/2017</a:t>
+              <a:t>4/23/17</a:t>
             </a:fld>
             <a:endParaRPr lang="en-US"/>
           </a:p>
@@ -2574,7 +2574,7 @@
           <a:p>
             <a:fld id="{D02EB887-C900-4FB3-9D2F-381B31F1A1AF}" type="datetimeFigureOut">
               <a:rPr lang="en-US" smtClean="0"/>
-              <a:t>4/23/2017</a:t>
+              <a:t>4/23/17</a:t>
             </a:fld>
             <a:endParaRPr lang="en-US"/>
           </a:p>
@@ -2787,7 +2787,7 @@
           <a:p>
             <a:fld id="{D02EB887-C900-4FB3-9D2F-381B31F1A1AF}" type="datetimeFigureOut">
               <a:rPr lang="en-US" smtClean="0"/>
-              <a:t>4/23/2017</a:t>
+              <a:t>4/23/17</a:t>
             </a:fld>
             <a:endParaRPr lang="en-US"/>
           </a:p>
@@ -3350,7 +3350,7 @@
                       <m:sSubSupPr>
                         <m:ctrlPr>
                           <a:rPr lang="en-US" sz="3600" i="1" smtClean="0">
-                            <a:latin typeface="Cambria Math" panose="02040503050406030204" pitchFamily="18" charset="0"/>
+                            <a:latin typeface="Cambria Math" charset="0"/>
                           </a:rPr>
                         </m:ctrlPr>
                       </m:sSubSupPr>
@@ -3383,7 +3383,7 @@
                       <m:dPr>
                         <m:ctrlPr>
                           <a:rPr lang="en-US" sz="3600" i="1" smtClean="0">
-                            <a:latin typeface="Cambria Math" panose="02040503050406030204" pitchFamily="18" charset="0"/>
+                            <a:latin typeface="Cambria Math" charset="0"/>
                           </a:rPr>
                         </m:ctrlPr>
                       </m:dPr>
@@ -3406,7 +3406,7 @@
                       <m:dPr>
                         <m:ctrlPr>
                           <a:rPr lang="en-US" sz="3600" b="0" i="1" smtClean="0">
-                            <a:latin typeface="Cambria Math" panose="02040503050406030204" pitchFamily="18" charset="0"/>
+                            <a:latin typeface="Cambria Math" charset="0"/>
                           </a:rPr>
                         </m:ctrlPr>
                       </m:dPr>
@@ -3430,7 +3430,7 @@
                             <m:supHide m:val="on"/>
                             <m:ctrlPr>
                               <a:rPr lang="en-US" sz="3600" b="0" i="1" smtClean="0">
-                                <a:latin typeface="Cambria Math" panose="02040503050406030204" pitchFamily="18" charset="0"/>
+                                <a:latin typeface="Cambria Math" charset="0"/>
                                 <a:ea typeface="Cambria Math" panose="02040503050406030204" pitchFamily="18" charset="0"/>
                               </a:rPr>
                             </m:ctrlPr>
@@ -3746,7 +3746,7 @@
                         <m:sSubSupPr>
                           <m:ctrlPr>
                             <a:rPr lang="en-US" i="1">
-                              <a:latin typeface="Cambria Math" panose="02040503050406030204" pitchFamily="18" charset="0"/>
+                              <a:latin typeface="Cambria Math" charset="0"/>
                             </a:rPr>
                           </m:ctrlPr>
                         </m:sSubSupPr>
@@ -3791,7 +3791,7 @@
                         <m:dPr>
                           <m:ctrlPr>
                             <a:rPr lang="en-US" i="1">
-                              <a:latin typeface="Cambria Math" panose="02040503050406030204" pitchFamily="18" charset="0"/>
+                              <a:latin typeface="Cambria Math" charset="0"/>
                             </a:rPr>
                           </m:ctrlPr>
                         </m:dPr>
@@ -3814,7 +3814,7 @@
                         <m:sSubSupPr>
                           <m:ctrlPr>
                             <a:rPr lang="en-US" i="1">
-                              <a:latin typeface="Cambria Math" panose="02040503050406030204" pitchFamily="18" charset="0"/>
+                              <a:latin typeface="Cambria Math" charset="0"/>
                             </a:rPr>
                           </m:ctrlPr>
                         </m:sSubSupPr>
@@ -3849,7 +3849,7 @@
                           <m:endChr m:val="]"/>
                           <m:ctrlPr>
                             <a:rPr lang="en-US" i="1">
-                              <a:latin typeface="Cambria Math" panose="02040503050406030204" pitchFamily="18" charset="0"/>
+                              <a:latin typeface="Cambria Math" charset="0"/>
                             </a:rPr>
                           </m:ctrlPr>
                         </m:dPr>
@@ -3858,7 +3858,7 @@
                             <m:sSubSupPr>
                               <m:ctrlPr>
                                 <a:rPr lang="en-US" i="1">
-                                  <a:latin typeface="Cambria Math" panose="02040503050406030204" pitchFamily="18" charset="0"/>
+                                  <a:latin typeface="Cambria Math" charset="0"/>
                                 </a:rPr>
                               </m:ctrlPr>
                             </m:sSubSupPr>
@@ -3903,7 +3903,7 @@
                             <m:dPr>
                               <m:ctrlPr>
                                 <a:rPr lang="en-US" i="1">
-                                  <a:latin typeface="Cambria Math" panose="02040503050406030204" pitchFamily="18" charset="0"/>
+                                  <a:latin typeface="Cambria Math" charset="0"/>
                                 </a:rPr>
                               </m:ctrlPr>
                             </m:dPr>
@@ -4290,7 +4290,7 @@
                           <m:sSubSupPr>
                             <m:ctrlPr>
                               <a:rPr lang="en-US" i="1" smtClean="0">
-                                <a:latin typeface="Cambria Math" panose="02040503050406030204" pitchFamily="18" charset="0"/>
+                                <a:latin typeface="Cambria Math" charset="0"/>
                               </a:rPr>
                             </m:ctrlPr>
                           </m:sSubSupPr>
@@ -4323,7 +4323,7 @@
                           <m:dPr>
                             <m:ctrlPr>
                               <a:rPr lang="en-US" i="1" smtClean="0">
-                                <a:latin typeface="Cambria Math" panose="02040503050406030204" pitchFamily="18" charset="0"/>
+                                <a:latin typeface="Cambria Math" charset="0"/>
                               </a:rPr>
                             </m:ctrlPr>
                           </m:dPr>
@@ -5003,7 +5003,7 @@
                       <m:sSubSupPr>
                         <m:ctrlPr>
                           <a:rPr lang="en-US" sz="4000" i="1" smtClean="0">
-                            <a:latin typeface="Cambria Math" panose="02040503050406030204" pitchFamily="18" charset="0"/>
+                            <a:latin typeface="Cambria Math" charset="0"/>
                           </a:rPr>
                         </m:ctrlPr>
                       </m:sSubSupPr>
@@ -5036,7 +5036,7 @@
                       <m:dPr>
                         <m:ctrlPr>
                           <a:rPr lang="en-US" sz="4000" i="1" smtClean="0">
-                            <a:latin typeface="Cambria Math" panose="02040503050406030204" pitchFamily="18" charset="0"/>
+                            <a:latin typeface="Cambria Math" charset="0"/>
                           </a:rPr>
                         </m:ctrlPr>
                       </m:dPr>
@@ -5059,7 +5059,7 @@
                       <m:sSubSupPr>
                         <m:ctrlPr>
                           <a:rPr lang="en-US" sz="4000" b="0" i="1" smtClean="0">
-                            <a:latin typeface="Cambria Math" panose="02040503050406030204" pitchFamily="18" charset="0"/>
+                            <a:latin typeface="Cambria Math" charset="0"/>
                           </a:rPr>
                         </m:ctrlPr>
                       </m:sSubSupPr>
@@ -5084,7 +5084,7 @@
                           <m:dPr>
                             <m:ctrlPr>
                               <a:rPr lang="en-US" sz="4000" b="0" i="1" smtClean="0">
-                                <a:latin typeface="Cambria Math" panose="02040503050406030204" pitchFamily="18" charset="0"/>
+                                <a:latin typeface="Cambria Math" charset="0"/>
                               </a:rPr>
                             </m:ctrlPr>
                           </m:dPr>
@@ -5103,7 +5103,7 @@
                       <m:dPr>
                         <m:ctrlPr>
                           <a:rPr lang="en-US" sz="4000" b="0" i="1" smtClean="0">
-                            <a:latin typeface="Cambria Math" panose="02040503050406030204" pitchFamily="18" charset="0"/>
+                            <a:latin typeface="Cambria Math" charset="0"/>
                           </a:rPr>
                         </m:ctrlPr>
                       </m:dPr>
@@ -5239,7 +5239,7 @@
                           <m:sSubSupPr>
                             <m:ctrlPr>
                               <a:rPr lang="en-US" i="1" smtClean="0">
-                                <a:latin typeface="Cambria Math" panose="02040503050406030204" pitchFamily="18" charset="0"/>
+                                <a:latin typeface="Cambria Math" charset="0"/>
                               </a:rPr>
                             </m:ctrlPr>
                           </m:sSubSupPr>
@@ -5272,7 +5272,7 @@
                           <m:dPr>
                             <m:ctrlPr>
                               <a:rPr lang="en-US" i="1" smtClean="0">
-                                <a:latin typeface="Cambria Math" panose="02040503050406030204" pitchFamily="18" charset="0"/>
+                                <a:latin typeface="Cambria Math" charset="0"/>
                               </a:rPr>
                             </m:ctrlPr>
                           </m:dPr>
@@ -5493,7 +5493,7 @@
                           <m:sSubSupPr>
                             <m:ctrlPr>
                               <a:rPr lang="en-US" i="1" smtClean="0">
-                                <a:latin typeface="Cambria Math" panose="02040503050406030204" pitchFamily="18" charset="0"/>
+                                <a:latin typeface="Cambria Math" charset="0"/>
                               </a:rPr>
                             </m:ctrlPr>
                           </m:sSubSupPr>
@@ -5538,7 +5538,7 @@
                           <m:dPr>
                             <m:ctrlPr>
                               <a:rPr lang="en-US" i="1" smtClean="0">
-                                <a:latin typeface="Cambria Math" panose="02040503050406030204" pitchFamily="18" charset="0"/>
+                                <a:latin typeface="Cambria Math" charset="0"/>
                               </a:rPr>
                             </m:ctrlPr>
                           </m:dPr>
@@ -5678,7 +5678,7 @@
                           <m:sSubSupPr>
                             <m:ctrlPr>
                               <a:rPr lang="en-US" i="1" smtClean="0">
-                                <a:latin typeface="Cambria Math" panose="02040503050406030204" pitchFamily="18" charset="0"/>
+                                <a:latin typeface="Cambria Math" charset="0"/>
                               </a:rPr>
                             </m:ctrlPr>
                           </m:sSubSupPr>
@@ -5723,7 +5723,7 @@
                           <m:dPr>
                             <m:ctrlPr>
                               <a:rPr lang="en-US" i="1" smtClean="0">
-                                <a:latin typeface="Cambria Math" panose="02040503050406030204" pitchFamily="18" charset="0"/>
+                                <a:latin typeface="Cambria Math" charset="0"/>
                               </a:rPr>
                             </m:ctrlPr>
                           </m:dPr>
@@ -5863,7 +5863,7 @@
                           <m:sSubSupPr>
                             <m:ctrlPr>
                               <a:rPr lang="en-US" i="1" smtClean="0">
-                                <a:latin typeface="Cambria Math" panose="02040503050406030204" pitchFamily="18" charset="0"/>
+                                <a:latin typeface="Cambria Math" charset="0"/>
                               </a:rPr>
                             </m:ctrlPr>
                           </m:sSubSupPr>
@@ -5908,7 +5908,7 @@
                           <m:dPr>
                             <m:ctrlPr>
                               <a:rPr lang="en-US" i="1" smtClean="0">
-                                <a:latin typeface="Cambria Math" panose="02040503050406030204" pitchFamily="18" charset="0"/>
+                                <a:latin typeface="Cambria Math" charset="0"/>
                               </a:rPr>
                             </m:ctrlPr>
                           </m:dPr>
@@ -6048,7 +6048,7 @@
                           <m:sSubSupPr>
                             <m:ctrlPr>
                               <a:rPr lang="en-US" i="1" smtClean="0">
-                                <a:latin typeface="Cambria Math" panose="02040503050406030204" pitchFamily="18" charset="0"/>
+                                <a:latin typeface="Cambria Math" charset="0"/>
                               </a:rPr>
                             </m:ctrlPr>
                           </m:sSubSupPr>
@@ -6093,7 +6093,7 @@
                           <m:dPr>
                             <m:ctrlPr>
                               <a:rPr lang="en-US" i="1" smtClean="0">
-                                <a:latin typeface="Cambria Math" panose="02040503050406030204" pitchFamily="18" charset="0"/>
+                                <a:latin typeface="Cambria Math" charset="0"/>
                               </a:rPr>
                             </m:ctrlPr>
                           </m:dPr>
@@ -6233,7 +6233,7 @@
                           <m:sSubSupPr>
                             <m:ctrlPr>
                               <a:rPr lang="en-US" i="1" smtClean="0">
-                                <a:latin typeface="Cambria Math" panose="02040503050406030204" pitchFamily="18" charset="0"/>
+                                <a:latin typeface="Cambria Math" charset="0"/>
                               </a:rPr>
                             </m:ctrlPr>
                           </m:sSubSupPr>
@@ -6278,7 +6278,7 @@
                           <m:dPr>
                             <m:ctrlPr>
                               <a:rPr lang="en-US" i="1" smtClean="0">
-                                <a:latin typeface="Cambria Math" panose="02040503050406030204" pitchFamily="18" charset="0"/>
+                                <a:latin typeface="Cambria Math" charset="0"/>
                               </a:rPr>
                             </m:ctrlPr>
                           </m:dPr>
@@ -7113,7 +7113,7 @@
                       <m:sSubSupPr>
                         <m:ctrlPr>
                           <a:rPr lang="en-US" sz="3600" i="1" smtClean="0">
-                            <a:latin typeface="Cambria Math" panose="02040503050406030204" pitchFamily="18" charset="0"/>
+                            <a:latin typeface="Cambria Math" charset="0"/>
                           </a:rPr>
                         </m:ctrlPr>
                       </m:sSubSupPr>
@@ -7146,7 +7146,7 @@
                       <m:dPr>
                         <m:ctrlPr>
                           <a:rPr lang="en-US" sz="3600" i="1" smtClean="0">
-                            <a:latin typeface="Cambria Math" panose="02040503050406030204" pitchFamily="18" charset="0"/>
+                            <a:latin typeface="Cambria Math" charset="0"/>
                           </a:rPr>
                         </m:ctrlPr>
                       </m:dPr>
@@ -7169,7 +7169,7 @@
                       <m:dPr>
                         <m:ctrlPr>
                           <a:rPr lang="en-US" sz="3600" b="0" i="1" smtClean="0">
-                            <a:latin typeface="Cambria Math" panose="02040503050406030204" pitchFamily="18" charset="0"/>
+                            <a:latin typeface="Cambria Math" charset="0"/>
                           </a:rPr>
                         </m:ctrlPr>
                       </m:dPr>
@@ -7483,7 +7483,7 @@
                         <m:sSubSupPr>
                           <m:ctrlPr>
                             <a:rPr lang="en-US" sz="3000" i="1" smtClean="0">
-                              <a:latin typeface="Cambria Math" panose="02040503050406030204" pitchFamily="18" charset="0"/>
+                              <a:latin typeface="Cambria Math" charset="0"/>
                             </a:rPr>
                           </m:ctrlPr>
                         </m:sSubSupPr>
@@ -7528,7 +7528,7 @@
                         <m:dPr>
                           <m:ctrlPr>
                             <a:rPr lang="en-US" sz="3000" i="1">
-                              <a:latin typeface="Cambria Math" panose="02040503050406030204" pitchFamily="18" charset="0"/>
+                              <a:latin typeface="Cambria Math" charset="0"/>
                             </a:rPr>
                           </m:ctrlPr>
                         </m:dPr>
@@ -7551,7 +7551,7 @@
                         <m:sSubSupPr>
                           <m:ctrlPr>
                             <a:rPr lang="en-US" sz="3000" i="1">
-                              <a:latin typeface="Cambria Math" panose="02040503050406030204" pitchFamily="18" charset="0"/>
+                              <a:latin typeface="Cambria Math" charset="0"/>
                             </a:rPr>
                           </m:ctrlPr>
                         </m:sSubSupPr>
@@ -7586,7 +7586,7 @@
                           <m:endChr m:val="]"/>
                           <m:ctrlPr>
                             <a:rPr lang="en-US" sz="3000" i="1">
-                              <a:latin typeface="Cambria Math" panose="02040503050406030204" pitchFamily="18" charset="0"/>
+                              <a:latin typeface="Cambria Math" charset="0"/>
                             </a:rPr>
                           </m:ctrlPr>
                         </m:dPr>
@@ -7595,7 +7595,7 @@
                             <m:sSubSupPr>
                               <m:ctrlPr>
                                 <a:rPr lang="en-US" sz="3000" i="1">
-                                  <a:latin typeface="Cambria Math" panose="02040503050406030204" pitchFamily="18" charset="0"/>
+                                  <a:latin typeface="Cambria Math" charset="0"/>
                                 </a:rPr>
                               </m:ctrlPr>
                             </m:sSubSupPr>
@@ -7640,7 +7640,7 @@
                             <m:dPr>
                               <m:ctrlPr>
                                 <a:rPr lang="en-US" sz="3000" i="1">
-                                  <a:latin typeface="Cambria Math" panose="02040503050406030204" pitchFamily="18" charset="0"/>
+                                  <a:latin typeface="Cambria Math" charset="0"/>
                                 </a:rPr>
                               </m:ctrlPr>
                             </m:dPr>
@@ -8027,7 +8027,7 @@
                           <m:sSubSupPr>
                             <m:ctrlPr>
                               <a:rPr lang="en-US" i="1" smtClean="0">
-                                <a:latin typeface="Cambria Math" panose="02040503050406030204" pitchFamily="18" charset="0"/>
+                                <a:latin typeface="Cambria Math" charset="0"/>
                               </a:rPr>
                             </m:ctrlPr>
                           </m:sSubSupPr>
@@ -8060,7 +8060,7 @@
                           <m:dPr>
                             <m:ctrlPr>
                               <a:rPr lang="en-US" i="1" smtClean="0">
-                                <a:latin typeface="Cambria Math" panose="02040503050406030204" pitchFamily="18" charset="0"/>
+                                <a:latin typeface="Cambria Math" charset="0"/>
                               </a:rPr>
                             </m:ctrlPr>
                           </m:dPr>
@@ -8737,7 +8737,7 @@
                       <m:sSubSupPr>
                         <m:ctrlPr>
                           <a:rPr lang="en-US" sz="4000" i="1" smtClean="0">
-                            <a:latin typeface="Cambria Math" panose="02040503050406030204" pitchFamily="18" charset="0"/>
+                            <a:latin typeface="Cambria Math" charset="0"/>
                           </a:rPr>
                         </m:ctrlPr>
                       </m:sSubSupPr>
@@ -8770,7 +8770,7 @@
                       <m:dPr>
                         <m:ctrlPr>
                           <a:rPr lang="en-US" sz="4000" i="1" smtClean="0">
-                            <a:latin typeface="Cambria Math" panose="02040503050406030204" pitchFamily="18" charset="0"/>
+                            <a:latin typeface="Cambria Math" charset="0"/>
                           </a:rPr>
                         </m:ctrlPr>
                       </m:dPr>
@@ -8793,7 +8793,7 @@
                       <m:sSubSupPr>
                         <m:ctrlPr>
                           <a:rPr lang="en-US" sz="4000" b="0" i="1" smtClean="0">
-                            <a:latin typeface="Cambria Math" panose="02040503050406030204" pitchFamily="18" charset="0"/>
+                            <a:latin typeface="Cambria Math" charset="0"/>
                           </a:rPr>
                         </m:ctrlPr>
                       </m:sSubSupPr>
@@ -8818,7 +8818,7 @@
                           <m:dPr>
                             <m:ctrlPr>
                               <a:rPr lang="en-US" sz="4000" b="0" i="1" smtClean="0">
-                                <a:latin typeface="Cambria Math" panose="02040503050406030204" pitchFamily="18" charset="0"/>
+                                <a:latin typeface="Cambria Math" charset="0"/>
                               </a:rPr>
                             </m:ctrlPr>
                           </m:dPr>
@@ -8837,7 +8837,7 @@
                       <m:dPr>
                         <m:ctrlPr>
                           <a:rPr lang="en-US" sz="4000" b="0" i="1" smtClean="0">
-                            <a:latin typeface="Cambria Math" panose="02040503050406030204" pitchFamily="18" charset="0"/>
+                            <a:latin typeface="Cambria Math" charset="0"/>
                           </a:rPr>
                         </m:ctrlPr>
                       </m:dPr>
@@ -8970,7 +8970,7 @@
                           <m:sSubSupPr>
                             <m:ctrlPr>
                               <a:rPr lang="en-US" i="1" smtClean="0">
-                                <a:latin typeface="Cambria Math" panose="02040503050406030204" pitchFamily="18" charset="0"/>
+                                <a:latin typeface="Cambria Math" charset="0"/>
                               </a:rPr>
                             </m:ctrlPr>
                           </m:sSubSupPr>
@@ -9003,7 +9003,7 @@
                           <m:dPr>
                             <m:ctrlPr>
                               <a:rPr lang="en-US" i="1" smtClean="0">
-                                <a:latin typeface="Cambria Math" panose="02040503050406030204" pitchFamily="18" charset="0"/>
+                                <a:latin typeface="Cambria Math" charset="0"/>
                               </a:rPr>
                             </m:ctrlPr>
                           </m:dPr>
@@ -9224,7 +9224,7 @@
                           <m:sSubSupPr>
                             <m:ctrlPr>
                               <a:rPr lang="en-US" i="1" smtClean="0">
-                                <a:latin typeface="Cambria Math" panose="02040503050406030204" pitchFamily="18" charset="0"/>
+                                <a:latin typeface="Cambria Math" charset="0"/>
                               </a:rPr>
                             </m:ctrlPr>
                           </m:sSubSupPr>
@@ -9269,7 +9269,7 @@
                           <m:dPr>
                             <m:ctrlPr>
                               <a:rPr lang="en-US" i="1" smtClean="0">
-                                <a:latin typeface="Cambria Math" panose="02040503050406030204" pitchFamily="18" charset="0"/>
+                                <a:latin typeface="Cambria Math" charset="0"/>
                               </a:rPr>
                             </m:ctrlPr>
                           </m:dPr>
@@ -9409,7 +9409,7 @@
                           <m:sSubSupPr>
                             <m:ctrlPr>
                               <a:rPr lang="en-US" i="1" smtClean="0">
-                                <a:latin typeface="Cambria Math" panose="02040503050406030204" pitchFamily="18" charset="0"/>
+                                <a:latin typeface="Cambria Math" charset="0"/>
                               </a:rPr>
                             </m:ctrlPr>
                           </m:sSubSupPr>
@@ -9454,7 +9454,7 @@
                           <m:dPr>
                             <m:ctrlPr>
                               <a:rPr lang="en-US" i="1" smtClean="0">
-                                <a:latin typeface="Cambria Math" panose="02040503050406030204" pitchFamily="18" charset="0"/>
+                                <a:latin typeface="Cambria Math" charset="0"/>
                               </a:rPr>
                             </m:ctrlPr>
                           </m:dPr>
@@ -9996,7 +9996,7 @@
                         <m:sSubSupPr>
                           <m:ctrlPr>
                             <a:rPr lang="en-US" sz="3600" i="1" smtClean="0">
-                              <a:latin typeface="Cambria Math" panose="02040503050406030204" pitchFamily="18" charset="0"/>
+                              <a:latin typeface="Cambria Math" charset="0"/>
                             </a:rPr>
                           </m:ctrlPr>
                         </m:sSubSupPr>
@@ -10041,7 +10041,7 @@
                         <m:dPr>
                           <m:ctrlPr>
                             <a:rPr lang="en-US" sz="3600" i="1" smtClean="0">
-                              <a:latin typeface="Cambria Math" panose="02040503050406030204" pitchFamily="18" charset="0"/>
+                              <a:latin typeface="Cambria Math" charset="0"/>
                             </a:rPr>
                           </m:ctrlPr>
                         </m:dPr>
@@ -10064,7 +10064,7 @@
                         <m:sSubSupPr>
                           <m:ctrlPr>
                             <a:rPr lang="en-US" sz="3600" b="0" i="1" smtClean="0">
-                              <a:latin typeface="Cambria Math" panose="02040503050406030204" pitchFamily="18" charset="0"/>
+                              <a:latin typeface="Cambria Math" charset="0"/>
                             </a:rPr>
                           </m:ctrlPr>
                         </m:sSubSupPr>
@@ -10099,7 +10099,7 @@
                           <m:endChr m:val="]"/>
                           <m:ctrlPr>
                             <a:rPr lang="en-US" sz="3600" b="0" i="1" smtClean="0">
-                              <a:latin typeface="Cambria Math" panose="02040503050406030204" pitchFamily="18" charset="0"/>
+                              <a:latin typeface="Cambria Math" charset="0"/>
                             </a:rPr>
                           </m:ctrlPr>
                         </m:dPr>
@@ -10108,7 +10108,7 @@
                             <m:dPr>
                               <m:ctrlPr>
                                 <a:rPr lang="en-US" sz="3600" b="0" i="1" smtClean="0">
-                                  <a:latin typeface="Cambria Math" panose="02040503050406030204" pitchFamily="18" charset="0"/>
+                                  <a:latin typeface="Cambria Math" charset="0"/>
                                 </a:rPr>
                               </m:ctrlPr>
                             </m:dPr>
@@ -10914,7 +10914,7 @@
                         <m:dPr>
                           <m:ctrlPr>
                             <a:rPr lang="en-US" b="0" i="1" smtClean="0">
-                              <a:latin typeface="Cambria Math" panose="02040503050406030204" pitchFamily="18" charset="0"/>
+                              <a:latin typeface="Cambria Math" charset="0"/>
                             </a:rPr>
                           </m:ctrlPr>
                         </m:dPr>
@@ -10951,7 +10951,7 @@
                           <m:endChr m:val=""/>
                           <m:ctrlPr>
                             <a:rPr lang="en-US" b="0" i="1" smtClean="0">
-                              <a:latin typeface="Cambria Math" panose="02040503050406030204" pitchFamily="18" charset="0"/>
+                              <a:latin typeface="Cambria Math" charset="0"/>
                             </a:rPr>
                           </m:ctrlPr>
                         </m:dPr>
@@ -10960,7 +10960,7 @@
                             <m:eqArrPr>
                               <m:ctrlPr>
                                 <a:rPr lang="en-US" b="0" i="1" smtClean="0">
-                                  <a:latin typeface="Cambria Math" panose="02040503050406030204" pitchFamily="18" charset="0"/>
+                                  <a:latin typeface="Cambria Math" charset="0"/>
                                 </a:rPr>
                               </m:ctrlPr>
                             </m:eqArrPr>
@@ -10981,7 +10981,7 @@
                                 <m:dPr>
                                   <m:ctrlPr>
                                     <a:rPr lang="en-US" b="0" i="1" smtClean="0">
-                                      <a:latin typeface="Cambria Math" panose="02040503050406030204" pitchFamily="18" charset="0"/>
+                                      <a:latin typeface="Cambria Math" charset="0"/>
                                     </a:rPr>
                                   </m:ctrlPr>
                                 </m:dPr>
@@ -11126,7 +11126,7 @@
                       <m:sSupPr>
                         <m:ctrlPr>
                           <a:rPr lang="en-US" b="0" i="1" smtClean="0">
-                            <a:latin typeface="Cambria Math" panose="02040503050406030204" pitchFamily="18" charset="0"/>
+                            <a:latin typeface="Cambria Math" charset="0"/>
                           </a:rPr>
                         </m:ctrlPr>
                       </m:sSupPr>
@@ -11137,7 +11137,7 @@
                             <m:endChr m:val="]"/>
                             <m:ctrlPr>
                               <a:rPr lang="en-US" b="0" i="1" smtClean="0">
-                                <a:latin typeface="Cambria Math" panose="02040503050406030204" pitchFamily="18" charset="0"/>
+                                <a:latin typeface="Cambria Math" charset="0"/>
                               </a:rPr>
                             </m:ctrlPr>
                           </m:dPr>
@@ -11146,7 +11146,7 @@
                               <m:sSubSupPr>
                                 <m:ctrlPr>
                                   <a:rPr lang="en-US" b="0" i="1" smtClean="0">
-                                    <a:latin typeface="Cambria Math" panose="02040503050406030204" pitchFamily="18" charset="0"/>
+                                    <a:latin typeface="Cambria Math" charset="0"/>
                                   </a:rPr>
                                 </m:ctrlPr>
                               </m:sSubSupPr>
@@ -11163,7 +11163,7 @@
                                   <m:sSupPr>
                                     <m:ctrlPr>
                                       <a:rPr lang="en-US" b="0" i="1" smtClean="0">
-                                        <a:latin typeface="Cambria Math" panose="02040503050406030204" pitchFamily="18" charset="0"/>
+                                        <a:latin typeface="Cambria Math" charset="0"/>
                                       </a:rPr>
                                     </m:ctrlPr>
                                   </m:sSupPr>
@@ -11198,7 +11198,7 @@
                               <m:dPr>
                                 <m:ctrlPr>
                                   <a:rPr lang="en-US" b="0" i="1" smtClean="0">
-                                    <a:latin typeface="Cambria Math" panose="02040503050406030204" pitchFamily="18" charset="0"/>
+                                    <a:latin typeface="Cambria Math" charset="0"/>
                                   </a:rPr>
                                 </m:ctrlPr>
                               </m:dPr>
@@ -11616,7 +11616,7 @@
                           <m:sSupPr>
                             <m:ctrlPr>
                               <a:rPr lang="en-US" i="1" smtClean="0">
-                                <a:latin typeface="Cambria Math" panose="02040503050406030204" pitchFamily="18" charset="0"/>
+                                <a:latin typeface="Cambria Math" charset="0"/>
                               </a:rPr>
                             </m:ctrlPr>
                           </m:sSupPr>
@@ -11930,7 +11930,7 @@
                           <m:sSupPr>
                             <m:ctrlPr>
                               <a:rPr lang="en-US" i="1" smtClean="0">
-                                <a:latin typeface="Cambria Math" panose="02040503050406030204" pitchFamily="18" charset="0"/>
+                                <a:latin typeface="Cambria Math" charset="0"/>
                               </a:rPr>
                             </m:ctrlPr>
                           </m:sSupPr>
@@ -12490,8 +12490,8 @@
           </a:p>
         </p:txBody>
       </p:sp>
-      <mc:AlternateContent xmlns:mc="http://schemas.openxmlformats.org/markup-compatibility/2006">
-        <mc:Choice xmlns:a14="http://schemas.microsoft.com/office/drawing/2010/main" Requires="a14">
+      <mc:AlternateContent xmlns:mc="http://schemas.openxmlformats.org/markup-compatibility/2006" xmlns:a14="http://schemas.microsoft.com/office/drawing/2010/main">
+        <mc:Choice Requires="a14">
           <p:sp>
             <p:nvSpPr>
               <p:cNvPr id="24" name="Content Placeholder 23"/>
@@ -12545,7 +12545,7 @@
                         <m:dPr>
                           <m:ctrlPr>
                             <a:rPr lang="en-US" b="0" i="1" smtClean="0">
-                              <a:latin typeface="Cambria Math" panose="02040503050406030204" pitchFamily="18" charset="0"/>
+                              <a:latin typeface="Cambria Math" charset="0"/>
                             </a:rPr>
                           </m:ctrlPr>
                         </m:dPr>
@@ -12582,7 +12582,7 @@
                           <m:endChr m:val=""/>
                           <m:ctrlPr>
                             <a:rPr lang="en-US" b="0" i="1" smtClean="0">
-                              <a:latin typeface="Cambria Math" panose="02040503050406030204" pitchFamily="18" charset="0"/>
+                              <a:latin typeface="Cambria Math" charset="0"/>
                             </a:rPr>
                           </m:ctrlPr>
                         </m:dPr>
@@ -12591,7 +12591,7 @@
                             <m:eqArrPr>
                               <m:ctrlPr>
                                 <a:rPr lang="en-US" b="0" i="1" smtClean="0">
-                                  <a:latin typeface="Cambria Math" panose="02040503050406030204" pitchFamily="18" charset="0"/>
+                                  <a:latin typeface="Cambria Math" charset="0"/>
                                 </a:rPr>
                               </m:ctrlPr>
                             </m:eqArrPr>
@@ -12606,7 +12606,7 @@
                                 <m:dPr>
                                   <m:ctrlPr>
                                     <a:rPr lang="en-US" b="0" i="1" smtClean="0">
-                                      <a:latin typeface="Cambria Math" panose="02040503050406030204" pitchFamily="18" charset="0"/>
+                                      <a:latin typeface="Cambria Math" charset="0"/>
                                     </a:rPr>
                                   </m:ctrlPr>
                                 </m:dPr>
@@ -12739,23 +12739,7 @@
               <a:p>
                 <a:r>
                   <a:rPr lang="en-US" b="0" dirty="0" smtClean="0"/>
-                  <a:t>The result </a:t>
-                </a:r>
-                <a:r>
-                  <a:rPr lang="en-US" b="0" dirty="0" smtClean="0"/>
-                  <a:t>image with </a:t>
-                </a:r>
-                <a:r>
-                  <a:rPr lang="en-US" b="0" dirty="0" smtClean="0"/>
-                  <a:t>the </a:t>
-                </a:r>
-                <a:r>
-                  <a:rPr lang="en-US" b="0" dirty="0" smtClean="0"/>
-                  <a:t>clear border will </a:t>
-                </a:r>
-                <a:r>
-                  <a:rPr lang="en-US" b="0" dirty="0" smtClean="0"/>
-                  <a:t>be </a:t>
+                  <a:t>The result image with the clear border will be </a:t>
                 </a:r>
                 <a14:m>
                   <m:oMath xmlns:m="http://schemas.openxmlformats.org/officeDocument/2006/math">
@@ -12787,7 +12771,7 @@
                       <m:sSubSupPr>
                         <m:ctrlPr>
                           <a:rPr lang="en-US" b="0" i="1" smtClean="0">
-                            <a:latin typeface="Cambria Math" panose="02040503050406030204" pitchFamily="18" charset="0"/>
+                            <a:latin typeface="Cambria Math" charset="0"/>
                           </a:rPr>
                         </m:ctrlPr>
                       </m:sSubSupPr>
@@ -12820,7 +12804,7 @@
                       <m:dPr>
                         <m:ctrlPr>
                           <a:rPr lang="en-US" b="0" i="1" smtClean="0">
-                            <a:latin typeface="Cambria Math" panose="02040503050406030204" pitchFamily="18" charset="0"/>
+                            <a:latin typeface="Cambria Math" charset="0"/>
                           </a:rPr>
                         </m:ctrlPr>
                       </m:dPr>
@@ -12840,7 +12824,7 @@
             </p:txBody>
           </p:sp>
         </mc:Choice>
-        <mc:Fallback>
+        <mc:Fallback xmlns="">
           <p:sp>
             <p:nvSpPr>
               <p:cNvPr id="24" name="Content Placeholder 23"/>
@@ -13069,7 +13053,7 @@
                             <m:sSubSupPr>
                               <m:ctrlPr>
                                 <a:rPr lang="en-US" sz="2400" i="1" smtClean="0">
-                                  <a:latin typeface="Cambria Math" panose="02040503050406030204" pitchFamily="18" charset="0"/>
+                                  <a:latin typeface="Cambria Math" charset="0"/>
                                 </a:rPr>
                               </m:ctrlPr>
                             </m:sSubSupPr>
@@ -13102,7 +13086,7 @@
                             <m:dPr>
                               <m:ctrlPr>
                                 <a:rPr lang="en-US" sz="2400" i="1" smtClean="0">
-                                  <a:latin typeface="Cambria Math" panose="02040503050406030204" pitchFamily="18" charset="0"/>
+                                  <a:latin typeface="Cambria Math" charset="0"/>
                                 </a:rPr>
                               </m:ctrlPr>
                             </m:dPr>
@@ -13302,7 +13286,7 @@
                             <m:sSubSupPr>
                               <m:ctrlPr>
                                 <a:rPr lang="en-US" sz="2400" i="1" smtClean="0">
-                                  <a:latin typeface="Cambria Math" panose="02040503050406030204" pitchFamily="18" charset="0"/>
+                                  <a:latin typeface="Cambria Math" charset="0"/>
                                 </a:rPr>
                               </m:ctrlPr>
                             </m:sSubSupPr>
@@ -13335,7 +13319,7 @@
                             <m:dPr>
                               <m:ctrlPr>
                                 <a:rPr lang="en-US" sz="2400" i="1" smtClean="0">
-                                  <a:latin typeface="Cambria Math" panose="02040503050406030204" pitchFamily="18" charset="0"/>
+                                  <a:latin typeface="Cambria Math" charset="0"/>
                                 </a:rPr>
                               </m:ctrlPr>
                             </m:dPr>
@@ -14966,7 +14950,7 @@
                         <m:dPr>
                           <m:ctrlPr>
                             <a:rPr lang="en-US" b="0" i="1" smtClean="0">
-                              <a:latin typeface="Cambria Math" panose="02040503050406030204" pitchFamily="18" charset="0"/>
+                              <a:latin typeface="Cambria Math" charset="0"/>
                               <a:ea typeface="Cambria Math"/>
                             </a:rPr>
                           </m:ctrlPr>
@@ -14990,7 +14974,7 @@
                             <m:sSubPr>
                               <m:ctrlPr>
                                 <a:rPr lang="en-US" b="0" i="1" smtClean="0">
-                                  <a:latin typeface="Cambria Math" panose="02040503050406030204" pitchFamily="18" charset="0"/>
+                                  <a:latin typeface="Cambria Math" charset="0"/>
                                   <a:ea typeface="Cambria Math"/>
                                 </a:rPr>
                               </m:ctrlPr>
@@ -15027,7 +15011,7 @@
                         <m:dPr>
                           <m:ctrlPr>
                             <a:rPr lang="en-US" b="0" i="1" smtClean="0">
-                              <a:latin typeface="Cambria Math" panose="02040503050406030204" pitchFamily="18" charset="0"/>
+                              <a:latin typeface="Cambria Math" charset="0"/>
                               <a:ea typeface="Cambria Math"/>
                             </a:rPr>
                           </m:ctrlPr>
@@ -15037,7 +15021,7 @@
                             <m:sSupPr>
                               <m:ctrlPr>
                                 <a:rPr lang="en-US" b="0" i="1" smtClean="0">
-                                  <a:latin typeface="Cambria Math" panose="02040503050406030204" pitchFamily="18" charset="0"/>
+                                  <a:latin typeface="Cambria Math" charset="0"/>
                                   <a:ea typeface="Cambria Math"/>
                                 </a:rPr>
                               </m:ctrlPr>
@@ -15072,7 +15056,7 @@
                             <m:sSubPr>
                               <m:ctrlPr>
                                 <a:rPr lang="en-US" b="0" i="1" smtClean="0">
-                                  <a:latin typeface="Cambria Math" panose="02040503050406030204" pitchFamily="18" charset="0"/>
+                                  <a:latin typeface="Cambria Math" charset="0"/>
                                   <a:ea typeface="Cambria Math"/>
                                 </a:rPr>
                               </m:ctrlPr>
@@ -15136,7 +15120,7 @@
                       <m:dPr>
                         <m:ctrlPr>
                           <a:rPr lang="en-US" b="0" i="1" smtClean="0">
-                            <a:latin typeface="Cambria Math" panose="02040503050406030204" pitchFamily="18" charset="0"/>
+                            <a:latin typeface="Cambria Math" charset="0"/>
                             <a:ea typeface="Cambria Math"/>
                           </a:rPr>
                         </m:ctrlPr>
@@ -15160,7 +15144,7 @@
                           <m:sSubPr>
                             <m:ctrlPr>
                               <a:rPr lang="en-US" b="0" i="1" smtClean="0">
-                                <a:latin typeface="Cambria Math" panose="02040503050406030204" pitchFamily="18" charset="0"/>
+                                <a:latin typeface="Cambria Math" charset="0"/>
                                 <a:ea typeface="Cambria Math"/>
                               </a:rPr>
                             </m:ctrlPr>
@@ -15197,7 +15181,7 @@
                       <m:dPr>
                         <m:ctrlPr>
                           <a:rPr lang="en-US" b="0" i="1" smtClean="0">
-                            <a:latin typeface="Cambria Math" panose="02040503050406030204" pitchFamily="18" charset="0"/>
+                            <a:latin typeface="Cambria Math" charset="0"/>
                             <a:ea typeface="Cambria Math"/>
                           </a:rPr>
                         </m:ctrlPr>
@@ -15222,7 +15206,7 @@
                             <m:chr m:val="̂"/>
                             <m:ctrlPr>
                               <a:rPr lang="en-US" b="0" i="1" smtClean="0">
-                                <a:latin typeface="Cambria Math" panose="02040503050406030204" pitchFamily="18" charset="0"/>
+                                <a:latin typeface="Cambria Math" charset="0"/>
                                 <a:ea typeface="Cambria Math"/>
                               </a:rPr>
                             </m:ctrlPr>
@@ -15232,7 +15216,7 @@
                               <m:sSubPr>
                                 <m:ctrlPr>
                                   <a:rPr lang="en-US" b="0" i="1" smtClean="0">
-                                    <a:latin typeface="Cambria Math" panose="02040503050406030204" pitchFamily="18" charset="0"/>
+                                    <a:latin typeface="Cambria Math" charset="0"/>
                                     <a:ea typeface="Cambria Math"/>
                                   </a:rPr>
                                 </m:ctrlPr>
@@ -15532,7 +15516,7 @@
                         <m:dPr>
                           <m:ctrlPr>
                             <a:rPr lang="en-US" b="0" i="1" smtClean="0">
-                              <a:latin typeface="Cambria Math" panose="02040503050406030204" pitchFamily="18" charset="0"/>
+                              <a:latin typeface="Cambria Math" charset="0"/>
                               <a:ea typeface="Cambria Math"/>
                             </a:rPr>
                           </m:ctrlPr>
@@ -15549,7 +15533,7 @@
                             <m:dPr>
                               <m:ctrlPr>
                                 <a:rPr lang="en-US" b="0" i="1" smtClean="0">
-                                  <a:latin typeface="Cambria Math" panose="02040503050406030204" pitchFamily="18" charset="0"/>
+                                  <a:latin typeface="Cambria Math" charset="0"/>
                                   <a:ea typeface="Cambria Math"/>
                                 </a:rPr>
                               </m:ctrlPr>
@@ -15573,7 +15557,7 @@
                                 <m:sSubPr>
                                   <m:ctrlPr>
                                     <a:rPr lang="en-US" b="0" i="1" smtClean="0">
-                                      <a:latin typeface="Cambria Math" panose="02040503050406030204" pitchFamily="18" charset="0"/>
+                                      <a:latin typeface="Cambria Math" charset="0"/>
                                       <a:ea typeface="Cambria Math"/>
                                     </a:rPr>
                                   </m:ctrlPr>
@@ -15610,7 +15594,7 @@
                             <m:sSubPr>
                               <m:ctrlPr>
                                 <a:rPr lang="en-US" b="0" i="1" smtClean="0">
-                                  <a:latin typeface="Cambria Math" panose="02040503050406030204" pitchFamily="18" charset="0"/>
+                                  <a:latin typeface="Cambria Math" charset="0"/>
                                   <a:ea typeface="Cambria Math"/>
                                 </a:rPr>
                               </m:ctrlPr>
@@ -15647,7 +15631,7 @@
                         <m:sSubPr>
                           <m:ctrlPr>
                             <a:rPr lang="en-US" b="0" i="1" smtClean="0">
-                              <a:latin typeface="Cambria Math" panose="02040503050406030204" pitchFamily="18" charset="0"/>
+                              <a:latin typeface="Cambria Math" charset="0"/>
                               <a:ea typeface="Cambria Math"/>
                             </a:rPr>
                           </m:ctrlPr>
@@ -16000,7 +15984,7 @@
                         <m:sSubPr>
                           <m:ctrlPr>
                             <a:rPr lang="en-US" i="1">
-                              <a:latin typeface="Cambria Math" panose="02040503050406030204" pitchFamily="18" charset="0"/>
+                              <a:latin typeface="Cambria Math" charset="0"/>
                               <a:ea typeface="Cambria Math"/>
                             </a:rPr>
                           </m:ctrlPr>
@@ -16119,7 +16103,7 @@
                         <m:sSubPr>
                           <m:ctrlPr>
                             <a:rPr lang="en-US" i="1">
-                              <a:latin typeface="Cambria Math" panose="02040503050406030204" pitchFamily="18" charset="0"/>
+                              <a:latin typeface="Cambria Math" charset="0"/>
                               <a:ea typeface="Cambria Math"/>
                             </a:rPr>
                           </m:ctrlPr>
@@ -16232,7 +16216,7 @@
                         <m:dPr>
                           <m:ctrlPr>
                             <a:rPr lang="en-US" i="1">
-                              <a:latin typeface="Cambria Math" panose="02040503050406030204" pitchFamily="18" charset="0"/>
+                              <a:latin typeface="Cambria Math" charset="0"/>
                               <a:ea typeface="Cambria Math"/>
                             </a:rPr>
                           </m:ctrlPr>
@@ -16249,7 +16233,7 @@
                             <m:dPr>
                               <m:ctrlPr>
                                 <a:rPr lang="en-US" i="1">
-                                  <a:latin typeface="Cambria Math" panose="02040503050406030204" pitchFamily="18" charset="0"/>
+                                  <a:latin typeface="Cambria Math" charset="0"/>
                                   <a:ea typeface="Cambria Math"/>
                                 </a:rPr>
                               </m:ctrlPr>
@@ -16273,7 +16257,7 @@
                                 <m:sSubPr>
                                   <m:ctrlPr>
                                     <a:rPr lang="en-US" i="1">
-                                      <a:latin typeface="Cambria Math" panose="02040503050406030204" pitchFamily="18" charset="0"/>
+                                      <a:latin typeface="Cambria Math" charset="0"/>
                                       <a:ea typeface="Cambria Math"/>
                                     </a:rPr>
                                   </m:ctrlPr>
@@ -16310,7 +16294,7 @@
                             <m:sSubPr>
                               <m:ctrlPr>
                                 <a:rPr lang="en-US" i="1">
-                                  <a:latin typeface="Cambria Math" panose="02040503050406030204" pitchFamily="18" charset="0"/>
+                                  <a:latin typeface="Cambria Math" charset="0"/>
                                   <a:ea typeface="Cambria Math"/>
                                 </a:rPr>
                               </m:ctrlPr>
@@ -16347,7 +16331,7 @@
                         <m:sSubPr>
                           <m:ctrlPr>
                             <a:rPr lang="en-US" i="1">
-                              <a:latin typeface="Cambria Math" panose="02040503050406030204" pitchFamily="18" charset="0"/>
+                              <a:latin typeface="Cambria Math" charset="0"/>
                               <a:ea typeface="Cambria Math"/>
                             </a:rPr>
                           </m:ctrlPr>
@@ -16573,7 +16557,7 @@
                         <m:dPr>
                           <m:ctrlPr>
                             <a:rPr lang="en-US" i="1">
-                              <a:latin typeface="Cambria Math" panose="02040503050406030204" pitchFamily="18" charset="0"/>
+                              <a:latin typeface="Cambria Math" charset="0"/>
                               <a:ea typeface="Cambria Math"/>
                             </a:rPr>
                           </m:ctrlPr>
@@ -16590,7 +16574,7 @@
                             <m:dPr>
                               <m:ctrlPr>
                                 <a:rPr lang="en-US" i="1">
-                                  <a:latin typeface="Cambria Math" panose="02040503050406030204" pitchFamily="18" charset="0"/>
+                                  <a:latin typeface="Cambria Math" charset="0"/>
                                   <a:ea typeface="Cambria Math"/>
                                 </a:rPr>
                               </m:ctrlPr>
@@ -16614,7 +16598,7 @@
                                 <m:sSubPr>
                                   <m:ctrlPr>
                                     <a:rPr lang="en-US" i="1" smtClean="0">
-                                      <a:latin typeface="Cambria Math" panose="02040503050406030204" pitchFamily="18" charset="0"/>
+                                      <a:latin typeface="Cambria Math" charset="0"/>
                                       <a:ea typeface="Cambria Math"/>
                                     </a:rPr>
                                   </m:ctrlPr>
@@ -16651,7 +16635,7 @@
                             <m:sSubPr>
                               <m:ctrlPr>
                                 <a:rPr lang="en-US" i="1" smtClean="0">
-                                  <a:latin typeface="Cambria Math" panose="02040503050406030204" pitchFamily="18" charset="0"/>
+                                  <a:latin typeface="Cambria Math" charset="0"/>
                                   <a:ea typeface="Cambria Math"/>
                                 </a:rPr>
                               </m:ctrlPr>
@@ -16688,7 +16672,7 @@
                         <m:sSubPr>
                           <m:ctrlPr>
                             <a:rPr lang="en-US" i="1" smtClean="0">
-                              <a:latin typeface="Cambria Math" panose="02040503050406030204" pitchFamily="18" charset="0"/>
+                              <a:latin typeface="Cambria Math" charset="0"/>
                               <a:ea typeface="Cambria Math"/>
                             </a:rPr>
                           </m:ctrlPr>
@@ -17041,7 +17025,7 @@
                         <m:sSubPr>
                           <m:ctrlPr>
                             <a:rPr lang="en-US" i="1">
-                              <a:latin typeface="Cambria Math" panose="02040503050406030204" pitchFamily="18" charset="0"/>
+                              <a:latin typeface="Cambria Math" charset="0"/>
                               <a:ea typeface="Cambria Math"/>
                             </a:rPr>
                           </m:ctrlPr>
@@ -17160,7 +17144,7 @@
                         <m:sSubPr>
                           <m:ctrlPr>
                             <a:rPr lang="en-US" i="1">
-                              <a:latin typeface="Cambria Math" panose="02040503050406030204" pitchFamily="18" charset="0"/>
+                              <a:latin typeface="Cambria Math" charset="0"/>
                               <a:ea typeface="Cambria Math"/>
                             </a:rPr>
                           </m:ctrlPr>
@@ -17273,7 +17257,7 @@
                         <m:dPr>
                           <m:ctrlPr>
                             <a:rPr lang="en-US" i="1">
-                              <a:latin typeface="Cambria Math" panose="02040503050406030204" pitchFamily="18" charset="0"/>
+                              <a:latin typeface="Cambria Math" charset="0"/>
                               <a:ea typeface="Cambria Math"/>
                             </a:rPr>
                           </m:ctrlPr>
@@ -17290,7 +17274,7 @@
                             <m:dPr>
                               <m:ctrlPr>
                                 <a:rPr lang="en-US" i="1">
-                                  <a:latin typeface="Cambria Math" panose="02040503050406030204" pitchFamily="18" charset="0"/>
+                                  <a:latin typeface="Cambria Math" charset="0"/>
                                   <a:ea typeface="Cambria Math"/>
                                 </a:rPr>
                               </m:ctrlPr>
@@ -17314,7 +17298,7 @@
                                 <m:sSubPr>
                                   <m:ctrlPr>
                                     <a:rPr lang="en-US" i="1">
-                                      <a:latin typeface="Cambria Math" panose="02040503050406030204" pitchFamily="18" charset="0"/>
+                                      <a:latin typeface="Cambria Math" charset="0"/>
                                       <a:ea typeface="Cambria Math"/>
                                     </a:rPr>
                                   </m:ctrlPr>
@@ -17351,7 +17335,7 @@
                             <m:sSubPr>
                               <m:ctrlPr>
                                 <a:rPr lang="en-US" i="1">
-                                  <a:latin typeface="Cambria Math" panose="02040503050406030204" pitchFamily="18" charset="0"/>
+                                  <a:latin typeface="Cambria Math" charset="0"/>
                                   <a:ea typeface="Cambria Math"/>
                                 </a:rPr>
                               </m:ctrlPr>
@@ -17388,7 +17372,7 @@
                         <m:sSubPr>
                           <m:ctrlPr>
                             <a:rPr lang="en-US" i="1">
-                              <a:latin typeface="Cambria Math" panose="02040503050406030204" pitchFamily="18" charset="0"/>
+                              <a:latin typeface="Cambria Math" charset="0"/>
                               <a:ea typeface="Cambria Math"/>
                             </a:rPr>
                           </m:ctrlPr>
@@ -17544,8 +17528,8 @@
           <a:lstStyle/>
           <a:p>
             <a:r>
-              <a:rPr lang="en-US" dirty="0" err="1" smtClean="0"/>
-              <a:t>Skeletonization</a:t>
+              <a:rPr lang="en-US" dirty="0" smtClean="0"/>
+              <a:t>Skeletonizing</a:t>
             </a:r>
             <a:endParaRPr lang="en-US" dirty="0"/>
           </a:p>
@@ -17571,12 +17555,8 @@
               <a:t>Repeated </a:t>
             </a:r>
             <a:r>
-              <a:rPr lang="en-US" dirty="0" err="1"/>
-              <a:t>t</a:t>
-            </a:r>
-            <a:r>
-              <a:rPr lang="en-US" dirty="0" err="1" smtClean="0"/>
-              <a:t>hinnings</a:t>
+              <a:rPr lang="en-US" dirty="0" smtClean="0"/>
+              <a:t>thinning's</a:t>
             </a:r>
             <a:endParaRPr lang="en-US" dirty="0" smtClean="0"/>
           </a:p>
@@ -17694,7 +17674,12 @@
             <p:ph idx="1"/>
           </p:nvPr>
         </p:nvSpPr>
-        <p:spPr/>
+        <p:spPr>
+          <a:xfrm>
+            <a:off x="609600" y="1600207"/>
+            <a:ext cx="10972800" cy="1274796"/>
+          </a:xfrm>
+        </p:spPr>
         <p:txBody>
           <a:bodyPr/>
           <a:lstStyle/>
@@ -17710,23 +17695,809 @@
               <a:t>Complement to the </a:t>
             </a:r>
             <a:r>
-              <a:rPr lang="en-US" dirty="0" err="1" smtClean="0"/>
-              <a:t>skeletonization</a:t>
+              <a:rPr lang="en-US" dirty="0" smtClean="0"/>
+              <a:t>skeletonizing</a:t>
             </a:r>
             <a:endParaRPr lang="en-US" dirty="0"/>
           </a:p>
         </p:txBody>
       </p:sp>
+      <mc:AlternateContent xmlns:mc="http://schemas.openxmlformats.org/markup-compatibility/2006">
+        <mc:Choice xmlns:a14="http://schemas.microsoft.com/office/drawing/2010/main" Requires="a14">
+          <p:sp>
+            <p:nvSpPr>
+              <p:cNvPr id="8" name="Rectangle 7"/>
+              <p:cNvSpPr/>
+              <p:nvPr/>
+            </p:nvSpPr>
+            <p:spPr>
+              <a:xfrm>
+                <a:off x="2057400" y="3057572"/>
+                <a:ext cx="1676400" cy="369332"/>
+              </a:xfrm>
+              <a:prstGeom prst="rect">
+                <a:avLst/>
+              </a:prstGeom>
+            </p:spPr>
+            <p:txBody>
+              <a:bodyPr wrap="square">
+                <a:spAutoFit/>
+              </a:bodyPr>
+              <a:lstStyle/>
+              <a:p>
+                <a:pPr/>
+                <a14:m>
+                  <m:oMathPara xmlns:m="http://schemas.openxmlformats.org/officeDocument/2006/math">
+                    <m:oMathParaPr>
+                      <m:jc m:val="left"/>
+                    </m:oMathParaPr>
+                    <m:oMath xmlns:m="http://schemas.openxmlformats.org/officeDocument/2006/math">
+                      <m:sSub>
+                        <m:sSubPr>
+                          <m:ctrlPr>
+                            <a:rPr lang="en-US" i="1" smtClean="0">
+                              <a:latin typeface="Cambria Math" charset="0"/>
+                              <a:ea typeface="Cambria Math" charset="0"/>
+                              <a:cs typeface="Cambria Math" charset="0"/>
+                            </a:rPr>
+                          </m:ctrlPr>
+                        </m:sSubPr>
+                        <m:e>
+                          <m:r>
+                            <a:rPr lang="en-US" b="0" i="1" smtClean="0">
+                              <a:latin typeface="Cambria Math" charset="0"/>
+                              <a:ea typeface="Cambria Math" charset="0"/>
+                              <a:cs typeface="Cambria Math" charset="0"/>
+                            </a:rPr>
+                            <m:t>𝑋</m:t>
+                          </m:r>
+                        </m:e>
+                        <m:sub>
+                          <m:r>
+                            <a:rPr lang="en-US" b="0" i="1" smtClean="0">
+                              <a:latin typeface="Cambria Math" charset="0"/>
+                              <a:ea typeface="Cambria Math" charset="0"/>
+                              <a:cs typeface="Cambria Math" charset="0"/>
+                            </a:rPr>
+                            <m:t>1</m:t>
+                          </m:r>
+                        </m:sub>
+                      </m:sSub>
+                      <m:r>
+                        <a:rPr lang="en-US" b="0" i="1" smtClean="0">
+                          <a:latin typeface="Cambria Math" charset="0"/>
+                          <a:ea typeface="Cambria Math" charset="0"/>
+                          <a:cs typeface="Cambria Math" charset="0"/>
+                        </a:rPr>
+                        <m:t>=</m:t>
+                      </m:r>
+                      <m:r>
+                        <a:rPr lang="en-US" b="0" i="1" smtClean="0">
+                          <a:latin typeface="Cambria Math" charset="0"/>
+                          <a:ea typeface="Cambria Math" charset="0"/>
+                          <a:cs typeface="Cambria Math" charset="0"/>
+                        </a:rPr>
+                        <m:t>𝐴</m:t>
+                      </m:r>
+                      <m:r>
+                        <a:rPr lang="en-US" i="1">
+                          <a:latin typeface="Cambria Math" charset="0"/>
+                          <a:ea typeface="Cambria Math" charset="0"/>
+                          <a:cs typeface="Cambria Math" charset="0"/>
+                        </a:rPr>
+                        <m:t>⊗</m:t>
+                      </m:r>
+                      <m:r>
+                        <a:rPr lang="en-US" b="0" i="1" smtClean="0">
+                          <a:latin typeface="Cambria Math" charset="0"/>
+                          <a:ea typeface="Cambria Math" charset="0"/>
+                          <a:cs typeface="Cambria Math" charset="0"/>
+                        </a:rPr>
+                        <m:t>{</m:t>
+                      </m:r>
+                      <m:r>
+                        <a:rPr lang="en-US" b="0" i="1" smtClean="0">
+                          <a:latin typeface="Cambria Math" charset="0"/>
+                          <a:ea typeface="Cambria Math" charset="0"/>
+                          <a:cs typeface="Cambria Math" charset="0"/>
+                        </a:rPr>
+                        <m:t>𝐵</m:t>
+                      </m:r>
+                      <m:r>
+                        <a:rPr lang="en-US" b="0" i="1" smtClean="0">
+                          <a:latin typeface="Cambria Math" charset="0"/>
+                          <a:ea typeface="Cambria Math" charset="0"/>
+                          <a:cs typeface="Cambria Math" charset="0"/>
+                        </a:rPr>
+                        <m:t>}</m:t>
+                      </m:r>
+                    </m:oMath>
+                  </m:oMathPara>
+                </a14:m>
+                <a:endParaRPr lang="en-US" dirty="0">
+                  <a:latin typeface="Times New Roman" panose="02020603050405020304" pitchFamily="18" charset="0"/>
+                  <a:ea typeface="Cambria Math"/>
+                  <a:cs typeface="Times New Roman" panose="02020603050405020304" pitchFamily="18" charset="0"/>
+                </a:endParaRPr>
+              </a:p>
+            </p:txBody>
+          </p:sp>
+        </mc:Choice>
+        <mc:Fallback>
+          <p:sp>
+            <p:nvSpPr>
+              <p:cNvPr id="8" name="Rectangle 7"/>
+              <p:cNvSpPr>
+                <a:spLocks noRot="1" noChangeAspect="1" noMove="1" noResize="1" noEditPoints="1" noAdjustHandles="1" noChangeArrowheads="1" noChangeShapeType="1" noTextEdit="1"/>
+              </p:cNvSpPr>
+              <p:nvPr/>
+            </p:nvSpPr>
+            <p:spPr>
+              <a:xfrm>
+                <a:off x="2057400" y="3057572"/>
+                <a:ext cx="1676400" cy="369332"/>
+              </a:xfrm>
+              <a:prstGeom prst="rect">
+                <a:avLst/>
+              </a:prstGeom>
+              <a:blipFill rotWithShape="0">
+                <a:blip r:embed="rId2"/>
+                <a:stretch>
+                  <a:fillRect b="-15000"/>
+                </a:stretch>
+              </a:blipFill>
+            </p:spPr>
+            <p:txBody>
+              <a:bodyPr/>
+              <a:lstStyle/>
+              <a:p>
+                <a:r>
+                  <a:rPr lang="en-US">
+                    <a:noFill/>
+                  </a:rPr>
+                  <a:t> </a:t>
+                </a:r>
+              </a:p>
+            </p:txBody>
+          </p:sp>
+        </mc:Fallback>
+      </mc:AlternateContent>
+      <mc:AlternateContent xmlns:mc="http://schemas.openxmlformats.org/markup-compatibility/2006">
+        <mc:Choice xmlns:a14="http://schemas.microsoft.com/office/drawing/2010/main" Requires="a14">
+          <p:sp>
+            <p:nvSpPr>
+              <p:cNvPr id="9" name="Rectangle 8"/>
+              <p:cNvSpPr/>
+              <p:nvPr/>
+            </p:nvSpPr>
+            <p:spPr>
+              <a:xfrm>
+                <a:off x="2057400" y="3616489"/>
+                <a:ext cx="2209800" cy="875496"/>
+              </a:xfrm>
+              <a:prstGeom prst="rect">
+                <a:avLst/>
+              </a:prstGeom>
+            </p:spPr>
+            <p:txBody>
+              <a:bodyPr wrap="square">
+                <a:spAutoFit/>
+              </a:bodyPr>
+              <a:lstStyle/>
+              <a:p>
+                <a:pPr/>
+                <a14:m>
+                  <m:oMathPara xmlns:m="http://schemas.openxmlformats.org/officeDocument/2006/math">
+                    <m:oMathParaPr>
+                      <m:jc m:val="left"/>
+                    </m:oMathParaPr>
+                    <m:oMath xmlns:m="http://schemas.openxmlformats.org/officeDocument/2006/math">
+                      <m:sSub>
+                        <m:sSubPr>
+                          <m:ctrlPr>
+                            <a:rPr lang="en-US" i="1" smtClean="0">
+                              <a:latin typeface="Cambria Math" charset="0"/>
+                              <a:ea typeface="Cambria Math" charset="0"/>
+                              <a:cs typeface="Cambria Math" charset="0"/>
+                            </a:rPr>
+                          </m:ctrlPr>
+                        </m:sSubPr>
+                        <m:e>
+                          <m:r>
+                            <a:rPr lang="en-US" b="0" i="1" smtClean="0">
+                              <a:latin typeface="Cambria Math" charset="0"/>
+                              <a:ea typeface="Cambria Math" charset="0"/>
+                              <a:cs typeface="Cambria Math" charset="0"/>
+                            </a:rPr>
+                            <m:t>𝑋</m:t>
+                          </m:r>
+                        </m:e>
+                        <m:sub>
+                          <m:r>
+                            <a:rPr lang="en-US" b="0" i="1" smtClean="0">
+                              <a:latin typeface="Cambria Math" charset="0"/>
+                              <a:ea typeface="Cambria Math" charset="0"/>
+                              <a:cs typeface="Cambria Math" charset="0"/>
+                            </a:rPr>
+                            <m:t>2</m:t>
+                          </m:r>
+                        </m:sub>
+                      </m:sSub>
+                      <m:r>
+                        <a:rPr lang="en-US" b="0" i="1" smtClean="0">
+                          <a:latin typeface="Cambria Math" charset="0"/>
+                          <a:ea typeface="Cambria Math" charset="0"/>
+                          <a:cs typeface="Cambria Math" charset="0"/>
+                        </a:rPr>
+                        <m:t>=</m:t>
+                      </m:r>
+                      <m:nary>
+                        <m:naryPr>
+                          <m:chr m:val="⋃"/>
+                          <m:ctrlPr>
+                            <a:rPr lang="is-IS" b="0" i="1" smtClean="0">
+                              <a:latin typeface="Cambria Math" charset="0"/>
+                              <a:ea typeface="Cambria Math" charset="0"/>
+                              <a:cs typeface="Cambria Math" charset="0"/>
+                            </a:rPr>
+                          </m:ctrlPr>
+                        </m:naryPr>
+                        <m:sub>
+                          <m:r>
+                            <m:rPr>
+                              <m:brk m:alnAt="23"/>
+                            </m:rPr>
+                            <a:rPr lang="en-US" b="0" i="1" smtClean="0">
+                              <a:latin typeface="Cambria Math" charset="0"/>
+                              <a:ea typeface="Cambria Math" charset="0"/>
+                              <a:cs typeface="Cambria Math" charset="0"/>
+                            </a:rPr>
+                            <m:t>𝑘</m:t>
+                          </m:r>
+                          <m:r>
+                            <a:rPr lang="en-US" b="0" i="1" smtClean="0">
+                              <a:latin typeface="Cambria Math" charset="0"/>
+                              <a:ea typeface="Cambria Math" charset="0"/>
+                              <a:cs typeface="Cambria Math" charset="0"/>
+                            </a:rPr>
+                            <m:t>=1</m:t>
+                          </m:r>
+                        </m:sub>
+                        <m:sup>
+                          <m:r>
+                            <a:rPr lang="en-US" b="0" i="1" smtClean="0">
+                              <a:latin typeface="Cambria Math" charset="0"/>
+                              <a:ea typeface="Cambria Math" charset="0"/>
+                              <a:cs typeface="Cambria Math" charset="0"/>
+                            </a:rPr>
+                            <m:t>8</m:t>
+                          </m:r>
+                        </m:sup>
+                        <m:e>
+                          <m:d>
+                            <m:dPr>
+                              <m:ctrlPr>
+                                <a:rPr lang="mr-IN" b="0" i="1" smtClean="0">
+                                  <a:latin typeface="Cambria Math" charset="0"/>
+                                  <a:ea typeface="Cambria Math" charset="0"/>
+                                  <a:cs typeface="Cambria Math" charset="0"/>
+                                </a:rPr>
+                              </m:ctrlPr>
+                            </m:dPr>
+                            <m:e>
+                              <m:sSub>
+                                <m:sSubPr>
+                                  <m:ctrlPr>
+                                    <a:rPr lang="en-US" b="0" i="1" smtClean="0">
+                                      <a:latin typeface="Cambria Math" charset="0"/>
+                                      <a:ea typeface="Cambria Math" charset="0"/>
+                                      <a:cs typeface="Cambria Math" charset="0"/>
+                                    </a:rPr>
+                                  </m:ctrlPr>
+                                </m:sSubPr>
+                                <m:e>
+                                  <m:r>
+                                    <a:rPr lang="en-US" b="0" i="1" smtClean="0">
+                                      <a:latin typeface="Cambria Math" charset="0"/>
+                                      <a:ea typeface="Cambria Math" charset="0"/>
+                                      <a:cs typeface="Cambria Math" charset="0"/>
+                                    </a:rPr>
+                                    <m:t>𝑋</m:t>
+                                  </m:r>
+                                </m:e>
+                                <m:sub>
+                                  <m:r>
+                                    <a:rPr lang="en-US" b="0" i="1" smtClean="0">
+                                      <a:latin typeface="Cambria Math" charset="0"/>
+                                      <a:ea typeface="Cambria Math" charset="0"/>
+                                      <a:cs typeface="Cambria Math" charset="0"/>
+                                    </a:rPr>
+                                    <m:t>1</m:t>
+                                  </m:r>
+                                </m:sub>
+                              </m:sSub>
+                              <m:r>
+                                <a:rPr lang="en-US" i="1">
+                                  <a:latin typeface="Cambria Math"/>
+                                  <a:ea typeface="Cambria Math"/>
+                                </a:rPr>
+                                <m:t>⊛</m:t>
+                              </m:r>
+                              <m:sSup>
+                                <m:sSupPr>
+                                  <m:ctrlPr>
+                                    <a:rPr lang="en-US" i="1" smtClean="0">
+                                      <a:latin typeface="Cambria Math" charset="0"/>
+                                      <a:ea typeface="Cambria Math"/>
+                                    </a:rPr>
+                                  </m:ctrlPr>
+                                </m:sSupPr>
+                                <m:e>
+                                  <m:r>
+                                    <a:rPr lang="en-US" b="0" i="1" smtClean="0">
+                                      <a:latin typeface="Cambria Math" charset="0"/>
+                                      <a:ea typeface="Cambria Math"/>
+                                    </a:rPr>
+                                    <m:t>𝐵</m:t>
+                                  </m:r>
+                                </m:e>
+                                <m:sup>
+                                  <m:r>
+                                    <a:rPr lang="en-US" b="0" i="1" smtClean="0">
+                                      <a:latin typeface="Cambria Math" charset="0"/>
+                                      <a:ea typeface="Cambria Math"/>
+                                    </a:rPr>
+                                    <m:t>𝑘</m:t>
+                                  </m:r>
+                                </m:sup>
+                              </m:sSup>
+                            </m:e>
+                          </m:d>
+                        </m:e>
+                      </m:nary>
+                    </m:oMath>
+                  </m:oMathPara>
+                </a14:m>
+                <a:endParaRPr lang="en-US" dirty="0">
+                  <a:latin typeface="Times New Roman" panose="02020603050405020304" pitchFamily="18" charset="0"/>
+                  <a:ea typeface="Cambria Math"/>
+                  <a:cs typeface="Times New Roman" panose="02020603050405020304" pitchFamily="18" charset="0"/>
+                </a:endParaRPr>
+              </a:p>
+            </p:txBody>
+          </p:sp>
+        </mc:Choice>
+        <mc:Fallback>
+          <p:sp>
+            <p:nvSpPr>
+              <p:cNvPr id="9" name="Rectangle 8"/>
+              <p:cNvSpPr>
+                <a:spLocks noRot="1" noChangeAspect="1" noMove="1" noResize="1" noEditPoints="1" noAdjustHandles="1" noChangeArrowheads="1" noChangeShapeType="1" noTextEdit="1"/>
+              </p:cNvSpPr>
+              <p:nvPr/>
+            </p:nvSpPr>
+            <p:spPr>
+              <a:xfrm>
+                <a:off x="2057400" y="3616489"/>
+                <a:ext cx="2209800" cy="875496"/>
+              </a:xfrm>
+              <a:prstGeom prst="rect">
+                <a:avLst/>
+              </a:prstGeom>
+              <a:blipFill rotWithShape="0">
+                <a:blip r:embed="rId3"/>
+                <a:stretch>
+                  <a:fillRect/>
+                </a:stretch>
+              </a:blipFill>
+            </p:spPr>
+            <p:txBody>
+              <a:bodyPr/>
+              <a:lstStyle/>
+              <a:p>
+                <a:r>
+                  <a:rPr lang="en-US">
+                    <a:noFill/>
+                  </a:rPr>
+                  <a:t> </a:t>
+                </a:r>
+              </a:p>
+            </p:txBody>
+          </p:sp>
+        </mc:Fallback>
+      </mc:AlternateContent>
+      <mc:AlternateContent xmlns:mc="http://schemas.openxmlformats.org/markup-compatibility/2006">
+        <mc:Choice xmlns:a14="http://schemas.microsoft.com/office/drawing/2010/main" Requires="a14">
+          <p:sp>
+            <p:nvSpPr>
+              <p:cNvPr id="10" name="Rectangle 9"/>
+              <p:cNvSpPr/>
+              <p:nvPr/>
+            </p:nvSpPr>
+            <p:spPr>
+              <a:xfrm>
+                <a:off x="2057400" y="5240487"/>
+                <a:ext cx="1524000" cy="369332"/>
+              </a:xfrm>
+              <a:prstGeom prst="rect">
+                <a:avLst/>
+              </a:prstGeom>
+            </p:spPr>
+            <p:txBody>
+              <a:bodyPr wrap="square">
+                <a:spAutoFit/>
+              </a:bodyPr>
+              <a:lstStyle/>
+              <a:p>
+                <a:pPr/>
+                <a14:m>
+                  <m:oMathPara xmlns:m="http://schemas.openxmlformats.org/officeDocument/2006/math">
+                    <m:oMathParaPr>
+                      <m:jc m:val="left"/>
+                    </m:oMathParaPr>
+                    <m:oMath xmlns:m="http://schemas.openxmlformats.org/officeDocument/2006/math">
+                      <m:sSub>
+                        <m:sSubPr>
+                          <m:ctrlPr>
+                            <a:rPr lang="en-US" i="1" smtClean="0">
+                              <a:latin typeface="Cambria Math" charset="0"/>
+                              <a:ea typeface="Cambria Math" charset="0"/>
+                              <a:cs typeface="Cambria Math" charset="0"/>
+                            </a:rPr>
+                          </m:ctrlPr>
+                        </m:sSubPr>
+                        <m:e>
+                          <m:r>
+                            <a:rPr lang="en-US" b="0" i="1" smtClean="0">
+                              <a:latin typeface="Cambria Math" charset="0"/>
+                              <a:ea typeface="Cambria Math" charset="0"/>
+                              <a:cs typeface="Cambria Math" charset="0"/>
+                            </a:rPr>
+                            <m:t>𝑋</m:t>
+                          </m:r>
+                        </m:e>
+                        <m:sub>
+                          <m:r>
+                            <a:rPr lang="en-US" b="0" i="1" smtClean="0">
+                              <a:latin typeface="Cambria Math" charset="0"/>
+                              <a:ea typeface="Cambria Math" charset="0"/>
+                              <a:cs typeface="Cambria Math" charset="0"/>
+                            </a:rPr>
+                            <m:t>4</m:t>
+                          </m:r>
+                        </m:sub>
+                      </m:sSub>
+                      <m:r>
+                        <a:rPr lang="en-US" b="0" i="1" smtClean="0">
+                          <a:latin typeface="Cambria Math" charset="0"/>
+                          <a:ea typeface="Cambria Math" charset="0"/>
+                          <a:cs typeface="Cambria Math" charset="0"/>
+                        </a:rPr>
+                        <m:t>=</m:t>
+                      </m:r>
+                      <m:sSub>
+                        <m:sSubPr>
+                          <m:ctrlPr>
+                            <a:rPr lang="en-US" b="0" i="1" smtClean="0">
+                              <a:latin typeface="Cambria Math" charset="0"/>
+                              <a:ea typeface="Cambria Math" charset="0"/>
+                              <a:cs typeface="Cambria Math" charset="0"/>
+                            </a:rPr>
+                          </m:ctrlPr>
+                        </m:sSubPr>
+                        <m:e>
+                          <m:r>
+                            <a:rPr lang="en-US" b="0" i="1" smtClean="0">
+                              <a:latin typeface="Cambria Math" charset="0"/>
+                              <a:ea typeface="Cambria Math" charset="0"/>
+                              <a:cs typeface="Cambria Math" charset="0"/>
+                            </a:rPr>
+                            <m:t>𝑋</m:t>
+                          </m:r>
+                        </m:e>
+                        <m:sub>
+                          <m:r>
+                            <a:rPr lang="en-US" b="0" i="1" smtClean="0">
+                              <a:latin typeface="Cambria Math" charset="0"/>
+                              <a:ea typeface="Cambria Math" charset="0"/>
+                              <a:cs typeface="Cambria Math" charset="0"/>
+                            </a:rPr>
+                            <m:t>1</m:t>
+                          </m:r>
+                        </m:sub>
+                      </m:sSub>
+                      <m:sSub>
+                        <m:sSubPr>
+                          <m:ctrlPr>
+                            <a:rPr lang="en-US" b="0" i="1" smtClean="0">
+                              <a:latin typeface="Cambria Math" charset="0"/>
+                              <a:ea typeface="Cambria Math" charset="0"/>
+                              <a:cs typeface="Cambria Math" charset="0"/>
+                            </a:rPr>
+                          </m:ctrlPr>
+                        </m:sSubPr>
+                        <m:e>
+                          <m:r>
+                            <a:rPr lang="en-US" b="0" i="1" smtClean="0">
+                              <a:latin typeface="Cambria Math" charset="0"/>
+                              <a:ea typeface="Cambria Math" charset="0"/>
+                              <a:cs typeface="Cambria Math" charset="0"/>
+                            </a:rPr>
+                            <m:t>∪</m:t>
+                          </m:r>
+                          <m:r>
+                            <a:rPr lang="en-US" b="0" i="1" smtClean="0">
+                              <a:latin typeface="Cambria Math" charset="0"/>
+                              <a:ea typeface="Cambria Math" charset="0"/>
+                              <a:cs typeface="Cambria Math" charset="0"/>
+                            </a:rPr>
+                            <m:t>𝑋</m:t>
+                          </m:r>
+                        </m:e>
+                        <m:sub>
+                          <m:r>
+                            <a:rPr lang="en-US" b="0" i="1" smtClean="0">
+                              <a:latin typeface="Cambria Math" charset="0"/>
+                              <a:ea typeface="Cambria Math" charset="0"/>
+                              <a:cs typeface="Cambria Math" charset="0"/>
+                            </a:rPr>
+                            <m:t>3</m:t>
+                          </m:r>
+                        </m:sub>
+                      </m:sSub>
+                    </m:oMath>
+                  </m:oMathPara>
+                </a14:m>
+                <a:endParaRPr lang="en-US" dirty="0">
+                  <a:latin typeface="Times New Roman" panose="02020603050405020304" pitchFamily="18" charset="0"/>
+                  <a:ea typeface="Cambria Math"/>
+                  <a:cs typeface="Times New Roman" panose="02020603050405020304" pitchFamily="18" charset="0"/>
+                </a:endParaRPr>
+              </a:p>
+            </p:txBody>
+          </p:sp>
+        </mc:Choice>
+        <mc:Fallback>
+          <p:sp>
+            <p:nvSpPr>
+              <p:cNvPr id="10" name="Rectangle 9"/>
+              <p:cNvSpPr>
+                <a:spLocks noRot="1" noChangeAspect="1" noMove="1" noResize="1" noEditPoints="1" noAdjustHandles="1" noChangeArrowheads="1" noChangeShapeType="1" noTextEdit="1"/>
+              </p:cNvSpPr>
+              <p:nvPr/>
+            </p:nvSpPr>
+            <p:spPr>
+              <a:xfrm>
+                <a:off x="2057400" y="5240487"/>
+                <a:ext cx="1524000" cy="369332"/>
+              </a:xfrm>
+              <a:prstGeom prst="rect">
+                <a:avLst/>
+              </a:prstGeom>
+              <a:blipFill rotWithShape="0">
+                <a:blip r:embed="rId4"/>
+                <a:stretch>
+                  <a:fillRect b="-1667"/>
+                </a:stretch>
+              </a:blipFill>
+            </p:spPr>
+            <p:txBody>
+              <a:bodyPr/>
+              <a:lstStyle/>
+              <a:p>
+                <a:r>
+                  <a:rPr lang="en-US">
+                    <a:noFill/>
+                  </a:rPr>
+                  <a:t> </a:t>
+                </a:r>
+              </a:p>
+            </p:txBody>
+          </p:sp>
+        </mc:Fallback>
+      </mc:AlternateContent>
+      <mc:AlternateContent xmlns:mc="http://schemas.openxmlformats.org/markup-compatibility/2006">
+        <mc:Choice xmlns:a14="http://schemas.microsoft.com/office/drawing/2010/main" Requires="a14">
+          <p:sp>
+            <p:nvSpPr>
+              <p:cNvPr id="11" name="Rectangle 10"/>
+              <p:cNvSpPr/>
+              <p:nvPr/>
+            </p:nvSpPr>
+            <p:spPr>
+              <a:xfrm>
+                <a:off x="2057400" y="4681570"/>
+                <a:ext cx="2322286" cy="369332"/>
+              </a:xfrm>
+              <a:prstGeom prst="rect">
+                <a:avLst/>
+              </a:prstGeom>
+            </p:spPr>
+            <p:txBody>
+              <a:bodyPr wrap="square">
+                <a:spAutoFit/>
+              </a:bodyPr>
+              <a:lstStyle/>
+              <a:p>
+                <a:pPr/>
+                <a14:m>
+                  <m:oMathPara xmlns:m="http://schemas.openxmlformats.org/officeDocument/2006/math">
+                    <m:oMathParaPr>
+                      <m:jc m:val="left"/>
+                    </m:oMathParaPr>
+                    <m:oMath xmlns:m="http://schemas.openxmlformats.org/officeDocument/2006/math">
+                      <m:sSub>
+                        <m:sSubPr>
+                          <m:ctrlPr>
+                            <a:rPr lang="en-US" i="1" smtClean="0">
+                              <a:latin typeface="Cambria Math" charset="0"/>
+                              <a:ea typeface="Cambria Math" charset="0"/>
+                              <a:cs typeface="Cambria Math" charset="0"/>
+                            </a:rPr>
+                          </m:ctrlPr>
+                        </m:sSubPr>
+                        <m:e>
+                          <m:r>
+                            <a:rPr lang="en-US" b="0" i="1" smtClean="0">
+                              <a:latin typeface="Cambria Math" charset="0"/>
+                              <a:ea typeface="Cambria Math" charset="0"/>
+                              <a:cs typeface="Cambria Math" charset="0"/>
+                            </a:rPr>
+                            <m:t>𝑋</m:t>
+                          </m:r>
+                        </m:e>
+                        <m:sub>
+                          <m:r>
+                            <a:rPr lang="en-US" b="0" i="1" smtClean="0">
+                              <a:latin typeface="Cambria Math" charset="0"/>
+                              <a:ea typeface="Cambria Math" charset="0"/>
+                              <a:cs typeface="Cambria Math" charset="0"/>
+                            </a:rPr>
+                            <m:t>3</m:t>
+                          </m:r>
+                        </m:sub>
+                      </m:sSub>
+                      <m:r>
+                        <a:rPr lang="en-US" b="0" i="1" smtClean="0">
+                          <a:latin typeface="Cambria Math" charset="0"/>
+                          <a:ea typeface="Cambria Math" charset="0"/>
+                          <a:cs typeface="Cambria Math" charset="0"/>
+                        </a:rPr>
+                        <m:t>=</m:t>
+                      </m:r>
+                      <m:d>
+                        <m:dPr>
+                          <m:ctrlPr>
+                            <a:rPr lang="mr-IN" b="0" i="1" smtClean="0">
+                              <a:latin typeface="Cambria Math" charset="0"/>
+                              <a:ea typeface="Cambria Math" charset="0"/>
+                              <a:cs typeface="Cambria Math" charset="0"/>
+                            </a:rPr>
+                          </m:ctrlPr>
+                        </m:dPr>
+                        <m:e>
+                          <m:sSub>
+                            <m:sSubPr>
+                              <m:ctrlPr>
+                                <a:rPr lang="en-US" b="0" i="1" smtClean="0">
+                                  <a:latin typeface="Cambria Math" charset="0"/>
+                                  <a:ea typeface="Cambria Math" charset="0"/>
+                                  <a:cs typeface="Cambria Math" charset="0"/>
+                                </a:rPr>
+                              </m:ctrlPr>
+                            </m:sSubPr>
+                            <m:e>
+                              <m:r>
+                                <a:rPr lang="en-US" b="0" i="1" smtClean="0">
+                                  <a:latin typeface="Cambria Math" charset="0"/>
+                                  <a:ea typeface="Cambria Math" charset="0"/>
+                                  <a:cs typeface="Cambria Math" charset="0"/>
+                                </a:rPr>
+                                <m:t>𝑋</m:t>
+                              </m:r>
+                            </m:e>
+                            <m:sub>
+                              <m:r>
+                                <a:rPr lang="en-US" b="0" i="1" smtClean="0">
+                                  <a:latin typeface="Cambria Math" charset="0"/>
+                                  <a:ea typeface="Cambria Math" charset="0"/>
+                                  <a:cs typeface="Cambria Math" charset="0"/>
+                                </a:rPr>
+                                <m:t>2</m:t>
+                              </m:r>
+                            </m:sub>
+                          </m:sSub>
+                          <m:r>
+                            <a:rPr lang="en-US" i="1">
+                              <a:latin typeface="Cambria Math"/>
+                              <a:ea typeface="Cambria Math"/>
+                            </a:rPr>
+                            <m:t>⊕</m:t>
+                          </m:r>
+                          <m:r>
+                            <a:rPr lang="en-US" b="0" i="1" smtClean="0">
+                              <a:latin typeface="Cambria Math" charset="0"/>
+                              <a:ea typeface="Cambria Math"/>
+                            </a:rPr>
+                            <m:t>𝐻</m:t>
+                          </m:r>
+                        </m:e>
+                      </m:d>
+                      <m:r>
+                        <a:rPr lang="en-US" i="1">
+                          <a:latin typeface="Cambria Math"/>
+                          <a:ea typeface="Cambria Math"/>
+                        </a:rPr>
+                        <m:t>∩</m:t>
+                      </m:r>
+                      <m:r>
+                        <a:rPr lang="en-US" b="0" i="1" smtClean="0">
+                          <a:latin typeface="Cambria Math" charset="0"/>
+                          <a:ea typeface="Cambria Math"/>
+                        </a:rPr>
+                        <m:t>𝐴</m:t>
+                      </m:r>
+                    </m:oMath>
+                  </m:oMathPara>
+                </a14:m>
+                <a:endParaRPr lang="en-US" dirty="0">
+                  <a:latin typeface="Times New Roman" panose="02020603050405020304" pitchFamily="18" charset="0"/>
+                  <a:ea typeface="Cambria Math"/>
+                  <a:cs typeface="Times New Roman" panose="02020603050405020304" pitchFamily="18" charset="0"/>
+                </a:endParaRPr>
+              </a:p>
+            </p:txBody>
+          </p:sp>
+        </mc:Choice>
+        <mc:Fallback>
+          <p:sp>
+            <p:nvSpPr>
+              <p:cNvPr id="11" name="Rectangle 10"/>
+              <p:cNvSpPr>
+                <a:spLocks noRot="1" noChangeAspect="1" noMove="1" noResize="1" noEditPoints="1" noAdjustHandles="1" noChangeArrowheads="1" noChangeShapeType="1" noTextEdit="1"/>
+              </p:cNvSpPr>
+              <p:nvPr/>
+            </p:nvSpPr>
+            <p:spPr>
+              <a:xfrm>
+                <a:off x="2057400" y="4681570"/>
+                <a:ext cx="2322286" cy="369332"/>
+              </a:xfrm>
+              <a:prstGeom prst="rect">
+                <a:avLst/>
+              </a:prstGeom>
+              <a:blipFill rotWithShape="0">
+                <a:blip r:embed="rId5"/>
+                <a:stretch>
+                  <a:fillRect b="-6557"/>
+                </a:stretch>
+              </a:blipFill>
+            </p:spPr>
+            <p:txBody>
+              <a:bodyPr/>
+              <a:lstStyle/>
+              <a:p>
+                <a:r>
+                  <a:rPr lang="en-US">
+                    <a:noFill/>
+                  </a:rPr>
+                  <a:t> </a:t>
+                </a:r>
+              </a:p>
+            </p:txBody>
+          </p:sp>
+        </mc:Fallback>
+      </mc:AlternateContent>
       <p:pic>
         <p:nvPicPr>
-          <p:cNvPr id="4" name="Picture 3"/>
+          <p:cNvPr id="12" name="Picture 11"/>
           <p:cNvPicPr>
             <a:picLocks noChangeAspect="1"/>
           </p:cNvPicPr>
           <p:nvPr/>
         </p:nvPicPr>
         <p:blipFill>
-          <a:blip r:embed="rId2">
+          <a:blip r:embed="rId6">
             <a:extLst>
               <a:ext uri="{28A0092B-C50C-407E-A947-70E740481C1C}">
                 <a14:useLocalDpi xmlns:a14="http://schemas.microsoft.com/office/drawing/2010/main" val="0"/>
@@ -17739,98 +18510,8 @@
         </p:blipFill>
         <p:spPr>
           <a:xfrm>
-            <a:off x="7010400" y="3429000"/>
-            <a:ext cx="3962400" cy="2971800"/>
-          </a:xfrm>
-          <a:prstGeom prst="rect">
-            <a:avLst/>
-          </a:prstGeom>
-        </p:spPr>
-      </p:pic>
-      <p:pic>
-        <p:nvPicPr>
-          <p:cNvPr id="5" name="Picture 4"/>
-          <p:cNvPicPr>
-            <a:picLocks noChangeAspect="1"/>
-          </p:cNvPicPr>
-          <p:nvPr/>
-        </p:nvPicPr>
-        <p:blipFill>
-          <a:blip r:embed="rId3">
-            <a:extLst>
-              <a:ext uri="{28A0092B-C50C-407E-A947-70E740481C1C}">
-                <a14:useLocalDpi xmlns:a14="http://schemas.microsoft.com/office/drawing/2010/main" val="0"/>
-              </a:ext>
-            </a:extLst>
-          </a:blip>
-          <a:stretch>
-            <a:fillRect/>
-          </a:stretch>
-        </p:blipFill>
-        <p:spPr>
-          <a:xfrm>
-            <a:off x="1219200" y="3429000"/>
-            <a:ext cx="3962400" cy="2971800"/>
-          </a:xfrm>
-          <a:prstGeom prst="rect">
-            <a:avLst/>
-          </a:prstGeom>
-        </p:spPr>
-      </p:pic>
-      <p:pic>
-        <p:nvPicPr>
-          <p:cNvPr id="6" name="Picture 5"/>
-          <p:cNvPicPr>
-            <a:picLocks noChangeAspect="1"/>
-          </p:cNvPicPr>
-          <p:nvPr/>
-        </p:nvPicPr>
-        <p:blipFill>
-          <a:blip r:embed="rId2">
-            <a:extLst>
-              <a:ext uri="{28A0092B-C50C-407E-A947-70E740481C1C}">
-                <a14:useLocalDpi xmlns:a14="http://schemas.microsoft.com/office/drawing/2010/main" val="0"/>
-              </a:ext>
-            </a:extLst>
-          </a:blip>
-          <a:stretch>
-            <a:fillRect/>
-          </a:stretch>
-        </p:blipFill>
-        <p:spPr>
-          <a:xfrm>
-            <a:off x="7010400" y="3395133"/>
-            <a:ext cx="3962400" cy="2971800"/>
-          </a:xfrm>
-          <a:prstGeom prst="rect">
-            <a:avLst/>
-          </a:prstGeom>
-        </p:spPr>
-      </p:pic>
-      <p:pic>
-        <p:nvPicPr>
-          <p:cNvPr id="7" name="Picture 6"/>
-          <p:cNvPicPr>
-            <a:picLocks noChangeAspect="1"/>
-          </p:cNvPicPr>
-          <p:nvPr/>
-        </p:nvPicPr>
-        <p:blipFill>
-          <a:blip r:embed="rId3">
-            <a:extLst>
-              <a:ext uri="{28A0092B-C50C-407E-A947-70E740481C1C}">
-                <a14:useLocalDpi xmlns:a14="http://schemas.microsoft.com/office/drawing/2010/main" val="0"/>
-              </a:ext>
-            </a:extLst>
-          </a:blip>
-          <a:stretch>
-            <a:fillRect/>
-          </a:stretch>
-        </p:blipFill>
-        <p:spPr>
-          <a:xfrm>
-            <a:off x="1219200" y="3395133"/>
-            <a:ext cx="3962400" cy="2971800"/>
+            <a:off x="7391400" y="3059668"/>
+            <a:ext cx="2709423" cy="2819400"/>
           </a:xfrm>
           <a:prstGeom prst="rect">
             <a:avLst/>
@@ -17899,9 +18580,9 @@
       </p:sp>
       <p:pic>
         <p:nvPicPr>
-          <p:cNvPr id="1026" name="Picture 2" descr="https://lh4.googleusercontent.com/k5vvJgbXzqv2Jbi9Vc8qE_KAg3LoTfcb-6TMuuz9NiZDMh6-Z-AXijBy_zznmoTP6p2MXFaByPlAu7wVF6vx27IVyRcRKwRdvOMD4I7TtLPsITsIyXKmY7UjkLaW07G_b0XxNEs-lkg"/>
+          <p:cNvPr id="11" name="Picture 10"/>
           <p:cNvPicPr>
-            <a:picLocks noChangeAspect="1" noChangeArrowheads="1"/>
+            <a:picLocks noChangeAspect="1"/>
           </p:cNvPicPr>
           <p:nvPr/>
         </p:nvPicPr>
@@ -17913,29 +18594,48 @@
               </a:ext>
             </a:extLst>
           </a:blip>
-          <a:srcRect/>
           <a:stretch>
             <a:fillRect/>
           </a:stretch>
         </p:blipFill>
-        <p:spPr bwMode="auto">
+        <p:spPr>
           <a:xfrm>
-            <a:off x="2662238" y="2209800"/>
-            <a:ext cx="6867525" cy="3352801"/>
+            <a:off x="7010400" y="2590800"/>
+            <a:ext cx="3962400" cy="2971800"/>
           </a:xfrm>
           <a:prstGeom prst="rect">
             <a:avLst/>
           </a:prstGeom>
-          <a:noFill/>
-          <a:extLst>
-            <a:ext uri="{909E8E84-426E-40DD-AFC4-6F175D3DCCD1}">
-              <a14:hiddenFill xmlns:a14="http://schemas.microsoft.com/office/drawing/2010/main">
-                <a:solidFill>
-                  <a:srgbClr val="FFFFFF"/>
-                </a:solidFill>
-              </a14:hiddenFill>
-            </a:ext>
-          </a:extLst>
+        </p:spPr>
+      </p:pic>
+      <p:pic>
+        <p:nvPicPr>
+          <p:cNvPr id="12" name="Picture 11"/>
+          <p:cNvPicPr>
+            <a:picLocks noChangeAspect="1"/>
+          </p:cNvPicPr>
+          <p:nvPr/>
+        </p:nvPicPr>
+        <p:blipFill>
+          <a:blip r:embed="rId3">
+            <a:extLst>
+              <a:ext uri="{28A0092B-C50C-407E-A947-70E740481C1C}">
+                <a14:useLocalDpi xmlns:a14="http://schemas.microsoft.com/office/drawing/2010/main" val="0"/>
+              </a:ext>
+            </a:extLst>
+          </a:blip>
+          <a:stretch>
+            <a:fillRect/>
+          </a:stretch>
+        </p:blipFill>
+        <p:spPr>
+          <a:xfrm>
+            <a:off x="1219200" y="2590800"/>
+            <a:ext cx="3962400" cy="2971800"/>
+          </a:xfrm>
+          <a:prstGeom prst="rect">
+            <a:avLst/>
+          </a:prstGeom>
         </p:spPr>
       </p:pic>
     </p:spTree>
